--- a/Topic Modeling NIPS paper.pptx
+++ b/Topic Modeling NIPS paper.pptx
@@ -9,6 +9,18 @@
     <p:sldId id="257" r:id="rId3"/>
     <p:sldId id="259" r:id="rId4"/>
     <p:sldId id="258" r:id="rId5"/>
+    <p:sldId id="262" r:id="rId6"/>
+    <p:sldId id="263" r:id="rId7"/>
+    <p:sldId id="260" r:id="rId8"/>
+    <p:sldId id="261" r:id="rId9"/>
+    <p:sldId id="264" r:id="rId10"/>
+    <p:sldId id="265" r:id="rId11"/>
+    <p:sldId id="266" r:id="rId12"/>
+    <p:sldId id="267" r:id="rId13"/>
+    <p:sldId id="268" r:id="rId14"/>
+    <p:sldId id="269" r:id="rId15"/>
+    <p:sldId id="270" r:id="rId16"/>
+    <p:sldId id="271" r:id="rId17"/>
   </p:sldIdLst>
   <p:sldSz cx="12192000" cy="6858000"/>
   <p:notesSz cx="6858000" cy="9144000"/>
@@ -6018,8 +6030,8 @@
         </p:nvSpPr>
         <p:spPr>
           <a:xfrm>
-            <a:off x="1154955" y="1447801"/>
-            <a:ext cx="8825658" cy="1840684"/>
+            <a:off x="1154955" y="962636"/>
+            <a:ext cx="8825658" cy="2466364"/>
           </a:xfrm>
         </p:spPr>
         <p:txBody>
@@ -6028,15 +6040,30 @@
           <a:p>
             <a:r>
               <a:rPr lang="en-US" sz="6000" dirty="0"/>
-              <a:t>TOPIC MODELING </a:t>
+              <a:t>TOPIC MODELING COMPARISON</a:t>
             </a:r>
             <a:br>
-              <a:rPr lang="en-US" sz="6000" dirty="0"/>
+              <a:rPr lang="en-US" sz="4000" dirty="0"/>
             </a:br>
             <a:r>
-              <a:rPr lang="en-US" sz="6000" dirty="0"/>
-              <a:t>NIPS PAPER DATASET</a:t>
-            </a:r>
+              <a:rPr lang="en-US" sz="4000" dirty="0">
+                <a:solidFill>
+                  <a:schemeClr val="accent3">
+                    <a:lumMod val="60000"/>
+                    <a:lumOff val="40000"/>
+                  </a:schemeClr>
+                </a:solidFill>
+              </a:rPr>
+              <a:t>CASE : NIPS PAPER DATASET</a:t>
+            </a:r>
+            <a:endParaRPr lang="en-US" sz="6000" dirty="0">
+              <a:solidFill>
+                <a:schemeClr val="accent3">
+                  <a:lumMod val="60000"/>
+                  <a:lumOff val="40000"/>
+                </a:schemeClr>
+              </a:solidFill>
+            </a:endParaRPr>
           </a:p>
         </p:txBody>
       </p:sp>
@@ -6058,7 +6085,7 @@
         </p:nvSpPr>
         <p:spPr>
           <a:xfrm>
-            <a:off x="1154955" y="3791824"/>
+            <a:off x="1154955" y="3917659"/>
             <a:ext cx="8825658" cy="1182848"/>
           </a:xfrm>
         </p:spPr>
@@ -6081,7 +6108,7 @@
           </a:p>
           <a:p>
             <a:r>
-              <a:rPr lang="en-US"/>
+              <a:rPr lang="en-US" dirty="0"/>
               <a:t>Github REPO : </a:t>
             </a:r>
             <a:r>
@@ -6098,6 +6125,1456 @@
     <p:extLst>
       <p:ext uri="{BB962C8B-B14F-4D97-AF65-F5344CB8AC3E}">
         <p14:creationId xmlns:p14="http://schemas.microsoft.com/office/powerpoint/2010/main" val="4135359153"/>
+      </p:ext>
+    </p:extLst>
+  </p:cSld>
+  <p:clrMapOvr>
+    <a:masterClrMapping/>
+  </p:clrMapOvr>
+</p:sld>
+</file>
+
+<file path=ppt/slides/slide10.xml><?xml version="1.0" encoding="utf-8"?>
+<p:sld xmlns:a="http://schemas.openxmlformats.org/drawingml/2006/main" xmlns:r="http://schemas.openxmlformats.org/officeDocument/2006/relationships" xmlns:p="http://schemas.openxmlformats.org/presentationml/2006/main">
+  <p:cSld>
+    <p:spTree>
+      <p:nvGrpSpPr>
+        <p:cNvPr id="1" name=""/>
+        <p:cNvGrpSpPr/>
+        <p:nvPr/>
+      </p:nvGrpSpPr>
+      <p:grpSpPr>
+        <a:xfrm>
+          <a:off x="0" y="0"/>
+          <a:ext cx="0" cy="0"/>
+          <a:chOff x="0" y="0"/>
+          <a:chExt cx="0" cy="0"/>
+        </a:xfrm>
+      </p:grpSpPr>
+      <p:sp>
+        <p:nvSpPr>
+          <p:cNvPr id="2" name="Title 1">
+            <a:extLst>
+              <a:ext uri="{FF2B5EF4-FFF2-40B4-BE49-F238E27FC236}">
+                <a16:creationId xmlns:a16="http://schemas.microsoft.com/office/drawing/2014/main" id="{2F1DEE38-4E50-4967-A11B-7469BC3F7A46}"/>
+              </a:ext>
+            </a:extLst>
+          </p:cNvPr>
+          <p:cNvSpPr>
+            <a:spLocks noGrp="1"/>
+          </p:cNvSpPr>
+          <p:nvPr>
+            <p:ph type="title"/>
+          </p:nvPr>
+        </p:nvSpPr>
+        <p:spPr/>
+        <p:txBody>
+          <a:bodyPr/>
+          <a:lstStyle/>
+          <a:p>
+            <a:r>
+              <a:rPr lang="en-US" dirty="0"/>
+              <a:t>NMF</a:t>
+            </a:r>
+          </a:p>
+        </p:txBody>
+      </p:sp>
+      <p:sp>
+        <p:nvSpPr>
+          <p:cNvPr id="3" name="Content Placeholder 2">
+            <a:extLst>
+              <a:ext uri="{FF2B5EF4-FFF2-40B4-BE49-F238E27FC236}">
+                <a16:creationId xmlns:a16="http://schemas.microsoft.com/office/drawing/2014/main" id="{338A9150-CFB7-4ED3-B5B2-0374CF50B1D9}"/>
+              </a:ext>
+            </a:extLst>
+          </p:cNvPr>
+          <p:cNvSpPr>
+            <a:spLocks noGrp="1"/>
+          </p:cNvSpPr>
+          <p:nvPr>
+            <p:ph idx="1"/>
+          </p:nvPr>
+        </p:nvSpPr>
+        <p:spPr/>
+        <p:txBody>
+          <a:bodyPr/>
+          <a:lstStyle/>
+          <a:p>
+            <a:r>
+              <a:rPr lang="en-US" dirty="0"/>
+              <a:t>Factors high-dimensional vectors into a low-dimensionality representation. Similar to Principal component analysis (PCA), NMF takes advantage of the fact that the vectors are non-negative. By factoring them into the lower-dimensional form, NMF forces the coefficients to also be non-negative.</a:t>
+            </a:r>
+          </a:p>
+          <a:p>
+            <a:r>
+              <a:rPr lang="en-US" dirty="0"/>
+              <a:t>Given A = Document Matrix, Find W, H such that A = WH. Where </a:t>
+            </a:r>
+          </a:p>
+          <a:p>
+            <a:r>
+              <a:rPr lang="en-US" dirty="0"/>
+              <a:t>W = Basic Vector – topic discovered from documents</a:t>
+            </a:r>
+          </a:p>
+          <a:p>
+            <a:r>
+              <a:rPr lang="en-US" dirty="0"/>
+              <a:t>H = Coefficient Matrix – membership weight for topics in each doc</a:t>
+            </a:r>
+          </a:p>
+          <a:p>
+            <a:pPr marL="0" indent="0">
+              <a:buNone/>
+            </a:pPr>
+            <a:r>
+              <a:rPr lang="en-US" dirty="0" err="1"/>
+              <a:t>Obejctive</a:t>
+            </a:r>
+            <a:r>
+              <a:rPr lang="en-US" dirty="0"/>
+              <a:t> Function : </a:t>
+            </a:r>
+          </a:p>
+        </p:txBody>
+      </p:sp>
+      <p:pic>
+        <p:nvPicPr>
+          <p:cNvPr id="4" name="Picture 3">
+            <a:extLst>
+              <a:ext uri="{FF2B5EF4-FFF2-40B4-BE49-F238E27FC236}">
+                <a16:creationId xmlns:a16="http://schemas.microsoft.com/office/drawing/2014/main" id="{3AFED0AE-A54F-444E-90C1-DE4266B37249}"/>
+              </a:ext>
+            </a:extLst>
+          </p:cNvPr>
+          <p:cNvPicPr>
+            <a:picLocks noChangeAspect="1"/>
+          </p:cNvPicPr>
+          <p:nvPr/>
+        </p:nvPicPr>
+        <p:blipFill>
+          <a:blip r:embed="rId2"/>
+          <a:stretch>
+            <a:fillRect/>
+          </a:stretch>
+        </p:blipFill>
+        <p:spPr>
+          <a:xfrm>
+            <a:off x="3837355" y="5151236"/>
+            <a:ext cx="4643916" cy="917157"/>
+          </a:xfrm>
+          <a:prstGeom prst="rect">
+            <a:avLst/>
+          </a:prstGeom>
+        </p:spPr>
+      </p:pic>
+      <p:sp>
+        <p:nvSpPr>
+          <p:cNvPr id="5" name="Rectangle 4">
+            <a:extLst>
+              <a:ext uri="{FF2B5EF4-FFF2-40B4-BE49-F238E27FC236}">
+                <a16:creationId xmlns:a16="http://schemas.microsoft.com/office/drawing/2014/main" id="{77037A62-C882-43E2-B318-0387E14E837E}"/>
+              </a:ext>
+            </a:extLst>
+          </p:cNvPr>
+          <p:cNvSpPr/>
+          <p:nvPr/>
+        </p:nvSpPr>
+        <p:spPr>
+          <a:xfrm>
+            <a:off x="4197775" y="6323094"/>
+            <a:ext cx="3310522" cy="369332"/>
+          </a:xfrm>
+          <a:prstGeom prst="rect">
+            <a:avLst/>
+          </a:prstGeom>
+        </p:spPr>
+        <p:txBody>
+          <a:bodyPr wrap="none">
+            <a:spAutoFit/>
+          </a:bodyPr>
+          <a:lstStyle/>
+          <a:p>
+            <a:r>
+              <a:rPr lang="en-US" dirty="0" err="1">
+                <a:solidFill>
+                  <a:schemeClr val="accent3">
+                    <a:lumMod val="60000"/>
+                    <a:lumOff val="40000"/>
+                  </a:schemeClr>
+                </a:solidFill>
+              </a:rPr>
+              <a:t>sklearn.decomposition.NMF</a:t>
+            </a:r>
+            <a:endParaRPr lang="en-US" dirty="0">
+              <a:solidFill>
+                <a:schemeClr val="accent3">
+                  <a:lumMod val="60000"/>
+                  <a:lumOff val="40000"/>
+                </a:schemeClr>
+              </a:solidFill>
+            </a:endParaRPr>
+          </a:p>
+        </p:txBody>
+      </p:sp>
+    </p:spTree>
+    <p:extLst>
+      <p:ext uri="{BB962C8B-B14F-4D97-AF65-F5344CB8AC3E}">
+        <p14:creationId xmlns:p14="http://schemas.microsoft.com/office/powerpoint/2010/main" val="499821210"/>
+      </p:ext>
+    </p:extLst>
+  </p:cSld>
+  <p:clrMapOvr>
+    <a:masterClrMapping/>
+  </p:clrMapOvr>
+</p:sld>
+</file>
+
+<file path=ppt/slides/slide11.xml><?xml version="1.0" encoding="utf-8"?>
+<p:sld xmlns:a="http://schemas.openxmlformats.org/drawingml/2006/main" xmlns:r="http://schemas.openxmlformats.org/officeDocument/2006/relationships" xmlns:p="http://schemas.openxmlformats.org/presentationml/2006/main">
+  <p:cSld>
+    <p:spTree>
+      <p:nvGrpSpPr>
+        <p:cNvPr id="1" name=""/>
+        <p:cNvGrpSpPr/>
+        <p:nvPr/>
+      </p:nvGrpSpPr>
+      <p:grpSpPr>
+        <a:xfrm>
+          <a:off x="0" y="0"/>
+          <a:ext cx="0" cy="0"/>
+          <a:chOff x="0" y="0"/>
+          <a:chExt cx="0" cy="0"/>
+        </a:xfrm>
+      </p:grpSpPr>
+      <p:sp>
+        <p:nvSpPr>
+          <p:cNvPr id="2" name="Title 1">
+            <a:extLst>
+              <a:ext uri="{FF2B5EF4-FFF2-40B4-BE49-F238E27FC236}">
+                <a16:creationId xmlns:a16="http://schemas.microsoft.com/office/drawing/2014/main" id="{D4DF8B6F-C219-4F62-9B0E-E8D6702034B1}"/>
+              </a:ext>
+            </a:extLst>
+          </p:cNvPr>
+          <p:cNvSpPr>
+            <a:spLocks noGrp="1"/>
+          </p:cNvSpPr>
+          <p:nvPr>
+            <p:ph type="title"/>
+          </p:nvPr>
+        </p:nvSpPr>
+        <p:spPr/>
+        <p:txBody>
+          <a:bodyPr/>
+          <a:lstStyle/>
+          <a:p>
+            <a:r>
+              <a:rPr lang="en-US" dirty="0"/>
+              <a:t>NMF : Found 50 topics</a:t>
+            </a:r>
+          </a:p>
+        </p:txBody>
+      </p:sp>
+      <p:sp>
+        <p:nvSpPr>
+          <p:cNvPr id="4" name="Rectangle 3">
+            <a:extLst>
+              <a:ext uri="{FF2B5EF4-FFF2-40B4-BE49-F238E27FC236}">
+                <a16:creationId xmlns:a16="http://schemas.microsoft.com/office/drawing/2014/main" id="{B8FFE24E-D67D-4DCD-B62A-C7EA41B5AFFA}"/>
+              </a:ext>
+            </a:extLst>
+          </p:cNvPr>
+          <p:cNvSpPr/>
+          <p:nvPr/>
+        </p:nvSpPr>
+        <p:spPr>
+          <a:xfrm>
+            <a:off x="7172769" y="618147"/>
+            <a:ext cx="3970947" cy="6124754"/>
+          </a:xfrm>
+          <a:prstGeom prst="rect">
+            <a:avLst/>
+          </a:prstGeom>
+        </p:spPr>
+        <p:txBody>
+          <a:bodyPr wrap="square">
+            <a:spAutoFit/>
+          </a:bodyPr>
+          <a:lstStyle/>
+          <a:p>
+            <a:r>
+              <a:rPr lang="en-US" sz="1400" dirty="0"/>
+              <a:t>Topic 0:  lasso group screening</a:t>
+            </a:r>
+          </a:p>
+          <a:p>
+            <a:r>
+              <a:rPr lang="en-US" sz="1400" dirty="0"/>
+              <a:t>Topic 1:  neuron network synaptic</a:t>
+            </a:r>
+          </a:p>
+          <a:p>
+            <a:r>
+              <a:rPr lang="en-US" sz="1400" dirty="0"/>
+              <a:t>Topic 2:  policy action state</a:t>
+            </a:r>
+          </a:p>
+          <a:p>
+            <a:r>
+              <a:rPr lang="en-US" sz="1400" dirty="0"/>
+              <a:t>Topic 3:  image model pixel</a:t>
+            </a:r>
+          </a:p>
+          <a:p>
+            <a:r>
+              <a:rPr lang="en-US" sz="1400" dirty="0"/>
+              <a:t>Topic 4:  network neural input</a:t>
+            </a:r>
+          </a:p>
+          <a:p>
+            <a:r>
+              <a:rPr lang="en-US" sz="1400" dirty="0"/>
+              <a:t>Topic 5:  model data parameter</a:t>
+            </a:r>
+          </a:p>
+          <a:p>
+            <a:r>
+              <a:rPr lang="en-US" sz="1400" dirty="0"/>
+              <a:t>Topic 6:  regret bound algorithm</a:t>
+            </a:r>
+          </a:p>
+          <a:p>
+            <a:r>
+              <a:rPr lang="en-US" sz="1400" dirty="0"/>
+              <a:t>Topic 7:  graph vertex edge</a:t>
+            </a:r>
+          </a:p>
+          <a:p>
+            <a:r>
+              <a:rPr lang="en-US" sz="1400" dirty="0"/>
+              <a:t>Topic 8:  classifier </a:t>
+            </a:r>
+            <a:r>
+              <a:rPr lang="en-US" sz="1400" dirty="0" err="1"/>
+              <a:t>adaboost</a:t>
+            </a:r>
+            <a:r>
+              <a:rPr lang="en-US" sz="1400" dirty="0"/>
+              <a:t> training</a:t>
+            </a:r>
+          </a:p>
+          <a:p>
+            <a:r>
+              <a:rPr lang="en-US" sz="1400" dirty="0"/>
+              <a:t>Topic 9:  kernel function data</a:t>
+            </a:r>
+          </a:p>
+          <a:p>
+            <a:r>
+              <a:rPr lang="en-US" sz="1400" dirty="0"/>
+              <a:t>Topic 10:  topic document </a:t>
+            </a:r>
+            <a:r>
+              <a:rPr lang="en-US" sz="1400" dirty="0" err="1"/>
+              <a:t>lda</a:t>
+            </a:r>
+            <a:endParaRPr lang="en-US" sz="1400" dirty="0"/>
+          </a:p>
+          <a:p>
+            <a:r>
+              <a:rPr lang="en-US" sz="1400" dirty="0"/>
+              <a:t>Topic 11:  stimulus response neuron</a:t>
+            </a:r>
+          </a:p>
+          <a:p>
+            <a:r>
+              <a:rPr lang="en-US" sz="1400" dirty="0"/>
+              <a:t>Topic 12:  cluster clustering algorithm</a:t>
+            </a:r>
+          </a:p>
+          <a:p>
+            <a:r>
+              <a:rPr lang="en-US" sz="1400" dirty="0"/>
+              <a:t>Topic 13:  player game equilibrium</a:t>
+            </a:r>
+          </a:p>
+          <a:p>
+            <a:r>
+              <a:rPr lang="en-US" sz="1400" dirty="0"/>
+              <a:t>Topic 14:  function basis polynomial</a:t>
+            </a:r>
+          </a:p>
+          <a:p>
+            <a:r>
+              <a:rPr lang="en-US" sz="1400" dirty="0"/>
+              <a:t>Topic 15:  circuit chip voltage</a:t>
+            </a:r>
+          </a:p>
+          <a:p>
+            <a:r>
+              <a:rPr lang="en-US" sz="1400" dirty="0"/>
+              <a:t>Topic 16:  bound log theorem</a:t>
+            </a:r>
+          </a:p>
+          <a:p>
+            <a:r>
+              <a:rPr lang="en-US" sz="1400" dirty="0"/>
+              <a:t>Topic 17:  tree node leaf</a:t>
+            </a:r>
+          </a:p>
+          <a:p>
+            <a:r>
+              <a:rPr lang="en-US" sz="1400" dirty="0"/>
+              <a:t>Topic 18:  layer network dropout</a:t>
+            </a:r>
+          </a:p>
+          <a:p>
+            <a:r>
+              <a:rPr lang="en-US" sz="1400" dirty="0"/>
+              <a:t>Topic 19:  state transition model</a:t>
+            </a:r>
+          </a:p>
+          <a:p>
+            <a:r>
+              <a:rPr lang="en-US" sz="1400" dirty="0"/>
+              <a:t>Topic 20:  word sentence model</a:t>
+            </a:r>
+          </a:p>
+          <a:p>
+            <a:r>
+              <a:rPr lang="en-US" sz="1400" dirty="0"/>
+              <a:t>Topic 21:  label unlabeled algorithm</a:t>
+            </a:r>
+          </a:p>
+          <a:p>
+            <a:r>
+              <a:rPr lang="en-US" sz="1400" dirty="0"/>
+              <a:t>Topic 22:  tensor rank matrix</a:t>
+            </a:r>
+          </a:p>
+          <a:p>
+            <a:r>
+              <a:rPr lang="en-US" sz="1400" dirty="0"/>
+              <a:t>Topic 23:  agent action policy</a:t>
+            </a:r>
+          </a:p>
+          <a:p>
+            <a:r>
+              <a:rPr lang="en-US" sz="1400" dirty="0"/>
+              <a:t>…</a:t>
+            </a:r>
+          </a:p>
+          <a:p>
+            <a:r>
+              <a:rPr lang="en-US" sz="1400" dirty="0"/>
+              <a:t>Topic 47:  reward action policy</a:t>
+            </a:r>
+          </a:p>
+          <a:p>
+            <a:r>
+              <a:rPr lang="en-US" sz="1400" dirty="0"/>
+              <a:t>Topic 48:  expert network gating</a:t>
+            </a:r>
+          </a:p>
+          <a:p>
+            <a:r>
+              <a:rPr lang="en-US" sz="1400" dirty="0"/>
+              <a:t>Topic 49:  unit network hidden</a:t>
+            </a:r>
+          </a:p>
+        </p:txBody>
+      </p:sp>
+      <p:sp>
+        <p:nvSpPr>
+          <p:cNvPr id="5" name="Rectangle 4">
+            <a:extLst>
+              <a:ext uri="{FF2B5EF4-FFF2-40B4-BE49-F238E27FC236}">
+                <a16:creationId xmlns:a16="http://schemas.microsoft.com/office/drawing/2014/main" id="{9D8E7911-DD03-4146-ABA7-B6EFFD88F5F8}"/>
+              </a:ext>
+            </a:extLst>
+          </p:cNvPr>
+          <p:cNvSpPr/>
+          <p:nvPr/>
+        </p:nvSpPr>
+        <p:spPr>
+          <a:xfrm>
+            <a:off x="791911" y="1247686"/>
+            <a:ext cx="6096000" cy="4708981"/>
+          </a:xfrm>
+          <a:prstGeom prst="rect">
+            <a:avLst/>
+          </a:prstGeom>
+        </p:spPr>
+        <p:txBody>
+          <a:bodyPr>
+            <a:spAutoFit/>
+          </a:bodyPr>
+          <a:lstStyle/>
+          <a:p>
+            <a:r>
+              <a:rPr lang="en-US" sz="1200" dirty="0"/>
+              <a:t>Topic 0:  lasso group screening problem solution norm sparsity sparse regression convex set penalty matrix condition min regularization model algorithm variable support method dual theorem function selection vector recovery let result max</a:t>
+            </a:r>
+          </a:p>
+          <a:p>
+            <a:r>
+              <a:rPr lang="en-US" sz="1200" dirty="0"/>
+              <a:t>Topic 1:  neuron network synaptic firing input model spike activity dynamic pattern connection synapsis neural excitatory time spiking inhibitory stimulus function learning membrane state response fig weight system potential conductance figure rate</a:t>
+            </a:r>
+          </a:p>
+          <a:p>
+            <a:r>
+              <a:rPr lang="en-US" sz="1200" dirty="0"/>
+              <a:t>Topic 2:  policy action state reward </a:t>
+            </a:r>
+            <a:r>
+              <a:rPr lang="en-US" sz="1200" dirty="0" err="1"/>
+              <a:t>mdp</a:t>
+            </a:r>
+            <a:r>
+              <a:rPr lang="en-US" sz="1200" dirty="0"/>
+              <a:t> function algorithm value optimal agent transition gradient problem </a:t>
+            </a:r>
+            <a:r>
+              <a:rPr lang="en-US" sz="1200" dirty="0" err="1"/>
+              <a:t>mdps</a:t>
+            </a:r>
+            <a:r>
+              <a:rPr lang="en-US" sz="1200" dirty="0"/>
+              <a:t> learning model trajectory iteration distribution bound bellman time cost probability set method planning step controller using</a:t>
+            </a:r>
+          </a:p>
+          <a:p>
+            <a:r>
+              <a:rPr lang="en-US" sz="1200" dirty="0"/>
+              <a:t>Topic 3:  image model pixel patch feature face object training network set color data layer using shape scene result method filter figure segmentation texture visual region algorithm distribution pose representation used one</a:t>
+            </a:r>
+          </a:p>
+          <a:p>
+            <a:r>
+              <a:rPr lang="en-US" sz="1200" dirty="0"/>
+              <a:t>Topic 4:  network neural input training neuron output function weight model layer pattern unit time learning set state system dynamic one memory recurrent data architecture </a:t>
+            </a:r>
+            <a:r>
+              <a:rPr lang="en-US" sz="1200" dirty="0" err="1"/>
+              <a:t>wa</a:t>
+            </a:r>
+            <a:r>
+              <a:rPr lang="en-US" sz="1200" dirty="0"/>
+              <a:t> error number hidden figure attractor result</a:t>
+            </a:r>
+          </a:p>
+          <a:p>
+            <a:r>
+              <a:rPr lang="en-US" sz="1200" dirty="0"/>
+              <a:t>Topic 5:  model data parameter distribution causal set prediction function training mixture log variable algorithm network learning sequence one latent using probability gaussian number likelihood two method time result matrix figure prior</a:t>
+            </a:r>
+          </a:p>
+          <a:p>
+            <a:r>
+              <a:rPr lang="en-US" sz="1200" dirty="0"/>
+              <a:t>Topic 6:  regret bound algorithm action loss round online bandit log convex learner function lemma theorem problem let setting set strategy sequence proof time arm minimax adversary reward distribution expert learning policy</a:t>
+            </a:r>
+          </a:p>
+          <a:p>
+            <a:r>
+              <a:rPr lang="en-US" sz="1200" dirty="0"/>
+              <a:t>…</a:t>
+            </a:r>
+          </a:p>
+        </p:txBody>
+      </p:sp>
+    </p:spTree>
+    <p:extLst>
+      <p:ext uri="{BB962C8B-B14F-4D97-AF65-F5344CB8AC3E}">
+        <p14:creationId xmlns:p14="http://schemas.microsoft.com/office/powerpoint/2010/main" val="1351556541"/>
+      </p:ext>
+    </p:extLst>
+  </p:cSld>
+  <p:clrMapOvr>
+    <a:masterClrMapping/>
+  </p:clrMapOvr>
+</p:sld>
+</file>
+
+<file path=ppt/slides/slide12.xml><?xml version="1.0" encoding="utf-8"?>
+<p:sld xmlns:a="http://schemas.openxmlformats.org/drawingml/2006/main" xmlns:r="http://schemas.openxmlformats.org/officeDocument/2006/relationships" xmlns:p="http://schemas.openxmlformats.org/presentationml/2006/main">
+  <p:cSld>
+    <p:spTree>
+      <p:nvGrpSpPr>
+        <p:cNvPr id="1" name=""/>
+        <p:cNvGrpSpPr/>
+        <p:nvPr/>
+      </p:nvGrpSpPr>
+      <p:grpSpPr>
+        <a:xfrm>
+          <a:off x="0" y="0"/>
+          <a:ext cx="0" cy="0"/>
+          <a:chOff x="0" y="0"/>
+          <a:chExt cx="0" cy="0"/>
+        </a:xfrm>
+      </p:grpSpPr>
+      <p:pic>
+        <p:nvPicPr>
+          <p:cNvPr id="5" name="Picture 4">
+            <a:extLst>
+              <a:ext uri="{FF2B5EF4-FFF2-40B4-BE49-F238E27FC236}">
+                <a16:creationId xmlns:a16="http://schemas.microsoft.com/office/drawing/2014/main" id="{ADA5A78E-148A-4038-9564-E0F363F7052B}"/>
+              </a:ext>
+            </a:extLst>
+          </p:cNvPr>
+          <p:cNvPicPr>
+            <a:picLocks noChangeAspect="1"/>
+          </p:cNvPicPr>
+          <p:nvPr/>
+        </p:nvPicPr>
+        <p:blipFill>
+          <a:blip r:embed="rId2"/>
+          <a:stretch>
+            <a:fillRect/>
+          </a:stretch>
+        </p:blipFill>
+        <p:spPr>
+          <a:xfrm>
+            <a:off x="249451" y="677270"/>
+            <a:ext cx="5618514" cy="2574026"/>
+          </a:xfrm>
+          <a:prstGeom prst="rect">
+            <a:avLst/>
+          </a:prstGeom>
+        </p:spPr>
+      </p:pic>
+      <p:pic>
+        <p:nvPicPr>
+          <p:cNvPr id="6" name="Picture 5">
+            <a:extLst>
+              <a:ext uri="{FF2B5EF4-FFF2-40B4-BE49-F238E27FC236}">
+                <a16:creationId xmlns:a16="http://schemas.microsoft.com/office/drawing/2014/main" id="{6C7CE51D-B9F6-4D4F-A29B-9626E6E6FBA6}"/>
+              </a:ext>
+            </a:extLst>
+          </p:cNvPr>
+          <p:cNvPicPr>
+            <a:picLocks noChangeAspect="1"/>
+          </p:cNvPicPr>
+          <p:nvPr/>
+        </p:nvPicPr>
+        <p:blipFill>
+          <a:blip r:embed="rId3"/>
+          <a:stretch>
+            <a:fillRect/>
+          </a:stretch>
+        </p:blipFill>
+        <p:spPr>
+          <a:xfrm>
+            <a:off x="6013644" y="617158"/>
+            <a:ext cx="6006405" cy="5947228"/>
+          </a:xfrm>
+          <a:prstGeom prst="rect">
+            <a:avLst/>
+          </a:prstGeom>
+        </p:spPr>
+      </p:pic>
+    </p:spTree>
+    <p:extLst>
+      <p:ext uri="{BB962C8B-B14F-4D97-AF65-F5344CB8AC3E}">
+        <p14:creationId xmlns:p14="http://schemas.microsoft.com/office/powerpoint/2010/main" val="2743742685"/>
+      </p:ext>
+    </p:extLst>
+  </p:cSld>
+  <p:clrMapOvr>
+    <a:masterClrMapping/>
+  </p:clrMapOvr>
+</p:sld>
+</file>
+
+<file path=ppt/slides/slide13.xml><?xml version="1.0" encoding="utf-8"?>
+<p:sld xmlns:a="http://schemas.openxmlformats.org/drawingml/2006/main" xmlns:r="http://schemas.openxmlformats.org/officeDocument/2006/relationships" xmlns:p="http://schemas.openxmlformats.org/presentationml/2006/main">
+  <p:cSld>
+    <p:spTree>
+      <p:nvGrpSpPr>
+        <p:cNvPr id="1" name=""/>
+        <p:cNvGrpSpPr/>
+        <p:nvPr/>
+      </p:nvGrpSpPr>
+      <p:grpSpPr>
+        <a:xfrm>
+          <a:off x="0" y="0"/>
+          <a:ext cx="0" cy="0"/>
+          <a:chOff x="0" y="0"/>
+          <a:chExt cx="0" cy="0"/>
+        </a:xfrm>
+      </p:grpSpPr>
+      <p:sp>
+        <p:nvSpPr>
+          <p:cNvPr id="2" name="Title 1">
+            <a:extLst>
+              <a:ext uri="{FF2B5EF4-FFF2-40B4-BE49-F238E27FC236}">
+                <a16:creationId xmlns:a16="http://schemas.microsoft.com/office/drawing/2014/main" id="{46756DEF-D100-408A-805B-4BDE889D95FD}"/>
+              </a:ext>
+            </a:extLst>
+          </p:cNvPr>
+          <p:cNvSpPr>
+            <a:spLocks noGrp="1"/>
+          </p:cNvSpPr>
+          <p:nvPr>
+            <p:ph type="title"/>
+          </p:nvPr>
+        </p:nvSpPr>
+        <p:spPr>
+          <a:xfrm>
+            <a:off x="646111" y="452718"/>
+            <a:ext cx="9404723" cy="1031099"/>
+          </a:xfrm>
+        </p:spPr>
+        <p:txBody>
+          <a:bodyPr/>
+          <a:lstStyle/>
+          <a:p>
+            <a:r>
+              <a:rPr lang="en-US" dirty="0"/>
+              <a:t>LDA</a:t>
+            </a:r>
+          </a:p>
+        </p:txBody>
+      </p:sp>
+      <p:pic>
+        <p:nvPicPr>
+          <p:cNvPr id="4" name="Content Placeholder 3">
+            <a:extLst>
+              <a:ext uri="{FF2B5EF4-FFF2-40B4-BE49-F238E27FC236}">
+                <a16:creationId xmlns:a16="http://schemas.microsoft.com/office/drawing/2014/main" id="{83D46917-3A2C-47F3-A8DF-F01F25E7F6DD}"/>
+              </a:ext>
+            </a:extLst>
+          </p:cNvPr>
+          <p:cNvPicPr>
+            <a:picLocks noGrp="1" noChangeAspect="1"/>
+          </p:cNvPicPr>
+          <p:nvPr>
+            <p:ph idx="1"/>
+          </p:nvPr>
+        </p:nvPicPr>
+        <p:blipFill>
+          <a:blip r:embed="rId2"/>
+          <a:stretch>
+            <a:fillRect/>
+          </a:stretch>
+        </p:blipFill>
+        <p:spPr>
+          <a:xfrm>
+            <a:off x="1428075" y="2981019"/>
+            <a:ext cx="5277587" cy="2695951"/>
+          </a:xfrm>
+          <a:prstGeom prst="rect">
+            <a:avLst/>
+          </a:prstGeom>
+        </p:spPr>
+      </p:pic>
+      <p:sp>
+        <p:nvSpPr>
+          <p:cNvPr id="5" name="Rectangle 4">
+            <a:extLst>
+              <a:ext uri="{FF2B5EF4-FFF2-40B4-BE49-F238E27FC236}">
+                <a16:creationId xmlns:a16="http://schemas.microsoft.com/office/drawing/2014/main" id="{4DEF298A-BE4E-4F69-8C3B-21D850D0B918}"/>
+              </a:ext>
+            </a:extLst>
+          </p:cNvPr>
+          <p:cNvSpPr/>
+          <p:nvPr/>
+        </p:nvSpPr>
+        <p:spPr>
+          <a:xfrm>
+            <a:off x="7091557" y="2944000"/>
+            <a:ext cx="4694976" cy="2308324"/>
+          </a:xfrm>
+          <a:prstGeom prst="rect">
+            <a:avLst/>
+          </a:prstGeom>
+        </p:spPr>
+        <p:txBody>
+          <a:bodyPr wrap="square">
+            <a:spAutoFit/>
+          </a:bodyPr>
+          <a:lstStyle/>
+          <a:p>
+            <a:r>
+              <a:rPr lang="en-US" dirty="0">
+                <a:latin typeface="medium-content-serif-font"/>
+              </a:rPr>
+              <a:t>From plate diagram of an LDA model :</a:t>
+            </a:r>
+            <a:br>
+              <a:rPr lang="en-US" dirty="0"/>
+            </a:br>
+            <a:r>
+              <a:rPr lang="en-US" dirty="0">
+                <a:latin typeface="medium-content-serif-font"/>
+              </a:rPr>
+              <a:t>α is the per-document topic distributions,</a:t>
+            </a:r>
+            <a:br>
+              <a:rPr lang="en-US" dirty="0"/>
+            </a:br>
+            <a:r>
+              <a:rPr lang="en-US" dirty="0">
+                <a:latin typeface="medium-content-serif-font"/>
+              </a:rPr>
+              <a:t>β is the per-topic word distribution,</a:t>
+            </a:r>
+            <a:br>
+              <a:rPr lang="en-US" dirty="0"/>
+            </a:br>
+            <a:r>
+              <a:rPr lang="en-US" dirty="0">
+                <a:latin typeface="medium-content-serif-font"/>
+              </a:rPr>
+              <a:t>θ is the topic distribution for document </a:t>
+            </a:r>
+            <a:r>
+              <a:rPr lang="en-US" i="1" dirty="0">
+                <a:latin typeface="medium-content-serif-font"/>
+              </a:rPr>
+              <a:t>m,</a:t>
+            </a:r>
+            <a:br>
+              <a:rPr lang="en-US" i="1" dirty="0">
+                <a:latin typeface="medium-content-serif-font"/>
+              </a:rPr>
+            </a:br>
+            <a:r>
+              <a:rPr lang="en-US" dirty="0">
+                <a:latin typeface="medium-content-serif-font"/>
+              </a:rPr>
+              <a:t>φ is the word distribution for topic </a:t>
+            </a:r>
+            <a:r>
+              <a:rPr lang="en-US" i="1" dirty="0">
+                <a:latin typeface="medium-content-serif-font"/>
+              </a:rPr>
+              <a:t>k,</a:t>
+            </a:r>
+            <a:br>
+              <a:rPr lang="en-US" i="1" dirty="0">
+                <a:latin typeface="medium-content-serif-font"/>
+              </a:rPr>
+            </a:br>
+            <a:r>
+              <a:rPr lang="en-US" dirty="0">
+                <a:latin typeface="medium-content-serif-font"/>
+              </a:rPr>
+              <a:t>z is the topic for the </a:t>
+            </a:r>
+            <a:r>
+              <a:rPr lang="en-US" i="1" dirty="0">
+                <a:latin typeface="medium-content-serif-font"/>
+              </a:rPr>
+              <a:t>n</a:t>
+            </a:r>
+            <a:r>
+              <a:rPr lang="en-US" dirty="0">
+                <a:latin typeface="medium-content-serif-font"/>
+              </a:rPr>
+              <a:t>-</a:t>
+            </a:r>
+            <a:r>
+              <a:rPr lang="en-US" dirty="0" err="1">
+                <a:latin typeface="medium-content-serif-font"/>
+              </a:rPr>
+              <a:t>th</a:t>
+            </a:r>
+            <a:r>
+              <a:rPr lang="en-US" dirty="0">
+                <a:latin typeface="medium-content-serif-font"/>
+              </a:rPr>
+              <a:t> word in document </a:t>
+            </a:r>
+            <a:r>
+              <a:rPr lang="en-US" i="1" dirty="0">
+                <a:latin typeface="medium-content-serif-font"/>
+              </a:rPr>
+              <a:t>m</a:t>
+            </a:r>
+            <a:r>
+              <a:rPr lang="en-US" dirty="0">
+                <a:latin typeface="medium-content-serif-font"/>
+              </a:rPr>
+              <a:t>, and</a:t>
+            </a:r>
+            <a:br>
+              <a:rPr lang="en-US" i="1" dirty="0">
+                <a:latin typeface="medium-content-serif-font"/>
+              </a:rPr>
+            </a:br>
+            <a:r>
+              <a:rPr lang="en-US" dirty="0">
+                <a:latin typeface="medium-content-serif-font"/>
+              </a:rPr>
+              <a:t>w is the specific word</a:t>
+            </a:r>
+            <a:endParaRPr lang="en-US" dirty="0"/>
+          </a:p>
+        </p:txBody>
+      </p:sp>
+      <p:sp>
+        <p:nvSpPr>
+          <p:cNvPr id="6" name="Rectangle 5">
+            <a:extLst>
+              <a:ext uri="{FF2B5EF4-FFF2-40B4-BE49-F238E27FC236}">
+                <a16:creationId xmlns:a16="http://schemas.microsoft.com/office/drawing/2014/main" id="{0829F0E2-AD44-46EB-A108-154F6D0EA507}"/>
+              </a:ext>
+            </a:extLst>
+          </p:cNvPr>
+          <p:cNvSpPr/>
+          <p:nvPr/>
+        </p:nvSpPr>
+        <p:spPr>
+          <a:xfrm>
+            <a:off x="1039338" y="1605676"/>
+            <a:ext cx="9979099" cy="923330"/>
+          </a:xfrm>
+          <a:prstGeom prst="rect">
+            <a:avLst/>
+          </a:prstGeom>
+        </p:spPr>
+        <p:txBody>
+          <a:bodyPr wrap="square">
+            <a:spAutoFit/>
+          </a:bodyPr>
+          <a:lstStyle/>
+          <a:p>
+            <a:r>
+              <a:rPr lang="en-US" dirty="0">
+                <a:latin typeface="+mj-lt"/>
+              </a:rPr>
+              <a:t>LDA is an unsupervised learning methods that views documents as bags of words. LDA works by first making a key assumption: the way a document was generated was by picking a set of topics and then for each topic picking a set of words.</a:t>
+            </a:r>
+          </a:p>
+        </p:txBody>
+      </p:sp>
+      <p:sp>
+        <p:nvSpPr>
+          <p:cNvPr id="7" name="Rectangle 6">
+            <a:extLst>
+              <a:ext uri="{FF2B5EF4-FFF2-40B4-BE49-F238E27FC236}">
+                <a16:creationId xmlns:a16="http://schemas.microsoft.com/office/drawing/2014/main" id="{46363BD2-ED7D-448E-A354-5D5B83C10A2F}"/>
+              </a:ext>
+            </a:extLst>
+          </p:cNvPr>
+          <p:cNvSpPr/>
+          <p:nvPr/>
+        </p:nvSpPr>
+        <p:spPr>
+          <a:xfrm>
+            <a:off x="1428075" y="6035950"/>
+            <a:ext cx="6096000" cy="369332"/>
+          </a:xfrm>
+          <a:prstGeom prst="rect">
+            <a:avLst/>
+          </a:prstGeom>
+        </p:spPr>
+        <p:txBody>
+          <a:bodyPr>
+            <a:spAutoFit/>
+          </a:bodyPr>
+          <a:lstStyle/>
+          <a:p>
+            <a:r>
+              <a:rPr lang="en-US" dirty="0" err="1">
+                <a:solidFill>
+                  <a:schemeClr val="accent3">
+                    <a:lumMod val="60000"/>
+                    <a:lumOff val="40000"/>
+                  </a:schemeClr>
+                </a:solidFill>
+              </a:rPr>
+              <a:t>sklearn.decomposition.LatentDirichletAllocation</a:t>
+            </a:r>
+            <a:r>
+              <a:rPr lang="en-US" dirty="0">
+                <a:solidFill>
+                  <a:schemeClr val="accent3">
+                    <a:lumMod val="60000"/>
+                    <a:lumOff val="40000"/>
+                  </a:schemeClr>
+                </a:solidFill>
+              </a:rPr>
+              <a:t> </a:t>
+            </a:r>
+          </a:p>
+        </p:txBody>
+      </p:sp>
+    </p:spTree>
+    <p:extLst>
+      <p:ext uri="{BB962C8B-B14F-4D97-AF65-F5344CB8AC3E}">
+        <p14:creationId xmlns:p14="http://schemas.microsoft.com/office/powerpoint/2010/main" val="941718784"/>
+      </p:ext>
+    </p:extLst>
+  </p:cSld>
+  <p:clrMapOvr>
+    <a:masterClrMapping/>
+  </p:clrMapOvr>
+</p:sld>
+</file>
+
+<file path=ppt/slides/slide14.xml><?xml version="1.0" encoding="utf-8"?>
+<p:sld xmlns:a="http://schemas.openxmlformats.org/drawingml/2006/main" xmlns:r="http://schemas.openxmlformats.org/officeDocument/2006/relationships" xmlns:p="http://schemas.openxmlformats.org/presentationml/2006/main">
+  <p:cSld>
+    <p:spTree>
+      <p:nvGrpSpPr>
+        <p:cNvPr id="1" name=""/>
+        <p:cNvGrpSpPr/>
+        <p:nvPr/>
+      </p:nvGrpSpPr>
+      <p:grpSpPr>
+        <a:xfrm>
+          <a:off x="0" y="0"/>
+          <a:ext cx="0" cy="0"/>
+          <a:chOff x="0" y="0"/>
+          <a:chExt cx="0" cy="0"/>
+        </a:xfrm>
+      </p:grpSpPr>
+      <p:sp>
+        <p:nvSpPr>
+          <p:cNvPr id="2" name="Title 1">
+            <a:extLst>
+              <a:ext uri="{FF2B5EF4-FFF2-40B4-BE49-F238E27FC236}">
+                <a16:creationId xmlns:a16="http://schemas.microsoft.com/office/drawing/2014/main" id="{59B7D892-AC9F-4C11-A2A8-605ACFE1909C}"/>
+              </a:ext>
+            </a:extLst>
+          </p:cNvPr>
+          <p:cNvSpPr>
+            <a:spLocks noGrp="1"/>
+          </p:cNvSpPr>
+          <p:nvPr>
+            <p:ph type="title"/>
+          </p:nvPr>
+        </p:nvSpPr>
+        <p:spPr/>
+        <p:txBody>
+          <a:bodyPr/>
+          <a:lstStyle/>
+          <a:p>
+            <a:r>
+              <a:rPr lang="en-US" dirty="0"/>
+              <a:t>LDA : Found 39 topics</a:t>
+            </a:r>
+          </a:p>
+        </p:txBody>
+      </p:sp>
+      <p:sp>
+        <p:nvSpPr>
+          <p:cNvPr id="4" name="Rectangle 3">
+            <a:extLst>
+              <a:ext uri="{FF2B5EF4-FFF2-40B4-BE49-F238E27FC236}">
+                <a16:creationId xmlns:a16="http://schemas.microsoft.com/office/drawing/2014/main" id="{48A5376A-6BE0-4A15-B4C6-52D1F7A7D101}"/>
+              </a:ext>
+            </a:extLst>
+          </p:cNvPr>
+          <p:cNvSpPr/>
+          <p:nvPr/>
+        </p:nvSpPr>
+        <p:spPr>
+          <a:xfrm>
+            <a:off x="7083104" y="784900"/>
+            <a:ext cx="4384646" cy="5509200"/>
+          </a:xfrm>
+          <a:prstGeom prst="rect">
+            <a:avLst/>
+          </a:prstGeom>
+        </p:spPr>
+        <p:txBody>
+          <a:bodyPr wrap="square">
+            <a:spAutoFit/>
+          </a:bodyPr>
+          <a:lstStyle/>
+          <a:p>
+            <a:r>
+              <a:rPr lang="en-US" sz="1600" dirty="0"/>
+              <a:t>Topic 0:  data user time</a:t>
+            </a:r>
+          </a:p>
+          <a:p>
+            <a:r>
+              <a:rPr lang="en-US" sz="1600" dirty="0"/>
+              <a:t>Topic 1:  policy state function</a:t>
+            </a:r>
+          </a:p>
+          <a:p>
+            <a:r>
+              <a:rPr lang="en-US" sz="1600" dirty="0"/>
+              <a:t>Topic 2:  reward algorithm action</a:t>
+            </a:r>
+          </a:p>
+          <a:p>
+            <a:r>
+              <a:rPr lang="en-US" sz="1600" dirty="0"/>
+              <a:t>Topic 3:  layer network model</a:t>
+            </a:r>
+          </a:p>
+          <a:p>
+            <a:r>
+              <a:rPr lang="en-US" sz="1600" dirty="0"/>
+              <a:t>Topic 4:  data time algorithm</a:t>
+            </a:r>
+          </a:p>
+          <a:p>
+            <a:r>
+              <a:rPr lang="en-US" sz="1600" dirty="0"/>
+              <a:t>Topic 5:  model stimulus response</a:t>
+            </a:r>
+          </a:p>
+          <a:p>
+            <a:r>
+              <a:rPr lang="en-US" sz="1600" dirty="0"/>
+              <a:t>Topic 6:  graph edge algorithm</a:t>
+            </a:r>
+          </a:p>
+          <a:p>
+            <a:r>
+              <a:rPr lang="en-US" sz="1600" dirty="0"/>
+              <a:t>Topic 7:  node tree algorithm</a:t>
+            </a:r>
+          </a:p>
+          <a:p>
+            <a:r>
+              <a:rPr lang="en-US" sz="1600" dirty="0"/>
+              <a:t>Topic 8:  algorithm problem function</a:t>
+            </a:r>
+          </a:p>
+          <a:p>
+            <a:r>
+              <a:rPr lang="en-US" sz="1600" dirty="0"/>
+              <a:t>Topic 9:  model learning data</a:t>
+            </a:r>
+          </a:p>
+          <a:p>
+            <a:r>
+              <a:rPr lang="en-US" sz="1600" dirty="0"/>
+              <a:t>Topic 10:  network function model</a:t>
+            </a:r>
+          </a:p>
+          <a:p>
+            <a:r>
+              <a:rPr lang="en-US" sz="1600" dirty="0"/>
+              <a:t>Topic 11:  function algorithm set</a:t>
+            </a:r>
+          </a:p>
+          <a:p>
+            <a:r>
+              <a:rPr lang="en-US" sz="1600" dirty="0"/>
+              <a:t>Topic 12:  state model time</a:t>
+            </a:r>
+          </a:p>
+          <a:p>
+            <a:r>
+              <a:rPr lang="en-US" sz="1600" dirty="0"/>
+              <a:t>Topic 13:  data algorithm point</a:t>
+            </a:r>
+          </a:p>
+          <a:p>
+            <a:r>
+              <a:rPr lang="en-US" sz="1600" dirty="0"/>
+              <a:t>Topic 14:  gene model expression</a:t>
+            </a:r>
+          </a:p>
+          <a:p>
+            <a:r>
+              <a:rPr lang="en-US" sz="1600" dirty="0"/>
+              <a:t>Topic 15:  neuron model spike</a:t>
+            </a:r>
+          </a:p>
+          <a:p>
+            <a:r>
+              <a:rPr lang="en-US" sz="1600" dirty="0"/>
+              <a:t>Topic 16:  algorithm bound regret</a:t>
+            </a:r>
+          </a:p>
+          <a:p>
+            <a:r>
+              <a:rPr lang="en-US" sz="1600" dirty="0"/>
+              <a:t>Topic 17:  motion model direction</a:t>
+            </a:r>
+          </a:p>
+          <a:p>
+            <a:r>
+              <a:rPr lang="en-US" sz="1600" dirty="0"/>
+              <a:t>Topic 18:  point algorithm set</a:t>
+            </a:r>
+          </a:p>
+          <a:p>
+            <a:r>
+              <a:rPr lang="en-US" sz="1600" dirty="0"/>
+              <a:t>…</a:t>
+            </a:r>
+          </a:p>
+          <a:p>
+            <a:r>
+              <a:rPr lang="en-US" sz="1600" dirty="0"/>
+              <a:t>Topic 38:  model word set</a:t>
+            </a:r>
+          </a:p>
+          <a:p>
+            <a:r>
+              <a:rPr lang="en-US" sz="1600" dirty="0"/>
+              <a:t>Topic 39:  time model spike</a:t>
+            </a:r>
+          </a:p>
+        </p:txBody>
+      </p:sp>
+      <p:sp>
+        <p:nvSpPr>
+          <p:cNvPr id="5" name="Rectangle 4">
+            <a:extLst>
+              <a:ext uri="{FF2B5EF4-FFF2-40B4-BE49-F238E27FC236}">
+                <a16:creationId xmlns:a16="http://schemas.microsoft.com/office/drawing/2014/main" id="{B0B55899-73A3-4FC4-9622-AFADA3CDB170}"/>
+              </a:ext>
+            </a:extLst>
+          </p:cNvPr>
+          <p:cNvSpPr/>
+          <p:nvPr/>
+        </p:nvSpPr>
+        <p:spPr>
+          <a:xfrm>
+            <a:off x="724250" y="1253651"/>
+            <a:ext cx="6096000" cy="5478423"/>
+          </a:xfrm>
+          <a:prstGeom prst="rect">
+            <a:avLst/>
+          </a:prstGeom>
+        </p:spPr>
+        <p:txBody>
+          <a:bodyPr>
+            <a:spAutoFit/>
+          </a:bodyPr>
+          <a:lstStyle/>
+          <a:p>
+            <a:r>
+              <a:rPr lang="en-US" sz="1400" dirty="0"/>
+              <a:t>Topic 0:  data user time packet algorithm policy number privacy set rate value network problem node state result load private learning mechanism classifier given ha traffic method size figure sample vector function</a:t>
+            </a:r>
+          </a:p>
+          <a:p>
+            <a:r>
+              <a:rPr lang="en-US" sz="1400" dirty="0"/>
+              <a:t>Topic 1:  policy state function action value algorithm reward agent learning model problem time set optimal using result number probability method space distribution ha step given figure transition task parameter use approach</a:t>
+            </a:r>
+          </a:p>
+          <a:p>
+            <a:r>
+              <a:rPr lang="en-US" sz="1400" dirty="0"/>
+              <a:t>Topic 2:  reward algorithm action regret arm bandit model time problem bound learning probability case set expected distribution context setting number exploration policy optimal ha result value log figure parameter decision state</a:t>
+            </a:r>
+          </a:p>
+          <a:p>
+            <a:r>
+              <a:rPr lang="en-US" sz="1400" dirty="0"/>
+              <a:t>Topic 3:  layer network model learning training weight unit parameter input using set hidden number data result error feature function method image gradient different deep output used performance use figure size neural</a:t>
+            </a:r>
+          </a:p>
+          <a:p>
+            <a:r>
+              <a:rPr lang="en-US" sz="1400" dirty="0"/>
+              <a:t>Topic 4:  data time algorithm memory number processor model network machine vector training set computation parallel particle figure using matrix ha value neural used learning parameter input state operation weight step problem</a:t>
+            </a:r>
+          </a:p>
+          <a:p>
+            <a:r>
+              <a:rPr lang="en-US" sz="1400" dirty="0"/>
+              <a:t>Topic 5:  model stimulus response cell figure neuron visual image data input </a:t>
+            </a:r>
+            <a:r>
+              <a:rPr lang="en-US" sz="1400" dirty="0" err="1"/>
+              <a:t>wa</a:t>
+            </a:r>
+            <a:r>
+              <a:rPr lang="en-US" sz="1400" dirty="0"/>
+              <a:t> feature map function field different time unit network orientation result information spatial filter activity set using ha layer receptive</a:t>
+            </a:r>
+          </a:p>
+          <a:p>
+            <a:r>
+              <a:rPr lang="en-US" sz="1400" dirty="0"/>
+              <a:t>…</a:t>
+            </a:r>
+          </a:p>
+        </p:txBody>
+      </p:sp>
+    </p:spTree>
+    <p:extLst>
+      <p:ext uri="{BB962C8B-B14F-4D97-AF65-F5344CB8AC3E}">
+        <p14:creationId xmlns:p14="http://schemas.microsoft.com/office/powerpoint/2010/main" val="4149365053"/>
+      </p:ext>
+    </p:extLst>
+  </p:cSld>
+  <p:clrMapOvr>
+    <a:masterClrMapping/>
+  </p:clrMapOvr>
+</p:sld>
+</file>
+
+<file path=ppt/slides/slide15.xml><?xml version="1.0" encoding="utf-8"?>
+<p:sld xmlns:a="http://schemas.openxmlformats.org/drawingml/2006/main" xmlns:r="http://schemas.openxmlformats.org/officeDocument/2006/relationships" xmlns:p="http://schemas.openxmlformats.org/presentationml/2006/main">
+  <p:cSld>
+    <p:spTree>
+      <p:nvGrpSpPr>
+        <p:cNvPr id="1" name=""/>
+        <p:cNvGrpSpPr/>
+        <p:nvPr/>
+      </p:nvGrpSpPr>
+      <p:grpSpPr>
+        <a:xfrm>
+          <a:off x="0" y="0"/>
+          <a:ext cx="0" cy="0"/>
+          <a:chOff x="0" y="0"/>
+          <a:chExt cx="0" cy="0"/>
+        </a:xfrm>
+      </p:grpSpPr>
+      <p:pic>
+        <p:nvPicPr>
+          <p:cNvPr id="4" name="Picture 3">
+            <a:extLst>
+              <a:ext uri="{FF2B5EF4-FFF2-40B4-BE49-F238E27FC236}">
+                <a16:creationId xmlns:a16="http://schemas.microsoft.com/office/drawing/2014/main" id="{437AEA5A-F0F7-48C5-88B1-AE7F45DF40AE}"/>
+              </a:ext>
+            </a:extLst>
+          </p:cNvPr>
+          <p:cNvPicPr>
+            <a:picLocks noChangeAspect="1"/>
+          </p:cNvPicPr>
+          <p:nvPr/>
+        </p:nvPicPr>
+        <p:blipFill>
+          <a:blip r:embed="rId2"/>
+          <a:stretch>
+            <a:fillRect/>
+          </a:stretch>
+        </p:blipFill>
+        <p:spPr>
+          <a:xfrm>
+            <a:off x="397909" y="3858324"/>
+            <a:ext cx="5012447" cy="2626366"/>
+          </a:xfrm>
+          <a:prstGeom prst="rect">
+            <a:avLst/>
+          </a:prstGeom>
+        </p:spPr>
+      </p:pic>
+      <p:pic>
+        <p:nvPicPr>
+          <p:cNvPr id="5" name="Picture 4">
+            <a:extLst>
+              <a:ext uri="{FF2B5EF4-FFF2-40B4-BE49-F238E27FC236}">
+                <a16:creationId xmlns:a16="http://schemas.microsoft.com/office/drawing/2014/main" id="{3755A7F8-15FC-467A-A43E-5A52A8712688}"/>
+              </a:ext>
+            </a:extLst>
+          </p:cNvPr>
+          <p:cNvPicPr>
+            <a:picLocks noChangeAspect="1"/>
+          </p:cNvPicPr>
+          <p:nvPr/>
+        </p:nvPicPr>
+        <p:blipFill>
+          <a:blip r:embed="rId3"/>
+          <a:stretch>
+            <a:fillRect/>
+          </a:stretch>
+        </p:blipFill>
+        <p:spPr>
+          <a:xfrm>
+            <a:off x="5607458" y="251669"/>
+            <a:ext cx="6331125" cy="6354661"/>
+          </a:xfrm>
+          <a:prstGeom prst="rect">
+            <a:avLst/>
+          </a:prstGeom>
+        </p:spPr>
+      </p:pic>
+    </p:spTree>
+    <p:extLst>
+      <p:ext uri="{BB962C8B-B14F-4D97-AF65-F5344CB8AC3E}">
+        <p14:creationId xmlns:p14="http://schemas.microsoft.com/office/powerpoint/2010/main" val="513918053"/>
+      </p:ext>
+    </p:extLst>
+  </p:cSld>
+  <p:clrMapOvr>
+    <a:masterClrMapping/>
+  </p:clrMapOvr>
+</p:sld>
+</file>
+
+<file path=ppt/slides/slide16.xml><?xml version="1.0" encoding="utf-8"?>
+<p:sld xmlns:a="http://schemas.openxmlformats.org/drawingml/2006/main" xmlns:r="http://schemas.openxmlformats.org/officeDocument/2006/relationships" xmlns:p="http://schemas.openxmlformats.org/presentationml/2006/main">
+  <p:cSld>
+    <p:spTree>
+      <p:nvGrpSpPr>
+        <p:cNvPr id="1" name=""/>
+        <p:cNvGrpSpPr/>
+        <p:nvPr/>
+      </p:nvGrpSpPr>
+      <p:grpSpPr>
+        <a:xfrm>
+          <a:off x="0" y="0"/>
+          <a:ext cx="0" cy="0"/>
+          <a:chOff x="0" y="0"/>
+          <a:chExt cx="0" cy="0"/>
+        </a:xfrm>
+      </p:grpSpPr>
+      <p:sp>
+        <p:nvSpPr>
+          <p:cNvPr id="2" name="Title 1">
+            <a:extLst>
+              <a:ext uri="{FF2B5EF4-FFF2-40B4-BE49-F238E27FC236}">
+                <a16:creationId xmlns:a16="http://schemas.microsoft.com/office/drawing/2014/main" id="{C36B46C1-DC4B-42EF-9F83-21B06B945520}"/>
+              </a:ext>
+            </a:extLst>
+          </p:cNvPr>
+          <p:cNvSpPr>
+            <a:spLocks noGrp="1"/>
+          </p:cNvSpPr>
+          <p:nvPr>
+            <p:ph type="title"/>
+          </p:nvPr>
+        </p:nvSpPr>
+        <p:spPr/>
+        <p:txBody>
+          <a:bodyPr/>
+          <a:lstStyle/>
+          <a:p>
+            <a:r>
+              <a:rPr lang="en-US" dirty="0"/>
+              <a:t>CONCLUSION</a:t>
+            </a:r>
+          </a:p>
+        </p:txBody>
+      </p:sp>
+      <p:sp>
+        <p:nvSpPr>
+          <p:cNvPr id="3" name="Content Placeholder 2">
+            <a:extLst>
+              <a:ext uri="{FF2B5EF4-FFF2-40B4-BE49-F238E27FC236}">
+                <a16:creationId xmlns:a16="http://schemas.microsoft.com/office/drawing/2014/main" id="{97BAFF98-CC89-4E89-A80A-63F1596C1055}"/>
+              </a:ext>
+            </a:extLst>
+          </p:cNvPr>
+          <p:cNvSpPr>
+            <a:spLocks noGrp="1"/>
+          </p:cNvSpPr>
+          <p:nvPr>
+            <p:ph idx="1"/>
+          </p:nvPr>
+        </p:nvSpPr>
+        <p:spPr/>
+        <p:txBody>
+          <a:bodyPr/>
+          <a:lstStyle/>
+          <a:p>
+            <a:endParaRPr lang="en-US" dirty="0"/>
+          </a:p>
+        </p:txBody>
+      </p:sp>
+    </p:spTree>
+    <p:extLst>
+      <p:ext uri="{BB962C8B-B14F-4D97-AF65-F5344CB8AC3E}">
+        <p14:creationId xmlns:p14="http://schemas.microsoft.com/office/powerpoint/2010/main" val="761946907"/>
       </p:ext>
     </p:extLst>
   </p:cSld>
@@ -6228,7 +7705,7 @@
         </p:blipFill>
         <p:spPr>
           <a:xfrm>
-            <a:off x="1904301" y="3757347"/>
+            <a:off x="1786855" y="3757347"/>
             <a:ext cx="8887121" cy="2494812"/>
           </a:xfrm>
           <a:prstGeom prst="rect">
@@ -6323,6 +7800,42 @@
           <a:p>
             <a:endParaRPr lang="en-US" dirty="0"/>
           </a:p>
+          <a:p>
+            <a:pPr marL="0" indent="0">
+              <a:buNone/>
+            </a:pPr>
+            <a:r>
+              <a:rPr lang="en-US" dirty="0"/>
+              <a:t>Methods :</a:t>
+            </a:r>
+          </a:p>
+          <a:p>
+            <a:r>
+              <a:rPr lang="en-US" dirty="0"/>
+              <a:t>LSA (Latent Semantic Analysis)</a:t>
+            </a:r>
+          </a:p>
+          <a:p>
+            <a:r>
+              <a:rPr lang="en-US" dirty="0"/>
+              <a:t>PLSA (Probability Latent Semantic Analysis)</a:t>
+            </a:r>
+          </a:p>
+          <a:p>
+            <a:r>
+              <a:rPr lang="en-US" dirty="0"/>
+              <a:t>NMF (non Negative Matrix Factorization)</a:t>
+            </a:r>
+          </a:p>
+          <a:p>
+            <a:r>
+              <a:rPr lang="en-US" dirty="0"/>
+              <a:t>LDA (Latent Dirichlet Allocation)</a:t>
+            </a:r>
+          </a:p>
+          <a:p>
+            <a:endParaRPr lang="en-US" dirty="0"/>
+          </a:p>
         </p:txBody>
       </p:sp>
     </p:spTree>
@@ -6383,28 +7896,208 @@
           </a:p>
         </p:txBody>
       </p:sp>
-      <p:sp>
-        <p:nvSpPr>
-          <p:cNvPr id="3" name="Content Placeholder 2">
+      <p:pic>
+        <p:nvPicPr>
+          <p:cNvPr id="6" name="Picture 5">
             <a:extLst>
               <a:ext uri="{FF2B5EF4-FFF2-40B4-BE49-F238E27FC236}">
-                <a16:creationId xmlns:a16="http://schemas.microsoft.com/office/drawing/2014/main" id="{EE4E80D9-E31F-43B1-A62E-CCC0D83647F4}"/>
+                <a16:creationId xmlns:a16="http://schemas.microsoft.com/office/drawing/2014/main" id="{2E3E8F1F-41F9-4867-A63D-E5C292604F0E}"/>
               </a:ext>
             </a:extLst>
           </p:cNvPr>
-          <p:cNvSpPr>
-            <a:spLocks noGrp="1"/>
-          </p:cNvSpPr>
-          <p:nvPr>
-            <p:ph idx="1"/>
-          </p:nvPr>
-        </p:nvSpPr>
-        <p:spPr/>
-        <p:txBody>
-          <a:bodyPr/>
+          <p:cNvPicPr>
+            <a:picLocks noChangeAspect="1"/>
+          </p:cNvPicPr>
+          <p:nvPr/>
+        </p:nvPicPr>
+        <p:blipFill>
+          <a:blip r:embed="rId2"/>
+          <a:stretch>
+            <a:fillRect/>
+          </a:stretch>
+        </p:blipFill>
+        <p:spPr>
+          <a:xfrm>
+            <a:off x="730793" y="1333489"/>
+            <a:ext cx="6401693" cy="3905795"/>
+          </a:xfrm>
+          <a:prstGeom prst="rect">
+            <a:avLst/>
+          </a:prstGeom>
+        </p:spPr>
+      </p:pic>
+      <p:sp>
+        <p:nvSpPr>
+          <p:cNvPr id="7" name="TextBox 6">
+            <a:extLst>
+              <a:ext uri="{FF2B5EF4-FFF2-40B4-BE49-F238E27FC236}">
+                <a16:creationId xmlns:a16="http://schemas.microsoft.com/office/drawing/2014/main" id="{4FB65284-C3C3-464D-9734-A6BAEE5274D2}"/>
+              </a:ext>
+            </a:extLst>
+          </p:cNvPr>
+          <p:cNvSpPr txBox="1"/>
+          <p:nvPr/>
+        </p:nvSpPr>
+        <p:spPr>
+          <a:xfrm>
+            <a:off x="7843706" y="1451295"/>
+            <a:ext cx="4102217" cy="4093428"/>
+          </a:xfrm>
+          <a:prstGeom prst="rect">
+            <a:avLst/>
+          </a:prstGeom>
+          <a:noFill/>
+        </p:spPr>
+        <p:txBody>
+          <a:bodyPr wrap="square" rtlCol="0">
+            <a:spAutoFit/>
+          </a:bodyPr>
           <a:lstStyle/>
           <a:p>
-            <a:endParaRPr lang="en-US"/>
+            <a:r>
+              <a:rPr lang="en-US" dirty="0"/>
+              <a:t>Pre-processing :</a:t>
+            </a:r>
+          </a:p>
+          <a:p>
+            <a:pPr marL="285750" indent="-285750">
+              <a:buFontTx/>
+              <a:buChar char="-"/>
+            </a:pPr>
+            <a:r>
+              <a:rPr lang="en-US" dirty="0"/>
+              <a:t>Split </a:t>
+            </a:r>
+            <a:r>
+              <a:rPr lang="en-US" dirty="0" err="1"/>
+              <a:t>paper_text</a:t>
+            </a:r>
+            <a:r>
+              <a:rPr lang="en-US" dirty="0"/>
+              <a:t>  into (abstract, author, content, conclusion, reference)</a:t>
+            </a:r>
+          </a:p>
+          <a:p>
+            <a:r>
+              <a:rPr lang="en-US" dirty="0"/>
+              <a:t>Use:  Regex pattern, </a:t>
+            </a:r>
+          </a:p>
+          <a:p>
+            <a:r>
+              <a:rPr lang="en-US" sz="1600" b="1" dirty="0">
+                <a:solidFill>
+                  <a:schemeClr val="accent3">
+                    <a:lumMod val="60000"/>
+                    <a:lumOff val="40000"/>
+                  </a:schemeClr>
+                </a:solidFill>
+              </a:rPr>
+              <a:t>- (</a:t>
+            </a:r>
+            <a:r>
+              <a:rPr lang="en-US" sz="1400" b="1" dirty="0">
+                <a:solidFill>
+                  <a:schemeClr val="accent3">
+                    <a:lumMod val="60000"/>
+                    <a:lumOff val="40000"/>
+                  </a:schemeClr>
+                </a:solidFill>
+              </a:rPr>
+              <a:t>1|1.)*\s*INTRODUCTION</a:t>
+            </a:r>
+          </a:p>
+          <a:p>
+            <a:r>
+              <a:rPr lang="en-US" sz="1400" b="1" dirty="0">
+                <a:solidFill>
+                  <a:schemeClr val="accent3">
+                    <a:lumMod val="60000"/>
+                    <a:lumOff val="40000"/>
+                  </a:schemeClr>
+                </a:solidFill>
+              </a:rPr>
+              <a:t>- </a:t>
+            </a:r>
+            <a:r>
+              <a:rPr lang="pl-PL" sz="1400" b="1" dirty="0">
+                <a:solidFill>
+                  <a:schemeClr val="accent3">
+                    <a:lumMod val="60000"/>
+                    <a:lumOff val="40000"/>
+                  </a:schemeClr>
+                </a:solidFill>
+              </a:rPr>
+              <a:t>\w*(1.)*[A|AN|THE]*\s[A-Z]{2}\w*[A-Z]\w*</a:t>
+            </a:r>
+            <a:endParaRPr lang="en-US" sz="1400" b="1" dirty="0">
+              <a:solidFill>
+                <a:schemeClr val="accent3">
+                  <a:lumMod val="60000"/>
+                  <a:lumOff val="40000"/>
+                </a:schemeClr>
+              </a:solidFill>
+            </a:endParaRPr>
+          </a:p>
+          <a:p>
+            <a:r>
+              <a:rPr lang="en-US" sz="1400" b="1" dirty="0">
+                <a:solidFill>
+                  <a:schemeClr val="accent3">
+                    <a:lumMod val="60000"/>
+                    <a:lumOff val="40000"/>
+                  </a:schemeClr>
+                </a:solidFill>
+              </a:rPr>
+              <a:t>- '[\\n]+(1|1.)[\\n]+</a:t>
+            </a:r>
+          </a:p>
+          <a:p>
+            <a:endParaRPr lang="en-US" dirty="0"/>
+          </a:p>
+          <a:p>
+            <a:r>
+              <a:rPr lang="en-US" dirty="0"/>
+              <a:t>+ Eliminate stop words</a:t>
+            </a:r>
+          </a:p>
+          <a:p>
+            <a:r>
+              <a:rPr lang="en-US" dirty="0"/>
+              <a:t>+ remove digits</a:t>
+            </a:r>
+          </a:p>
+          <a:p>
+            <a:r>
+              <a:rPr lang="en-US" dirty="0"/>
+              <a:t>+ remove </a:t>
+            </a:r>
+            <a:r>
+              <a:rPr lang="en-US" dirty="0" err="1"/>
+              <a:t>len</a:t>
+            </a:r>
+            <a:r>
+              <a:rPr lang="en-US" dirty="0"/>
+              <a:t>(words) &lt; 3</a:t>
+            </a:r>
+          </a:p>
+          <a:p>
+            <a:r>
+              <a:rPr lang="en-US" dirty="0"/>
+              <a:t>+ replace(‘\n’,’ ‘)</a:t>
+            </a:r>
+          </a:p>
+          <a:p>
+            <a:r>
+              <a:rPr lang="en-US" dirty="0"/>
+              <a:t>+ lower case</a:t>
+            </a:r>
+          </a:p>
+          <a:p>
+            <a:r>
+              <a:rPr lang="en-US" dirty="0"/>
+              <a:t>+ Lemmatization</a:t>
+            </a:r>
           </a:p>
         </p:txBody>
       </p:sp>
@@ -6412,6 +8105,1633 @@
     <p:extLst>
       <p:ext uri="{BB962C8B-B14F-4D97-AF65-F5344CB8AC3E}">
         <p14:creationId xmlns:p14="http://schemas.microsoft.com/office/powerpoint/2010/main" val="572136617"/>
+      </p:ext>
+    </p:extLst>
+  </p:cSld>
+  <p:clrMapOvr>
+    <a:masterClrMapping/>
+  </p:clrMapOvr>
+</p:sld>
+</file>
+
+<file path=ppt/slides/slide5.xml><?xml version="1.0" encoding="utf-8"?>
+<p:sld xmlns:a="http://schemas.openxmlformats.org/drawingml/2006/main" xmlns:r="http://schemas.openxmlformats.org/officeDocument/2006/relationships" xmlns:p="http://schemas.openxmlformats.org/presentationml/2006/main">
+  <p:cSld>
+    <p:spTree>
+      <p:nvGrpSpPr>
+        <p:cNvPr id="1" name=""/>
+        <p:cNvGrpSpPr/>
+        <p:nvPr/>
+      </p:nvGrpSpPr>
+      <p:grpSpPr>
+        <a:xfrm>
+          <a:off x="0" y="0"/>
+          <a:ext cx="0" cy="0"/>
+          <a:chOff x="0" y="0"/>
+          <a:chExt cx="0" cy="0"/>
+        </a:xfrm>
+      </p:grpSpPr>
+      <p:pic>
+        <p:nvPicPr>
+          <p:cNvPr id="4" name="Content Placeholder 3">
+            <a:extLst>
+              <a:ext uri="{FF2B5EF4-FFF2-40B4-BE49-F238E27FC236}">
+                <a16:creationId xmlns:a16="http://schemas.microsoft.com/office/drawing/2014/main" id="{5B69E88A-F816-4AB9-B567-DC1314637061}"/>
+              </a:ext>
+            </a:extLst>
+          </p:cNvPr>
+          <p:cNvPicPr>
+            <a:picLocks noGrp="1" noChangeAspect="1"/>
+          </p:cNvPicPr>
+          <p:nvPr>
+            <p:ph idx="1"/>
+          </p:nvPr>
+        </p:nvPicPr>
+        <p:blipFill>
+          <a:blip r:embed="rId2"/>
+          <a:stretch>
+            <a:fillRect/>
+          </a:stretch>
+        </p:blipFill>
+        <p:spPr>
+          <a:xfrm>
+            <a:off x="3510953" y="388010"/>
+            <a:ext cx="6690059" cy="3092515"/>
+          </a:xfrm>
+          <a:prstGeom prst="rect">
+            <a:avLst/>
+          </a:prstGeom>
+        </p:spPr>
+      </p:pic>
+      <p:pic>
+        <p:nvPicPr>
+          <p:cNvPr id="5" name="Picture 4">
+            <a:extLst>
+              <a:ext uri="{FF2B5EF4-FFF2-40B4-BE49-F238E27FC236}">
+                <a16:creationId xmlns:a16="http://schemas.microsoft.com/office/drawing/2014/main" id="{99AF2B5B-D07C-47C1-9DC2-6DF266B37DE9}"/>
+              </a:ext>
+            </a:extLst>
+          </p:cNvPr>
+          <p:cNvPicPr>
+            <a:picLocks noChangeAspect="1"/>
+          </p:cNvPicPr>
+          <p:nvPr/>
+        </p:nvPicPr>
+        <p:blipFill>
+          <a:blip r:embed="rId3"/>
+          <a:stretch>
+            <a:fillRect/>
+          </a:stretch>
+        </p:blipFill>
+        <p:spPr>
+          <a:xfrm>
+            <a:off x="1044590" y="3840512"/>
+            <a:ext cx="9742415" cy="2704979"/>
+          </a:xfrm>
+          <a:prstGeom prst="rect">
+            <a:avLst/>
+          </a:prstGeom>
+        </p:spPr>
+      </p:pic>
+      <p:sp>
+        <p:nvSpPr>
+          <p:cNvPr id="6" name="TextBox 5">
+            <a:extLst>
+              <a:ext uri="{FF2B5EF4-FFF2-40B4-BE49-F238E27FC236}">
+                <a16:creationId xmlns:a16="http://schemas.microsoft.com/office/drawing/2014/main" id="{B8AD2CA7-B3B7-4865-BF34-9616C9BFB17A}"/>
+              </a:ext>
+            </a:extLst>
+          </p:cNvPr>
+          <p:cNvSpPr txBox="1"/>
+          <p:nvPr/>
+        </p:nvSpPr>
+        <p:spPr>
+          <a:xfrm>
+            <a:off x="796954" y="388010"/>
+            <a:ext cx="2713999" cy="369332"/>
+          </a:xfrm>
+          <a:prstGeom prst="rect">
+            <a:avLst/>
+          </a:prstGeom>
+          <a:noFill/>
+        </p:spPr>
+        <p:txBody>
+          <a:bodyPr wrap="square" rtlCol="0">
+            <a:spAutoFit/>
+          </a:bodyPr>
+          <a:lstStyle/>
+          <a:p>
+            <a:r>
+              <a:rPr lang="en-US" dirty="0"/>
+              <a:t>POS Tag in NIPS paper</a:t>
+            </a:r>
+          </a:p>
+        </p:txBody>
+      </p:sp>
+      <p:sp>
+        <p:nvSpPr>
+          <p:cNvPr id="8" name="TextBox 7">
+            <a:extLst>
+              <a:ext uri="{FF2B5EF4-FFF2-40B4-BE49-F238E27FC236}">
+                <a16:creationId xmlns:a16="http://schemas.microsoft.com/office/drawing/2014/main" id="{315CB6A9-6944-4DFA-A9CA-69D80F57A75D}"/>
+              </a:ext>
+            </a:extLst>
+          </p:cNvPr>
+          <p:cNvSpPr txBox="1"/>
+          <p:nvPr/>
+        </p:nvSpPr>
+        <p:spPr>
+          <a:xfrm>
+            <a:off x="891410" y="3429000"/>
+            <a:ext cx="2525086" cy="369332"/>
+          </a:xfrm>
+          <a:prstGeom prst="rect">
+            <a:avLst/>
+          </a:prstGeom>
+          <a:noFill/>
+        </p:spPr>
+        <p:txBody>
+          <a:bodyPr wrap="square" rtlCol="0">
+            <a:spAutoFit/>
+          </a:bodyPr>
+          <a:lstStyle/>
+          <a:p>
+            <a:r>
+              <a:rPr lang="en-US" dirty="0"/>
+              <a:t>10 Top Word Used</a:t>
+            </a:r>
+          </a:p>
+        </p:txBody>
+      </p:sp>
+    </p:spTree>
+    <p:extLst>
+      <p:ext uri="{BB962C8B-B14F-4D97-AF65-F5344CB8AC3E}">
+        <p14:creationId xmlns:p14="http://schemas.microsoft.com/office/powerpoint/2010/main" val="471059687"/>
+      </p:ext>
+    </p:extLst>
+  </p:cSld>
+  <p:clrMapOvr>
+    <a:masterClrMapping/>
+  </p:clrMapOvr>
+</p:sld>
+</file>
+
+<file path=ppt/slides/slide6.xml><?xml version="1.0" encoding="utf-8"?>
+<p:sld xmlns:a="http://schemas.openxmlformats.org/drawingml/2006/main" xmlns:r="http://schemas.openxmlformats.org/officeDocument/2006/relationships" xmlns:p="http://schemas.openxmlformats.org/presentationml/2006/main">
+  <p:cSld>
+    <p:spTree>
+      <p:nvGrpSpPr>
+        <p:cNvPr id="1" name=""/>
+        <p:cNvGrpSpPr/>
+        <p:nvPr/>
+      </p:nvGrpSpPr>
+      <p:grpSpPr>
+        <a:xfrm>
+          <a:off x="0" y="0"/>
+          <a:ext cx="0" cy="0"/>
+          <a:chOff x="0" y="0"/>
+          <a:chExt cx="0" cy="0"/>
+        </a:xfrm>
+      </p:grpSpPr>
+      <p:sp>
+        <p:nvSpPr>
+          <p:cNvPr id="2" name="Title 1">
+            <a:extLst>
+              <a:ext uri="{FF2B5EF4-FFF2-40B4-BE49-F238E27FC236}">
+                <a16:creationId xmlns:a16="http://schemas.microsoft.com/office/drawing/2014/main" id="{39E8ED93-4F93-4D61-9154-F131AB3D20A1}"/>
+              </a:ext>
+            </a:extLst>
+          </p:cNvPr>
+          <p:cNvSpPr>
+            <a:spLocks noGrp="1"/>
+          </p:cNvSpPr>
+          <p:nvPr>
+            <p:ph type="title"/>
+          </p:nvPr>
+        </p:nvSpPr>
+        <p:spPr/>
+        <p:txBody>
+          <a:bodyPr/>
+          <a:lstStyle/>
+          <a:p>
+            <a:r>
+              <a:rPr lang="en-US" dirty="0"/>
+              <a:t>T-SNE </a:t>
+            </a:r>
+            <a:r>
+              <a:rPr lang="en-US" sz="2800" dirty="0"/>
+              <a:t>(T-DISTRIBUTED STOCHASTIC NEIGBOURING ENTITIES)</a:t>
+            </a:r>
+          </a:p>
+        </p:txBody>
+      </p:sp>
+      <p:sp>
+        <p:nvSpPr>
+          <p:cNvPr id="3" name="Content Placeholder 2">
+            <a:extLst>
+              <a:ext uri="{FF2B5EF4-FFF2-40B4-BE49-F238E27FC236}">
+                <a16:creationId xmlns:a16="http://schemas.microsoft.com/office/drawing/2014/main" id="{F7AF509C-0223-4D90-AAD3-4CEC4B5BEB0C}"/>
+              </a:ext>
+            </a:extLst>
+          </p:cNvPr>
+          <p:cNvSpPr>
+            <a:spLocks noGrp="1"/>
+          </p:cNvSpPr>
+          <p:nvPr>
+            <p:ph idx="1"/>
+          </p:nvPr>
+        </p:nvSpPr>
+        <p:spPr>
+          <a:xfrm>
+            <a:off x="1103312" y="2052918"/>
+            <a:ext cx="8946541" cy="2572905"/>
+          </a:xfrm>
+        </p:spPr>
+        <p:txBody>
+          <a:bodyPr/>
+          <a:lstStyle/>
+          <a:p>
+            <a:r>
+              <a:rPr lang="en-US" dirty="0"/>
+              <a:t>T-SNE : technique for dimensionality reduction and is particularly well suited for the visualization of high-dimensional datasets</a:t>
+            </a:r>
+          </a:p>
+          <a:p>
+            <a:r>
+              <a:rPr lang="en-US" i="1" dirty="0"/>
+              <a:t>“t-Distributed stochastic neighbor embedding (t-SNE) minimizes the divergence between two distributions: a distribution that measures pairwise similarities of the input objects and a distribution that measures pairwise similarities of the corresponding low-dimensional points in the embedding” (Van der </a:t>
+            </a:r>
+            <a:r>
+              <a:rPr lang="en-US" i="1" dirty="0" err="1"/>
+              <a:t>Maaten</a:t>
+            </a:r>
+            <a:r>
+              <a:rPr lang="en-US" i="1" dirty="0"/>
+              <a:t>, 2008)</a:t>
+            </a:r>
+          </a:p>
+          <a:p>
+            <a:endParaRPr lang="en-US" dirty="0"/>
+          </a:p>
+        </p:txBody>
+      </p:sp>
+      <p:sp>
+        <p:nvSpPr>
+          <p:cNvPr id="4" name="Rectangle 3">
+            <a:extLst>
+              <a:ext uri="{FF2B5EF4-FFF2-40B4-BE49-F238E27FC236}">
+                <a16:creationId xmlns:a16="http://schemas.microsoft.com/office/drawing/2014/main" id="{B55C6F6C-BB12-476D-8AD8-5E50FB8E80A8}"/>
+              </a:ext>
+            </a:extLst>
+          </p:cNvPr>
+          <p:cNvSpPr/>
+          <p:nvPr/>
+        </p:nvSpPr>
+        <p:spPr>
+          <a:xfrm>
+            <a:off x="9196507" y="1399085"/>
+            <a:ext cx="2579552" cy="369332"/>
+          </a:xfrm>
+          <a:prstGeom prst="rect">
+            <a:avLst/>
+          </a:prstGeom>
+        </p:spPr>
+        <p:txBody>
+          <a:bodyPr wrap="none">
+            <a:spAutoFit/>
+          </a:bodyPr>
+          <a:lstStyle/>
+          <a:p>
+            <a:r>
+              <a:rPr lang="en-US" dirty="0" err="1">
+                <a:solidFill>
+                  <a:schemeClr val="accent3">
+                    <a:lumMod val="60000"/>
+                    <a:lumOff val="40000"/>
+                  </a:schemeClr>
+                </a:solidFill>
+              </a:rPr>
+              <a:t>sklearn.manifold.TSNE</a:t>
+            </a:r>
+            <a:endParaRPr lang="en-US" dirty="0">
+              <a:solidFill>
+                <a:schemeClr val="accent3">
+                  <a:lumMod val="60000"/>
+                  <a:lumOff val="40000"/>
+                </a:schemeClr>
+              </a:solidFill>
+            </a:endParaRPr>
+          </a:p>
+        </p:txBody>
+      </p:sp>
+      <p:pic>
+        <p:nvPicPr>
+          <p:cNvPr id="1026" name="Picture 2" descr="Related image">
+            <a:extLst>
+              <a:ext uri="{FF2B5EF4-FFF2-40B4-BE49-F238E27FC236}">
+                <a16:creationId xmlns:a16="http://schemas.microsoft.com/office/drawing/2014/main" id="{B9F486D8-76CA-4A8E-833B-D121D50911F0}"/>
+              </a:ext>
+            </a:extLst>
+          </p:cNvPr>
+          <p:cNvPicPr>
+            <a:picLocks noChangeAspect="1" noChangeArrowheads="1"/>
+          </p:cNvPicPr>
+          <p:nvPr/>
+        </p:nvPicPr>
+        <p:blipFill>
+          <a:blip r:embed="rId2">
+            <a:extLst>
+              <a:ext uri="{28A0092B-C50C-407E-A947-70E740481C1C}">
+                <a14:useLocalDpi xmlns:a14="http://schemas.microsoft.com/office/drawing/2010/main" val="0"/>
+              </a:ext>
+            </a:extLst>
+          </a:blip>
+          <a:srcRect/>
+          <a:stretch>
+            <a:fillRect/>
+          </a:stretch>
+        </p:blipFill>
+        <p:spPr bwMode="auto">
+          <a:xfrm>
+            <a:off x="5719107" y="4625823"/>
+            <a:ext cx="2381250" cy="1914525"/>
+          </a:xfrm>
+          <a:prstGeom prst="rect">
+            <a:avLst/>
+          </a:prstGeom>
+          <a:noFill/>
+          <a:extLst>
+            <a:ext uri="{909E8E84-426E-40DD-AFC4-6F175D3DCCD1}">
+              <a14:hiddenFill xmlns:a14="http://schemas.microsoft.com/office/drawing/2010/main">
+                <a:solidFill>
+                  <a:srgbClr val="FFFFFF"/>
+                </a:solidFill>
+              </a14:hiddenFill>
+            </a:ext>
+          </a:extLst>
+        </p:spPr>
+      </p:pic>
+      <p:sp>
+        <p:nvSpPr>
+          <p:cNvPr id="5" name="Flowchart: Process 4">
+            <a:extLst>
+              <a:ext uri="{FF2B5EF4-FFF2-40B4-BE49-F238E27FC236}">
+                <a16:creationId xmlns:a16="http://schemas.microsoft.com/office/drawing/2014/main" id="{BF74D916-8FF5-401D-AC3A-A152E08A9763}"/>
+              </a:ext>
+            </a:extLst>
+          </p:cNvPr>
+          <p:cNvSpPr/>
+          <p:nvPr/>
+        </p:nvSpPr>
+        <p:spPr>
+          <a:xfrm>
+            <a:off x="1677798" y="5079745"/>
+            <a:ext cx="1627464" cy="1006679"/>
+          </a:xfrm>
+          <a:prstGeom prst="flowChartProcess">
+            <a:avLst/>
+          </a:prstGeom>
+          <a:effectLst/>
+        </p:spPr>
+        <p:style>
+          <a:lnRef idx="2">
+            <a:schemeClr val="accent4">
+              <a:shade val="50000"/>
+            </a:schemeClr>
+          </a:lnRef>
+          <a:fillRef idx="1">
+            <a:schemeClr val="accent4"/>
+          </a:fillRef>
+          <a:effectRef idx="0">
+            <a:schemeClr val="accent4"/>
+          </a:effectRef>
+          <a:fontRef idx="minor">
+            <a:schemeClr val="lt1"/>
+          </a:fontRef>
+        </p:style>
+        <p:txBody>
+          <a:bodyPr rtlCol="0" anchor="ctr"/>
+          <a:lstStyle/>
+          <a:p>
+            <a:pPr algn="ctr"/>
+            <a:r>
+              <a:rPr lang="en-US" dirty="0"/>
+              <a:t>High dimensional matrix</a:t>
+            </a:r>
+          </a:p>
+        </p:txBody>
+      </p:sp>
+      <p:sp>
+        <p:nvSpPr>
+          <p:cNvPr id="6" name="Arrow: Right 5">
+            <a:extLst>
+              <a:ext uri="{FF2B5EF4-FFF2-40B4-BE49-F238E27FC236}">
+                <a16:creationId xmlns:a16="http://schemas.microsoft.com/office/drawing/2014/main" id="{C76E47DA-3CDF-4628-8657-1E9D9BCE4C90}"/>
+              </a:ext>
+            </a:extLst>
+          </p:cNvPr>
+          <p:cNvSpPr/>
+          <p:nvPr/>
+        </p:nvSpPr>
+        <p:spPr>
+          <a:xfrm>
+            <a:off x="3707934" y="5519956"/>
+            <a:ext cx="1702965" cy="453005"/>
+          </a:xfrm>
+          <a:prstGeom prst="rightArrow">
+            <a:avLst/>
+          </a:prstGeom>
+        </p:spPr>
+        <p:style>
+          <a:lnRef idx="2">
+            <a:schemeClr val="accent1">
+              <a:shade val="50000"/>
+            </a:schemeClr>
+          </a:lnRef>
+          <a:fillRef idx="1">
+            <a:schemeClr val="accent1"/>
+          </a:fillRef>
+          <a:effectRef idx="0">
+            <a:schemeClr val="accent1"/>
+          </a:effectRef>
+          <a:fontRef idx="minor">
+            <a:schemeClr val="lt1"/>
+          </a:fontRef>
+        </p:style>
+        <p:txBody>
+          <a:bodyPr rtlCol="0" anchor="ctr"/>
+          <a:lstStyle/>
+          <a:p>
+            <a:pPr algn="ctr"/>
+            <a:endParaRPr lang="en-US"/>
+          </a:p>
+        </p:txBody>
+      </p:sp>
+      <p:sp>
+        <p:nvSpPr>
+          <p:cNvPr id="7" name="TextBox 6">
+            <a:extLst>
+              <a:ext uri="{FF2B5EF4-FFF2-40B4-BE49-F238E27FC236}">
+                <a16:creationId xmlns:a16="http://schemas.microsoft.com/office/drawing/2014/main" id="{1F0B9674-19C6-43CA-9D9B-38ED09A35AFB}"/>
+              </a:ext>
+            </a:extLst>
+          </p:cNvPr>
+          <p:cNvSpPr txBox="1"/>
+          <p:nvPr/>
+        </p:nvSpPr>
+        <p:spPr>
+          <a:xfrm>
+            <a:off x="8122794" y="5964572"/>
+            <a:ext cx="2173993" cy="584775"/>
+          </a:xfrm>
+          <a:prstGeom prst="rect">
+            <a:avLst/>
+          </a:prstGeom>
+          <a:noFill/>
+        </p:spPr>
+        <p:txBody>
+          <a:bodyPr wrap="none" rtlCol="0">
+            <a:spAutoFit/>
+          </a:bodyPr>
+          <a:lstStyle/>
+          <a:p>
+            <a:r>
+              <a:rPr lang="en-US" sz="1600" dirty="0"/>
+              <a:t>Plot 2-D by keeping </a:t>
+            </a:r>
+          </a:p>
+          <a:p>
+            <a:r>
+              <a:rPr lang="en-US" sz="1600" dirty="0"/>
+              <a:t>the similarity vector</a:t>
+            </a:r>
+          </a:p>
+        </p:txBody>
+      </p:sp>
+    </p:spTree>
+    <p:extLst>
+      <p:ext uri="{BB962C8B-B14F-4D97-AF65-F5344CB8AC3E}">
+        <p14:creationId xmlns:p14="http://schemas.microsoft.com/office/powerpoint/2010/main" val="3146261607"/>
+      </p:ext>
+    </p:extLst>
+  </p:cSld>
+  <p:clrMapOvr>
+    <a:masterClrMapping/>
+  </p:clrMapOvr>
+</p:sld>
+</file>
+
+<file path=ppt/slides/slide7.xml><?xml version="1.0" encoding="utf-8"?>
+<p:sld xmlns:a="http://schemas.openxmlformats.org/drawingml/2006/main" xmlns:r="http://schemas.openxmlformats.org/officeDocument/2006/relationships" xmlns:p="http://schemas.openxmlformats.org/presentationml/2006/main">
+  <p:cSld>
+    <p:spTree>
+      <p:nvGrpSpPr>
+        <p:cNvPr id="1" name=""/>
+        <p:cNvGrpSpPr/>
+        <p:nvPr/>
+      </p:nvGrpSpPr>
+      <p:grpSpPr>
+        <a:xfrm>
+          <a:off x="0" y="0"/>
+          <a:ext cx="0" cy="0"/>
+          <a:chOff x="0" y="0"/>
+          <a:chExt cx="0" cy="0"/>
+        </a:xfrm>
+      </p:grpSpPr>
+      <p:sp>
+        <p:nvSpPr>
+          <p:cNvPr id="2" name="Title 1">
+            <a:extLst>
+              <a:ext uri="{FF2B5EF4-FFF2-40B4-BE49-F238E27FC236}">
+                <a16:creationId xmlns:a16="http://schemas.microsoft.com/office/drawing/2014/main" id="{86491CE6-12D8-49C1-B238-8D8134A371D3}"/>
+              </a:ext>
+            </a:extLst>
+          </p:cNvPr>
+          <p:cNvSpPr>
+            <a:spLocks noGrp="1"/>
+          </p:cNvSpPr>
+          <p:nvPr>
+            <p:ph type="title"/>
+          </p:nvPr>
+        </p:nvSpPr>
+        <p:spPr/>
+        <p:txBody>
+          <a:bodyPr/>
+          <a:lstStyle/>
+          <a:p>
+            <a:r>
+              <a:rPr lang="en-US" dirty="0"/>
+              <a:t>TOPIC MODELING</a:t>
+            </a:r>
+          </a:p>
+        </p:txBody>
+      </p:sp>
+      <p:sp>
+        <p:nvSpPr>
+          <p:cNvPr id="3" name="Content Placeholder 2">
+            <a:extLst>
+              <a:ext uri="{FF2B5EF4-FFF2-40B4-BE49-F238E27FC236}">
+                <a16:creationId xmlns:a16="http://schemas.microsoft.com/office/drawing/2014/main" id="{B3E1F855-7053-4B37-9EE0-A8FD397DD4EC}"/>
+              </a:ext>
+            </a:extLst>
+          </p:cNvPr>
+          <p:cNvSpPr>
+            <a:spLocks noGrp="1"/>
+          </p:cNvSpPr>
+          <p:nvPr>
+            <p:ph idx="1"/>
+          </p:nvPr>
+        </p:nvSpPr>
+        <p:spPr>
+          <a:xfrm>
+            <a:off x="875201" y="1634688"/>
+            <a:ext cx="8946541" cy="4195481"/>
+          </a:xfrm>
+        </p:spPr>
+        <p:txBody>
+          <a:bodyPr/>
+          <a:lstStyle/>
+          <a:p>
+            <a:r>
+              <a:rPr lang="en-US" dirty="0"/>
+              <a:t>LSA </a:t>
+            </a:r>
+          </a:p>
+          <a:p>
+            <a:pPr marL="0" indent="0" fontAlgn="base">
+              <a:buNone/>
+            </a:pPr>
+            <a:r>
+              <a:rPr lang="en-US" dirty="0"/>
+              <a:t>The </a:t>
+            </a:r>
+            <a:r>
+              <a:rPr lang="en-US" b="1" dirty="0"/>
+              <a:t>latent</a:t>
+            </a:r>
+            <a:r>
+              <a:rPr lang="en-US" dirty="0"/>
+              <a:t> in </a:t>
+            </a:r>
+            <a:r>
+              <a:rPr lang="en-US" b="1" dirty="0"/>
+              <a:t>Latent Semantic Analysis</a:t>
+            </a:r>
+            <a:r>
+              <a:rPr lang="en-US" dirty="0"/>
+              <a:t> (LSA) means latent topics. LSA finds low-dimension representation of documents and words.</a:t>
+            </a:r>
+          </a:p>
+          <a:p>
+            <a:endParaRPr lang="en-US" dirty="0"/>
+          </a:p>
+        </p:txBody>
+      </p:sp>
+      <p:pic>
+        <p:nvPicPr>
+          <p:cNvPr id="5" name="Picture 4">
+            <a:extLst>
+              <a:ext uri="{FF2B5EF4-FFF2-40B4-BE49-F238E27FC236}">
+                <a16:creationId xmlns:a16="http://schemas.microsoft.com/office/drawing/2014/main" id="{129A0F22-4057-417A-B77B-95047BBAD288}"/>
+              </a:ext>
+            </a:extLst>
+          </p:cNvPr>
+          <p:cNvPicPr>
+            <a:picLocks noChangeAspect="1"/>
+          </p:cNvPicPr>
+          <p:nvPr/>
+        </p:nvPicPr>
+        <p:blipFill>
+          <a:blip r:embed="rId2"/>
+          <a:stretch>
+            <a:fillRect/>
+          </a:stretch>
+        </p:blipFill>
+        <p:spPr>
+          <a:xfrm>
+            <a:off x="2089099" y="2909034"/>
+            <a:ext cx="6772230" cy="2539586"/>
+          </a:xfrm>
+          <a:prstGeom prst="rect">
+            <a:avLst/>
+          </a:prstGeom>
+        </p:spPr>
+      </p:pic>
+      <p:pic>
+        <p:nvPicPr>
+          <p:cNvPr id="6" name="Picture 5">
+            <a:extLst>
+              <a:ext uri="{FF2B5EF4-FFF2-40B4-BE49-F238E27FC236}">
+                <a16:creationId xmlns:a16="http://schemas.microsoft.com/office/drawing/2014/main" id="{8AE25BB5-45CF-4695-BE31-611041675D46}"/>
+              </a:ext>
+            </a:extLst>
+          </p:cNvPr>
+          <p:cNvPicPr>
+            <a:picLocks noChangeAspect="1"/>
+          </p:cNvPicPr>
+          <p:nvPr/>
+        </p:nvPicPr>
+        <p:blipFill>
+          <a:blip r:embed="rId3"/>
+          <a:stretch>
+            <a:fillRect/>
+          </a:stretch>
+        </p:blipFill>
+        <p:spPr>
+          <a:xfrm>
+            <a:off x="6670301" y="5648683"/>
+            <a:ext cx="1546904" cy="479660"/>
+          </a:xfrm>
+          <a:prstGeom prst="rect">
+            <a:avLst/>
+          </a:prstGeom>
+        </p:spPr>
+      </p:pic>
+      <p:sp>
+        <p:nvSpPr>
+          <p:cNvPr id="7" name="TextBox 6">
+            <a:extLst>
+              <a:ext uri="{FF2B5EF4-FFF2-40B4-BE49-F238E27FC236}">
+                <a16:creationId xmlns:a16="http://schemas.microsoft.com/office/drawing/2014/main" id="{43FF0AB7-A98A-4352-9507-9EA7EB69599C}"/>
+              </a:ext>
+            </a:extLst>
+          </p:cNvPr>
+          <p:cNvSpPr txBox="1"/>
+          <p:nvPr/>
+        </p:nvSpPr>
+        <p:spPr>
+          <a:xfrm>
+            <a:off x="875201" y="5613290"/>
+            <a:ext cx="5737468" cy="369332"/>
+          </a:xfrm>
+          <a:prstGeom prst="rect">
+            <a:avLst/>
+          </a:prstGeom>
+          <a:noFill/>
+        </p:spPr>
+        <p:txBody>
+          <a:bodyPr wrap="none" rtlCol="0">
+            <a:spAutoFit/>
+          </a:bodyPr>
+          <a:lstStyle/>
+          <a:p>
+            <a:r>
+              <a:rPr lang="en-US" dirty="0"/>
+              <a:t>Decompose Matrix X into 3 component using SVD</a:t>
+            </a:r>
+          </a:p>
+        </p:txBody>
+      </p:sp>
+      <p:sp>
+        <p:nvSpPr>
+          <p:cNvPr id="8" name="Rectangle 7">
+            <a:extLst>
+              <a:ext uri="{FF2B5EF4-FFF2-40B4-BE49-F238E27FC236}">
+                <a16:creationId xmlns:a16="http://schemas.microsoft.com/office/drawing/2014/main" id="{4AD93229-DB08-4ABE-8360-E4695C64E560}"/>
+              </a:ext>
+            </a:extLst>
+          </p:cNvPr>
+          <p:cNvSpPr/>
+          <p:nvPr/>
+        </p:nvSpPr>
+        <p:spPr>
+          <a:xfrm>
+            <a:off x="5831446" y="6185623"/>
+            <a:ext cx="4424609" cy="369332"/>
+          </a:xfrm>
+          <a:prstGeom prst="rect">
+            <a:avLst/>
+          </a:prstGeom>
+        </p:spPr>
+        <p:txBody>
+          <a:bodyPr wrap="none">
+            <a:spAutoFit/>
+          </a:bodyPr>
+          <a:lstStyle/>
+          <a:p>
+            <a:r>
+              <a:rPr lang="en-US" dirty="0" err="1">
+                <a:solidFill>
+                  <a:schemeClr val="accent3">
+                    <a:lumMod val="60000"/>
+                    <a:lumOff val="40000"/>
+                  </a:schemeClr>
+                </a:solidFill>
+              </a:rPr>
+              <a:t>sklearn.decomposition.TruncatedSVD</a:t>
+            </a:r>
+            <a:endParaRPr lang="en-US" dirty="0">
+              <a:solidFill>
+                <a:schemeClr val="accent3">
+                  <a:lumMod val="60000"/>
+                  <a:lumOff val="40000"/>
+                </a:schemeClr>
+              </a:solidFill>
+            </a:endParaRPr>
+          </a:p>
+        </p:txBody>
+      </p:sp>
+    </p:spTree>
+    <p:extLst>
+      <p:ext uri="{BB962C8B-B14F-4D97-AF65-F5344CB8AC3E}">
+        <p14:creationId xmlns:p14="http://schemas.microsoft.com/office/powerpoint/2010/main" val="3476527506"/>
+      </p:ext>
+    </p:extLst>
+  </p:cSld>
+  <p:clrMapOvr>
+    <a:masterClrMapping/>
+  </p:clrMapOvr>
+</p:sld>
+</file>
+
+<file path=ppt/slides/slide8.xml><?xml version="1.0" encoding="utf-8"?>
+<p:sld xmlns:a="http://schemas.openxmlformats.org/drawingml/2006/main" xmlns:r="http://schemas.openxmlformats.org/officeDocument/2006/relationships" xmlns:p="http://schemas.openxmlformats.org/presentationml/2006/main">
+  <p:cSld>
+    <p:spTree>
+      <p:nvGrpSpPr>
+        <p:cNvPr id="1" name=""/>
+        <p:cNvGrpSpPr/>
+        <p:nvPr/>
+      </p:nvGrpSpPr>
+      <p:grpSpPr>
+        <a:xfrm>
+          <a:off x="0" y="0"/>
+          <a:ext cx="0" cy="0"/>
+          <a:chOff x="0" y="0"/>
+          <a:chExt cx="0" cy="0"/>
+        </a:xfrm>
+      </p:grpSpPr>
+      <p:sp>
+        <p:nvSpPr>
+          <p:cNvPr id="2" name="Title 1">
+            <a:extLst>
+              <a:ext uri="{FF2B5EF4-FFF2-40B4-BE49-F238E27FC236}">
+                <a16:creationId xmlns:a16="http://schemas.microsoft.com/office/drawing/2014/main" id="{0556240C-560A-4D19-8533-63375010E698}"/>
+              </a:ext>
+            </a:extLst>
+          </p:cNvPr>
+          <p:cNvSpPr>
+            <a:spLocks noGrp="1"/>
+          </p:cNvSpPr>
+          <p:nvPr>
+            <p:ph type="title"/>
+          </p:nvPr>
+        </p:nvSpPr>
+        <p:spPr>
+          <a:xfrm>
+            <a:off x="646112" y="452718"/>
+            <a:ext cx="6339534" cy="830798"/>
+          </a:xfrm>
+        </p:spPr>
+        <p:txBody>
+          <a:bodyPr/>
+          <a:lstStyle/>
+          <a:p>
+            <a:r>
+              <a:rPr lang="en-US" dirty="0"/>
+              <a:t>LSA : Found 34 topics</a:t>
+            </a:r>
+          </a:p>
+        </p:txBody>
+      </p:sp>
+      <p:sp>
+        <p:nvSpPr>
+          <p:cNvPr id="4" name="Rectangle 3">
+            <a:extLst>
+              <a:ext uri="{FF2B5EF4-FFF2-40B4-BE49-F238E27FC236}">
+                <a16:creationId xmlns:a16="http://schemas.microsoft.com/office/drawing/2014/main" id="{4B429F97-3147-4D4F-B794-D50C10373478}"/>
+              </a:ext>
+            </a:extLst>
+          </p:cNvPr>
+          <p:cNvSpPr/>
+          <p:nvPr/>
+        </p:nvSpPr>
+        <p:spPr>
+          <a:xfrm>
+            <a:off x="7896837" y="452718"/>
+            <a:ext cx="3327633" cy="6017032"/>
+          </a:xfrm>
+          <a:prstGeom prst="rect">
+            <a:avLst/>
+          </a:prstGeom>
+        </p:spPr>
+        <p:txBody>
+          <a:bodyPr wrap="square">
+            <a:spAutoFit/>
+          </a:bodyPr>
+          <a:lstStyle/>
+          <a:p>
+            <a:r>
+              <a:rPr lang="en-US" sz="1100" dirty="0"/>
+              <a:t>Topic 0:  model algorithm function</a:t>
+            </a:r>
+          </a:p>
+          <a:p>
+            <a:r>
+              <a:rPr lang="en-US" sz="1100" dirty="0"/>
+              <a:t>Topic 1:  neuron network cell</a:t>
+            </a:r>
+          </a:p>
+          <a:p>
+            <a:r>
+              <a:rPr lang="en-US" sz="1100" dirty="0"/>
+              <a:t>Topic 2:  policy reward action</a:t>
+            </a:r>
+          </a:p>
+          <a:p>
+            <a:r>
+              <a:rPr lang="en-US" sz="1100" dirty="0"/>
+              <a:t>Topic 3:  spike neuron firing</a:t>
+            </a:r>
+          </a:p>
+          <a:p>
+            <a:r>
+              <a:rPr lang="en-US" sz="1100" dirty="0"/>
+              <a:t>Topic 4:  spike stimulus model</a:t>
+            </a:r>
+          </a:p>
+          <a:p>
+            <a:r>
+              <a:rPr lang="en-US" sz="1100" dirty="0"/>
+              <a:t>Topic 5:  kernel image face</a:t>
+            </a:r>
+          </a:p>
+          <a:p>
+            <a:r>
+              <a:rPr lang="en-US" sz="1100" dirty="0"/>
+              <a:t>Topic 6:  node graph edge</a:t>
+            </a:r>
+          </a:p>
+          <a:p>
+            <a:r>
+              <a:rPr lang="en-US" sz="1100" dirty="0"/>
+              <a:t>Topic 7:  kernel graph vertex</a:t>
+            </a:r>
+          </a:p>
+          <a:p>
+            <a:r>
+              <a:rPr lang="en-US" sz="1100" dirty="0"/>
+              <a:t>Topic 8:  kernel tree node</a:t>
+            </a:r>
+          </a:p>
+          <a:p>
+            <a:r>
+              <a:rPr lang="en-US" sz="1100" dirty="0"/>
+              <a:t>Topic 9:  blur image blurring</a:t>
+            </a:r>
+          </a:p>
+          <a:p>
+            <a:r>
+              <a:rPr lang="en-US" sz="1100" dirty="0"/>
+              <a:t>Topic 10:  arm regret bandit</a:t>
+            </a:r>
+          </a:p>
+          <a:p>
+            <a:r>
+              <a:rPr lang="en-US" sz="1100" dirty="0"/>
+              <a:t>Topic 11:  cluster clustering algorithm</a:t>
+            </a:r>
+          </a:p>
+          <a:p>
+            <a:r>
+              <a:rPr lang="en-US" sz="1100" dirty="0"/>
+              <a:t>Topic 12:  topic document word</a:t>
+            </a:r>
+          </a:p>
+          <a:p>
+            <a:r>
+              <a:rPr lang="en-US" sz="1100" dirty="0"/>
+              <a:t>Topic 13:  tree node petition</a:t>
+            </a:r>
+          </a:p>
+          <a:p>
+            <a:r>
+              <a:rPr lang="en-US" sz="1100" dirty="0"/>
+              <a:t>Topic 14:  cell stimulus response</a:t>
+            </a:r>
+          </a:p>
+          <a:p>
+            <a:r>
+              <a:rPr lang="en-US" sz="1100" dirty="0"/>
+              <a:t>Topic 15:  tree suffix string</a:t>
+            </a:r>
+          </a:p>
+          <a:p>
+            <a:r>
+              <a:rPr lang="en-US" sz="1100" dirty="0"/>
+              <a:t>Topic 16:  game player equilibrium</a:t>
+            </a:r>
+          </a:p>
+          <a:p>
+            <a:r>
+              <a:rPr lang="en-US" sz="1100" dirty="0"/>
+              <a:t>Topic 17:  circuit chip voltage</a:t>
+            </a:r>
+          </a:p>
+          <a:p>
+            <a:r>
+              <a:rPr lang="en-US" sz="1100" dirty="0"/>
+              <a:t>Topic 18:  </a:t>
+            </a:r>
+            <a:r>
+              <a:rPr lang="en-US" sz="1100" dirty="0" err="1"/>
+              <a:t>adaboost</a:t>
+            </a:r>
+            <a:r>
+              <a:rPr lang="en-US" sz="1100" dirty="0"/>
+              <a:t> margin ascent</a:t>
+            </a:r>
+          </a:p>
+          <a:p>
+            <a:r>
+              <a:rPr lang="en-US" sz="1100" dirty="0"/>
+              <a:t>Topic 19:  manifold </a:t>
+            </a:r>
+            <a:r>
+              <a:rPr lang="en-US" sz="1100" dirty="0" err="1"/>
+              <a:t>isomap</a:t>
+            </a:r>
+            <a:r>
+              <a:rPr lang="en-US" sz="1100" dirty="0"/>
+              <a:t> data</a:t>
+            </a:r>
+          </a:p>
+          <a:p>
+            <a:r>
+              <a:rPr lang="en-US" sz="1100" dirty="0"/>
+              <a:t>Topic 20:  agent reward arm</a:t>
+            </a:r>
+          </a:p>
+          <a:p>
+            <a:r>
+              <a:rPr lang="en-US" sz="1100" dirty="0"/>
+              <a:t>Topic 21:  object feature </a:t>
+            </a:r>
+            <a:r>
+              <a:rPr lang="en-US" sz="1100" dirty="0" err="1"/>
+              <a:t>ibp</a:t>
+            </a:r>
+            <a:endParaRPr lang="en-US" sz="1100" dirty="0"/>
+          </a:p>
+          <a:p>
+            <a:r>
+              <a:rPr lang="en-US" sz="1100" dirty="0"/>
+              <a:t>Topic 22:  agent representation grid</a:t>
+            </a:r>
+          </a:p>
+          <a:p>
+            <a:r>
+              <a:rPr lang="en-US" sz="1100" dirty="0"/>
+              <a:t>Topic 23:  tensor spike rank</a:t>
+            </a:r>
+          </a:p>
+          <a:p>
+            <a:r>
+              <a:rPr lang="en-US" sz="1100" dirty="0"/>
+              <a:t>Topic 24:  cell rat firing</a:t>
+            </a:r>
+          </a:p>
+          <a:p>
+            <a:r>
+              <a:rPr lang="en-US" sz="1100" dirty="0"/>
+              <a:t>Topic 25:  tensor decomposition matrix</a:t>
+            </a:r>
+          </a:p>
+          <a:p>
+            <a:r>
+              <a:rPr lang="en-US" sz="1100" dirty="0"/>
+              <a:t>Topic 26:  tensor compartment geodesic</a:t>
+            </a:r>
+          </a:p>
+          <a:p>
+            <a:r>
+              <a:rPr lang="en-US" sz="1100" dirty="0"/>
+              <a:t>Topic 27:  query label answer</a:t>
+            </a:r>
+          </a:p>
+          <a:p>
+            <a:r>
+              <a:rPr lang="en-US" sz="1100" dirty="0"/>
+              <a:t>Topic 28:  item user rating</a:t>
+            </a:r>
+          </a:p>
+          <a:p>
+            <a:r>
+              <a:rPr lang="en-US" sz="1100" dirty="0"/>
+              <a:t>Topic 29:  motion velocity direction</a:t>
+            </a:r>
+          </a:p>
+          <a:p>
+            <a:r>
+              <a:rPr lang="en-US" sz="1100" dirty="0"/>
+              <a:t>Topic 30:  submodular function </a:t>
+            </a:r>
+            <a:r>
+              <a:rPr lang="en-US" sz="1100" dirty="0" err="1"/>
+              <a:t>submodularity</a:t>
+            </a:r>
+            <a:endParaRPr lang="en-US" sz="1100" dirty="0"/>
+          </a:p>
+          <a:p>
+            <a:r>
+              <a:rPr lang="en-US" sz="1100" dirty="0"/>
+              <a:t>Topic 31:  estimator </a:t>
+            </a:r>
+            <a:r>
+              <a:rPr lang="en-US" sz="1100" dirty="0" err="1"/>
+              <a:t>mse</a:t>
+            </a:r>
+            <a:r>
+              <a:rPr lang="en-US" sz="1100" dirty="0"/>
+              <a:t> kernel</a:t>
+            </a:r>
+          </a:p>
+          <a:p>
+            <a:r>
+              <a:rPr lang="en-US" sz="1100" dirty="0"/>
+              <a:t>Topic 32:  classifier message </a:t>
+            </a:r>
+            <a:r>
+              <a:rPr lang="en-US" sz="1100" dirty="0" err="1"/>
+              <a:t>rbf</a:t>
+            </a:r>
+            <a:endParaRPr lang="en-US" sz="1100" dirty="0"/>
+          </a:p>
+          <a:p>
+            <a:r>
+              <a:rPr lang="en-US" sz="1100" dirty="0"/>
+              <a:t>Topic 33:  worker manifold expert</a:t>
+            </a:r>
+          </a:p>
+          <a:p>
+            <a:r>
+              <a:rPr lang="en-US" sz="1100" dirty="0"/>
+              <a:t>Topic 34:  bam memory associative</a:t>
+            </a:r>
+          </a:p>
+        </p:txBody>
+      </p:sp>
+      <p:sp>
+        <p:nvSpPr>
+          <p:cNvPr id="6" name="Rectangle 5">
+            <a:extLst>
+              <a:ext uri="{FF2B5EF4-FFF2-40B4-BE49-F238E27FC236}">
+                <a16:creationId xmlns:a16="http://schemas.microsoft.com/office/drawing/2014/main" id="{339855D3-71BA-49CE-8483-E52341CC9BEB}"/>
+              </a:ext>
+            </a:extLst>
+          </p:cNvPr>
+          <p:cNvSpPr/>
+          <p:nvPr/>
+        </p:nvSpPr>
+        <p:spPr>
+          <a:xfrm>
+            <a:off x="889645" y="1206771"/>
+            <a:ext cx="6096000" cy="5478423"/>
+          </a:xfrm>
+          <a:prstGeom prst="rect">
+            <a:avLst/>
+          </a:prstGeom>
+        </p:spPr>
+        <p:txBody>
+          <a:bodyPr>
+            <a:spAutoFit/>
+          </a:bodyPr>
+          <a:lstStyle/>
+          <a:p>
+            <a:r>
+              <a:rPr lang="en-US" sz="1400" dirty="0">
+                <a:solidFill>
+                  <a:schemeClr val="accent3">
+                    <a:lumMod val="20000"/>
+                    <a:lumOff val="80000"/>
+                  </a:schemeClr>
+                </a:solidFill>
+              </a:rPr>
+              <a:t>Topic 0:  model algorithm function data network set matrix image distribution learning method problem training feature kernel error result bound using parameter time sample number point vector log input probability value figure</a:t>
+            </a:r>
+          </a:p>
+          <a:p>
+            <a:r>
+              <a:rPr lang="en-US" sz="1400" dirty="0">
+                <a:solidFill>
+                  <a:schemeClr val="accent3">
+                    <a:lumMod val="20000"/>
+                    <a:lumOff val="80000"/>
+                  </a:schemeClr>
+                </a:solidFill>
+              </a:rPr>
+              <a:t>Topic 1:  neuron network cell spike stimulus input synaptic response activity model layer firing pattern circuit unit connection synapsis visual excitatory figure output inhibitory frequency chip neural time signal cortical fig inhibition</a:t>
+            </a:r>
+          </a:p>
+          <a:p>
+            <a:r>
+              <a:rPr lang="en-US" sz="1400" dirty="0">
+                <a:solidFill>
+                  <a:schemeClr val="accent3">
+                    <a:lumMod val="20000"/>
+                    <a:lumOff val="80000"/>
+                  </a:schemeClr>
+                </a:solidFill>
+              </a:rPr>
+              <a:t>Topic 2:  policy reward action agent state </a:t>
+            </a:r>
+            <a:r>
+              <a:rPr lang="en-US" sz="1400" dirty="0" err="1">
+                <a:solidFill>
+                  <a:schemeClr val="accent3">
+                    <a:lumMod val="20000"/>
+                    <a:lumOff val="80000"/>
+                  </a:schemeClr>
+                </a:solidFill>
+              </a:rPr>
+              <a:t>mdp</a:t>
+            </a:r>
+            <a:r>
+              <a:rPr lang="en-US" sz="1400" dirty="0">
+                <a:solidFill>
+                  <a:schemeClr val="accent3">
+                    <a:lumMod val="20000"/>
+                    <a:lumOff val="80000"/>
+                  </a:schemeClr>
+                </a:solidFill>
+              </a:rPr>
+              <a:t> function algorithm value regret learning optimal trajectory time transition problem model environment reinforcement bound </a:t>
+            </a:r>
+            <a:r>
+              <a:rPr lang="en-US" sz="1400" dirty="0" err="1">
+                <a:solidFill>
+                  <a:schemeClr val="accent3">
+                    <a:lumMod val="20000"/>
+                    <a:lumOff val="80000"/>
+                  </a:schemeClr>
+                </a:solidFill>
+              </a:rPr>
+              <a:t>mdps</a:t>
+            </a:r>
+            <a:r>
+              <a:rPr lang="en-US" sz="1400" dirty="0">
+                <a:solidFill>
+                  <a:schemeClr val="accent3">
+                    <a:lumMod val="20000"/>
+                    <a:lumOff val="80000"/>
+                  </a:schemeClr>
+                </a:solidFill>
+              </a:rPr>
+              <a:t> probability expert set step planning episode decision exploration distribution</a:t>
+            </a:r>
+          </a:p>
+          <a:p>
+            <a:r>
+              <a:rPr lang="en-US" sz="1400" dirty="0">
+                <a:solidFill>
+                  <a:schemeClr val="accent3">
+                    <a:lumMod val="20000"/>
+                    <a:lumOff val="80000"/>
+                  </a:schemeClr>
+                </a:solidFill>
+              </a:rPr>
+              <a:t>Topic 3:  spike neuron firing synaptic postsynaptic spiking </a:t>
+            </a:r>
+            <a:r>
+              <a:rPr lang="en-US" sz="1400" dirty="0" err="1">
+                <a:solidFill>
+                  <a:schemeClr val="accent3">
+                    <a:lumMod val="20000"/>
+                    <a:lumOff val="80000"/>
+                  </a:schemeClr>
+                </a:solidFill>
+              </a:rPr>
+              <a:t>stdp</a:t>
+            </a:r>
+            <a:r>
+              <a:rPr lang="en-US" sz="1400" dirty="0">
+                <a:solidFill>
+                  <a:schemeClr val="accent3">
+                    <a:lumMod val="20000"/>
+                    <a:lumOff val="80000"/>
+                  </a:schemeClr>
+                </a:solidFill>
+              </a:rPr>
+              <a:t> presynaptic rate membrane input time synapsis synapse train potential weight network model signal function rule learning circuit timing voltage </a:t>
+            </a:r>
+            <a:r>
+              <a:rPr lang="en-US" sz="1400" dirty="0" err="1">
+                <a:solidFill>
+                  <a:schemeClr val="accent3">
+                    <a:lumMod val="20000"/>
+                    <a:lumOff val="80000"/>
+                  </a:schemeClr>
+                </a:solidFill>
+              </a:rPr>
+              <a:t>poisson</a:t>
+            </a:r>
+            <a:r>
+              <a:rPr lang="en-US" sz="1400" dirty="0">
+                <a:solidFill>
+                  <a:schemeClr val="accent3">
+                    <a:lumMod val="20000"/>
+                    <a:lumOff val="80000"/>
+                  </a:schemeClr>
+                </a:solidFill>
+              </a:rPr>
+              <a:t> dynamic dendritic threshold</a:t>
+            </a:r>
+          </a:p>
+          <a:p>
+            <a:r>
+              <a:rPr lang="en-US" sz="1400" dirty="0">
+                <a:solidFill>
+                  <a:schemeClr val="accent3">
+                    <a:lumMod val="20000"/>
+                    <a:lumOff val="80000"/>
+                  </a:schemeClr>
+                </a:solidFill>
+              </a:rPr>
+              <a:t>Topic 4:  spike stimulus model neuron distribution </a:t>
+            </a:r>
+            <a:r>
+              <a:rPr lang="en-US" sz="1400" dirty="0" err="1">
+                <a:solidFill>
+                  <a:schemeClr val="accent3">
+                    <a:lumMod val="20000"/>
+                    <a:lumOff val="80000"/>
+                  </a:schemeClr>
+                </a:solidFill>
+              </a:rPr>
+              <a:t>poisson</a:t>
+            </a:r>
+            <a:r>
+              <a:rPr lang="en-US" sz="1400" dirty="0">
+                <a:solidFill>
+                  <a:schemeClr val="accent3">
+                    <a:lumMod val="20000"/>
+                    <a:lumOff val="80000"/>
+                  </a:schemeClr>
+                </a:solidFill>
+              </a:rPr>
+              <a:t> population correlation response filter renewal </a:t>
+            </a:r>
+            <a:r>
+              <a:rPr lang="en-US" sz="1400" dirty="0" err="1">
+                <a:solidFill>
+                  <a:schemeClr val="accent3">
+                    <a:lumMod val="20000"/>
+                    <a:lumOff val="80000"/>
+                  </a:schemeClr>
+                </a:solidFill>
+              </a:rPr>
+              <a:t>gqm</a:t>
+            </a:r>
+            <a:r>
+              <a:rPr lang="en-US" sz="1400" dirty="0">
+                <a:solidFill>
+                  <a:schemeClr val="accent3">
+                    <a:lumMod val="20000"/>
+                    <a:lumOff val="80000"/>
+                  </a:schemeClr>
+                </a:solidFill>
+              </a:rPr>
+              <a:t> </a:t>
+            </a:r>
+            <a:r>
+              <a:rPr lang="en-US" sz="1400" dirty="0" err="1">
+                <a:solidFill>
+                  <a:schemeClr val="accent3">
+                    <a:lumMod val="20000"/>
+                    <a:lumOff val="80000"/>
+                  </a:schemeClr>
+                </a:solidFill>
+              </a:rPr>
+              <a:t>glm</a:t>
+            </a:r>
+            <a:r>
+              <a:rPr lang="en-US" sz="1400" dirty="0">
+                <a:solidFill>
+                  <a:schemeClr val="accent3">
+                    <a:lumMod val="20000"/>
+                    <a:lumOff val="80000"/>
+                  </a:schemeClr>
+                </a:solidFill>
+              </a:rPr>
+              <a:t> data count copula cascaded fig </a:t>
+            </a:r>
+            <a:r>
+              <a:rPr lang="en-US" sz="1400" dirty="0" err="1">
+                <a:solidFill>
+                  <a:schemeClr val="accent3">
+                    <a:lumMod val="20000"/>
+                    <a:lumOff val="80000"/>
+                  </a:schemeClr>
+                </a:solidFill>
+              </a:rPr>
+              <a:t>plds</a:t>
+            </a:r>
+            <a:r>
+              <a:rPr lang="en-US" sz="1400" dirty="0">
+                <a:solidFill>
+                  <a:schemeClr val="accent3">
+                    <a:lumMod val="20000"/>
+                    <a:lumOff val="80000"/>
+                  </a:schemeClr>
+                </a:solidFill>
+              </a:rPr>
+              <a:t> synchrony recording bin fit train spiking cell time word </a:t>
+            </a:r>
+            <a:r>
+              <a:rPr lang="en-US" sz="1400" dirty="0" err="1">
+                <a:solidFill>
+                  <a:schemeClr val="accent3">
+                    <a:lumMod val="20000"/>
+                    <a:lumOff val="80000"/>
+                  </a:schemeClr>
+                </a:solidFill>
+              </a:rPr>
+              <a:t>ising</a:t>
+            </a:r>
+            <a:r>
+              <a:rPr lang="en-US" sz="1400" dirty="0">
+                <a:solidFill>
+                  <a:schemeClr val="accent3">
+                    <a:lumMod val="20000"/>
+                    <a:lumOff val="80000"/>
+                  </a:schemeClr>
+                </a:solidFill>
+              </a:rPr>
+              <a:t> parameter</a:t>
+            </a:r>
+          </a:p>
+          <a:p>
+            <a:r>
+              <a:rPr lang="en-US" sz="1400" dirty="0">
+                <a:solidFill>
+                  <a:schemeClr val="accent3">
+                    <a:lumMod val="20000"/>
+                    <a:lumOff val="80000"/>
+                  </a:schemeClr>
+                </a:solidFill>
+              </a:rPr>
+              <a:t>Topic 5:  kernel image face feature shape descriptor inn space signal facial </a:t>
+            </a:r>
+            <a:r>
+              <a:rPr lang="en-US" sz="1400" dirty="0" err="1">
+                <a:solidFill>
+                  <a:schemeClr val="accent3">
+                    <a:lumMod val="20000"/>
+                    <a:lumOff val="80000"/>
+                  </a:schemeClr>
+                </a:solidFill>
+              </a:rPr>
+              <a:t>cpd</a:t>
+            </a:r>
+            <a:r>
+              <a:rPr lang="en-US" sz="1400" dirty="0">
+                <a:solidFill>
+                  <a:schemeClr val="accent3">
+                    <a:lumMod val="20000"/>
+                    <a:lumOff val="80000"/>
+                  </a:schemeClr>
+                </a:solidFill>
+              </a:rPr>
+              <a:t> database recipe suppressive </a:t>
+            </a:r>
+            <a:r>
+              <a:rPr lang="en-US" sz="1400" dirty="0" err="1">
+                <a:solidFill>
+                  <a:schemeClr val="accent3">
+                    <a:lumMod val="20000"/>
+                    <a:lumOff val="80000"/>
+                  </a:schemeClr>
+                </a:solidFill>
+              </a:rPr>
+              <a:t>pca</a:t>
+            </a:r>
+            <a:r>
+              <a:rPr lang="en-US" sz="1400" dirty="0">
+                <a:solidFill>
+                  <a:schemeClr val="accent3">
+                    <a:lumMod val="20000"/>
+                    <a:lumOff val="80000"/>
+                  </a:schemeClr>
+                </a:solidFill>
+              </a:rPr>
+              <a:t> recognition spike subspace </a:t>
+            </a:r>
+            <a:r>
+              <a:rPr lang="en-US" sz="1400" dirty="0" err="1">
+                <a:solidFill>
+                  <a:schemeClr val="accent3">
+                    <a:lumMod val="20000"/>
+                    <a:lumOff val="80000"/>
+                  </a:schemeClr>
+                </a:solidFill>
+              </a:rPr>
+              <a:t>grassmann</a:t>
+            </a:r>
+            <a:r>
+              <a:rPr lang="en-US" sz="1400" dirty="0">
+                <a:solidFill>
+                  <a:schemeClr val="accent3">
+                    <a:lumMod val="20000"/>
+                    <a:lumOff val="80000"/>
+                  </a:schemeClr>
+                </a:solidFill>
+              </a:rPr>
+              <a:t> </a:t>
+            </a:r>
+            <a:r>
+              <a:rPr lang="en-US" sz="1400" dirty="0" err="1">
+                <a:solidFill>
+                  <a:schemeClr val="accent3">
+                    <a:lumMod val="20000"/>
+                    <a:lumOff val="80000"/>
+                  </a:schemeClr>
+                </a:solidFill>
+              </a:rPr>
+              <a:t>svm</a:t>
+            </a:r>
+            <a:r>
+              <a:rPr lang="en-US" sz="1400" dirty="0">
+                <a:solidFill>
+                  <a:schemeClr val="accent3">
+                    <a:lumMod val="20000"/>
+                    <a:lumOff val="80000"/>
+                  </a:schemeClr>
+                </a:solidFill>
+              </a:rPr>
+              <a:t> linear eigenface </a:t>
+            </a:r>
+            <a:r>
+              <a:rPr lang="en-US" sz="1400" dirty="0" err="1">
+                <a:solidFill>
+                  <a:schemeClr val="accent3">
+                    <a:lumMod val="20000"/>
+                    <a:lumOff val="80000"/>
+                  </a:schemeClr>
+                </a:solidFill>
+              </a:rPr>
+              <a:t>svms</a:t>
+            </a:r>
+            <a:r>
+              <a:rPr lang="en-US" sz="1400" dirty="0">
+                <a:solidFill>
+                  <a:schemeClr val="accent3">
+                    <a:lumMod val="20000"/>
+                    <a:lumOff val="80000"/>
+                  </a:schemeClr>
+                </a:solidFill>
+              </a:rPr>
+              <a:t> function similarity basis universal definite pixel stimulus</a:t>
+            </a:r>
+          </a:p>
+          <a:p>
+            <a:r>
+              <a:rPr lang="en-US" sz="1400" dirty="0">
+                <a:solidFill>
+                  <a:schemeClr val="accent3">
+                    <a:lumMod val="20000"/>
+                    <a:lumOff val="80000"/>
+                  </a:schemeClr>
+                </a:solidFill>
+              </a:rPr>
+              <a:t>….</a:t>
+            </a:r>
+          </a:p>
+        </p:txBody>
+      </p:sp>
+    </p:spTree>
+    <p:extLst>
+      <p:ext uri="{BB962C8B-B14F-4D97-AF65-F5344CB8AC3E}">
+        <p14:creationId xmlns:p14="http://schemas.microsoft.com/office/powerpoint/2010/main" val="1080982138"/>
+      </p:ext>
+    </p:extLst>
+  </p:cSld>
+  <p:clrMapOvr>
+    <a:masterClrMapping/>
+  </p:clrMapOvr>
+</p:sld>
+</file>
+
+<file path=ppt/slides/slide9.xml><?xml version="1.0" encoding="utf-8"?>
+<p:sld xmlns:a="http://schemas.openxmlformats.org/drawingml/2006/main" xmlns:r="http://schemas.openxmlformats.org/officeDocument/2006/relationships" xmlns:p="http://schemas.openxmlformats.org/presentationml/2006/main">
+  <p:cSld>
+    <p:spTree>
+      <p:nvGrpSpPr>
+        <p:cNvPr id="1" name=""/>
+        <p:cNvGrpSpPr/>
+        <p:nvPr/>
+      </p:nvGrpSpPr>
+      <p:grpSpPr>
+        <a:xfrm>
+          <a:off x="0" y="0"/>
+          <a:ext cx="0" cy="0"/>
+          <a:chOff x="0" y="0"/>
+          <a:chExt cx="0" cy="0"/>
+        </a:xfrm>
+      </p:grpSpPr>
+      <p:pic>
+        <p:nvPicPr>
+          <p:cNvPr id="6" name="Picture 5">
+            <a:extLst>
+              <a:ext uri="{FF2B5EF4-FFF2-40B4-BE49-F238E27FC236}">
+                <a16:creationId xmlns:a16="http://schemas.microsoft.com/office/drawing/2014/main" id="{F78A52C3-39C2-46FE-BA18-FBAACF0E92F8}"/>
+              </a:ext>
+            </a:extLst>
+          </p:cNvPr>
+          <p:cNvPicPr>
+            <a:picLocks noChangeAspect="1"/>
+          </p:cNvPicPr>
+          <p:nvPr/>
+        </p:nvPicPr>
+        <p:blipFill>
+          <a:blip r:embed="rId2"/>
+          <a:stretch>
+            <a:fillRect/>
+          </a:stretch>
+        </p:blipFill>
+        <p:spPr>
+          <a:xfrm>
+            <a:off x="268607" y="408963"/>
+            <a:ext cx="5077017" cy="2986481"/>
+          </a:xfrm>
+          <a:prstGeom prst="rect">
+            <a:avLst/>
+          </a:prstGeom>
+        </p:spPr>
+      </p:pic>
+      <p:pic>
+        <p:nvPicPr>
+          <p:cNvPr id="7" name="Picture 6">
+            <a:extLst>
+              <a:ext uri="{FF2B5EF4-FFF2-40B4-BE49-F238E27FC236}">
+                <a16:creationId xmlns:a16="http://schemas.microsoft.com/office/drawing/2014/main" id="{D0B94C22-C66D-4E28-857D-47B4BED99278}"/>
+              </a:ext>
+            </a:extLst>
+          </p:cNvPr>
+          <p:cNvPicPr>
+            <a:picLocks noChangeAspect="1"/>
+          </p:cNvPicPr>
+          <p:nvPr/>
+        </p:nvPicPr>
+        <p:blipFill>
+          <a:blip r:embed="rId3"/>
+          <a:stretch>
+            <a:fillRect/>
+          </a:stretch>
+        </p:blipFill>
+        <p:spPr>
+          <a:xfrm>
+            <a:off x="5485670" y="394282"/>
+            <a:ext cx="6359585" cy="6328563"/>
+          </a:xfrm>
+          <a:prstGeom prst="rect">
+            <a:avLst/>
+          </a:prstGeom>
+        </p:spPr>
+      </p:pic>
+    </p:spTree>
+    <p:extLst>
+      <p:ext uri="{BB962C8B-B14F-4D97-AF65-F5344CB8AC3E}">
+        <p14:creationId xmlns:p14="http://schemas.microsoft.com/office/powerpoint/2010/main" val="2136346438"/>
       </p:ext>
     </p:extLst>
   </p:cSld>

--- a/Topic Modeling NIPS paper.pptx
+++ b/Topic Modeling NIPS paper.pptx
@@ -21,6 +21,7 @@
     <p:sldId id="269" r:id="rId15"/>
     <p:sldId id="270" r:id="rId16"/>
     <p:sldId id="271" r:id="rId17"/>
+    <p:sldId id="272" r:id="rId18"/>
   </p:sldIdLst>
   <p:sldSz cx="12192000" cy="6858000"/>
   <p:notesSz cx="6858000" cy="9144000"/>
@@ -119,6 +120,11 @@
       </a:defRPr>
     </a:lvl9pPr>
   </p:defaultTextStyle>
+  <p:extLst>
+    <p:ext uri="{EFAFB233-063F-42B5-8137-9DF3F51BA10A}">
+      <p15:sldGuideLst xmlns:p15="http://schemas.microsoft.com/office/powerpoint/2012/main"/>
+    </p:ext>
+  </p:extLst>
 </p:presentation>
 </file>
 
@@ -308,7 +314,7 @@
           <a:p>
             <a:fld id="{4AAD347D-5ACD-4C99-B74B-A9C85AD731AF}" type="datetimeFigureOut">
               <a:rPr lang="en-US" dirty="0"/>
-              <a:t>4/6/2019</a:t>
+              <a:t>4/7/2019</a:t>
             </a:fld>
             <a:endParaRPr lang="en-US" dirty="0"/>
           </a:p>
@@ -578,7 +584,7 @@
           <a:p>
             <a:fld id="{4509A250-FF31-4206-8172-F9D3106AACB1}" type="datetimeFigureOut">
               <a:rPr lang="en-US" dirty="0"/>
-              <a:t>4/6/2019</a:t>
+              <a:t>4/7/2019</a:t>
             </a:fld>
             <a:endParaRPr lang="en-US" dirty="0"/>
           </a:p>
@@ -767,7 +773,7 @@
           <a:p>
             <a:fld id="{4509A250-FF31-4206-8172-F9D3106AACB1}" type="datetimeFigureOut">
               <a:rPr lang="en-US" dirty="0"/>
-              <a:t>4/6/2019</a:t>
+              <a:t>4/7/2019</a:t>
             </a:fld>
             <a:endParaRPr lang="en-US" dirty="0"/>
           </a:p>
@@ -1035,7 +1041,7 @@
           <a:p>
             <a:fld id="{4509A250-FF31-4206-8172-F9D3106AACB1}" type="datetimeFigureOut">
               <a:rPr lang="en-US" dirty="0"/>
-              <a:t>4/6/2019</a:t>
+              <a:t>4/7/2019</a:t>
             </a:fld>
             <a:endParaRPr lang="en-US" dirty="0"/>
           </a:p>
@@ -1371,7 +1377,7 @@
           <a:p>
             <a:fld id="{4509A250-FF31-4206-8172-F9D3106AACB1}" type="datetimeFigureOut">
               <a:rPr lang="en-US" dirty="0"/>
-              <a:t>4/6/2019</a:t>
+              <a:t>4/7/2019</a:t>
             </a:fld>
             <a:endParaRPr lang="en-US" dirty="0"/>
           </a:p>
@@ -1989,7 +1995,7 @@
           <a:p>
             <a:fld id="{4509A250-FF31-4206-8172-F9D3106AACB1}" type="datetimeFigureOut">
               <a:rPr lang="en-US" dirty="0"/>
-              <a:t>4/6/2019</a:t>
+              <a:t>4/7/2019</a:t>
             </a:fld>
             <a:endParaRPr lang="en-US" dirty="0"/>
           </a:p>
@@ -2844,7 +2850,7 @@
           <a:p>
             <a:fld id="{4509A250-FF31-4206-8172-F9D3106AACB1}" type="datetimeFigureOut">
               <a:rPr lang="en-US" dirty="0"/>
-              <a:t>4/6/2019</a:t>
+              <a:t>4/7/2019</a:t>
             </a:fld>
             <a:endParaRPr lang="en-US" dirty="0"/>
           </a:p>
@@ -3009,7 +3015,7 @@
           <a:p>
             <a:fld id="{4509A250-FF31-4206-8172-F9D3106AACB1}" type="datetimeFigureOut">
               <a:rPr lang="en-US" dirty="0"/>
-              <a:t>4/6/2019</a:t>
+              <a:t>4/7/2019</a:t>
             </a:fld>
             <a:endParaRPr lang="en-US" dirty="0"/>
           </a:p>
@@ -3184,7 +3190,7 @@
           <a:p>
             <a:fld id="{4509A250-FF31-4206-8172-F9D3106AACB1}" type="datetimeFigureOut">
               <a:rPr lang="en-US" dirty="0"/>
-              <a:t>4/6/2019</a:t>
+              <a:t>4/7/2019</a:t>
             </a:fld>
             <a:endParaRPr lang="en-US" dirty="0"/>
           </a:p>
@@ -3349,7 +3355,7 @@
           <a:p>
             <a:fld id="{4509A250-FF31-4206-8172-F9D3106AACB1}" type="datetimeFigureOut">
               <a:rPr lang="en-US" dirty="0"/>
-              <a:t>4/6/2019</a:t>
+              <a:t>4/7/2019</a:t>
             </a:fld>
             <a:endParaRPr lang="en-US" dirty="0"/>
           </a:p>
@@ -3591,7 +3597,7 @@
           <a:p>
             <a:fld id="{9796027F-7875-4030-9381-8BD8C4F21935}" type="datetimeFigureOut">
               <a:rPr lang="en-US" dirty="0"/>
-              <a:t>4/6/2019</a:t>
+              <a:t>4/7/2019</a:t>
             </a:fld>
             <a:endParaRPr lang="en-US" dirty="0"/>
           </a:p>
@@ -3878,7 +3884,7 @@
           <a:p>
             <a:fld id="{9796027F-7875-4030-9381-8BD8C4F21935}" type="datetimeFigureOut">
               <a:rPr lang="en-US" dirty="0"/>
-              <a:t>4/6/2019</a:t>
+              <a:t>4/7/2019</a:t>
             </a:fld>
             <a:endParaRPr lang="en-US" dirty="0"/>
           </a:p>
@@ -4317,7 +4323,7 @@
           <a:p>
             <a:fld id="{9796027F-7875-4030-9381-8BD8C4F21935}" type="datetimeFigureOut">
               <a:rPr lang="en-US" dirty="0"/>
-              <a:t>4/6/2019</a:t>
+              <a:t>4/7/2019</a:t>
             </a:fld>
             <a:endParaRPr lang="en-US" dirty="0"/>
           </a:p>
@@ -4430,7 +4436,7 @@
           <a:p>
             <a:fld id="{4509A250-FF31-4206-8172-F9D3106AACB1}" type="datetimeFigureOut">
               <a:rPr lang="en-US" dirty="0"/>
-              <a:t>4/6/2019</a:t>
+              <a:t>4/7/2019</a:t>
             </a:fld>
             <a:endParaRPr lang="en-US" dirty="0"/>
           </a:p>
@@ -4520,7 +4526,7 @@
           <a:p>
             <a:fld id="{4509A250-FF31-4206-8172-F9D3106AACB1}" type="datetimeFigureOut">
               <a:rPr lang="en-US" dirty="0"/>
-              <a:t>4/6/2019</a:t>
+              <a:t>4/7/2019</a:t>
             </a:fld>
             <a:endParaRPr lang="en-US" dirty="0"/>
           </a:p>
@@ -4794,7 +4800,7 @@
           <a:p>
             <a:fld id="{4509A250-FF31-4206-8172-F9D3106AACB1}" type="datetimeFigureOut">
               <a:rPr lang="en-US" dirty="0"/>
-              <a:t>4/6/2019</a:t>
+              <a:t>4/7/2019</a:t>
             </a:fld>
             <a:endParaRPr lang="en-US" dirty="0"/>
           </a:p>
@@ -5064,7 +5070,7 @@
           <a:p>
             <a:fld id="{4509A250-FF31-4206-8172-F9D3106AACB1}" type="datetimeFigureOut">
               <a:rPr lang="en-US" dirty="0"/>
-              <a:t>4/6/2019</a:t>
+              <a:t>4/7/2019</a:t>
             </a:fld>
             <a:endParaRPr lang="en-US" dirty="0"/>
           </a:p>
@@ -5488,7 +5494,7 @@
           <a:p>
             <a:fld id="{4AAD347D-5ACD-4C99-B74B-A9C85AD731AF}" type="datetimeFigureOut">
               <a:rPr lang="en-US" dirty="0"/>
-              <a:t>4/6/2019</a:t>
+              <a:t>4/7/2019</a:t>
             </a:fld>
             <a:endParaRPr lang="en-US" dirty="0"/>
           </a:p>
@@ -6031,7 +6037,7 @@
         <p:spPr>
           <a:xfrm>
             <a:off x="1154955" y="962636"/>
-            <a:ext cx="8825658" cy="2466364"/>
+            <a:ext cx="8825658" cy="1780564"/>
           </a:xfrm>
         </p:spPr>
         <p:txBody>
@@ -6040,7 +6046,7 @@
           <a:p>
             <a:r>
               <a:rPr lang="en-US" sz="6000" dirty="0"/>
-              <a:t>TOPIC MODELING COMPARISON</a:t>
+              <a:t>TOPIC MODELING</a:t>
             </a:r>
             <a:br>
               <a:rPr lang="en-US" sz="4000" dirty="0"/>
@@ -6370,7 +6376,7 @@
           <a:p>
             <a:r>
               <a:rPr lang="en-US" dirty="0"/>
-              <a:t>NMF : Found 50 topics</a:t>
+              <a:t>NMF : Found 20 topics</a:t>
             </a:r>
           </a:p>
         </p:txBody>
@@ -6389,8 +6395,8 @@
         </p:nvSpPr>
         <p:spPr>
           <a:xfrm>
-            <a:off x="7172769" y="618147"/>
-            <a:ext cx="3970947" cy="6124754"/>
+            <a:off x="7429142" y="1247686"/>
+            <a:ext cx="3970947" cy="4647426"/>
           </a:xfrm>
           <a:prstGeom prst="rect">
             <a:avLst/>
@@ -6404,182 +6410,207 @@
           <a:p>
             <a:r>
               <a:rPr lang="en-US" sz="1400" dirty="0"/>
-              <a:t>Topic 0:  lasso group screening</a:t>
-            </a:r>
-          </a:p>
-          <a:p>
-            <a:r>
-              <a:rPr lang="en-US" sz="1400" dirty="0"/>
-              <a:t>Topic 1:  neuron network synaptic</a:t>
-            </a:r>
-          </a:p>
-          <a:p>
-            <a:r>
-              <a:rPr lang="en-US" sz="1400" dirty="0"/>
-              <a:t>Topic 2:  policy action state</a:t>
-            </a:r>
-          </a:p>
-          <a:p>
-            <a:r>
-              <a:rPr lang="en-US" sz="1400" dirty="0"/>
-              <a:t>Topic 3:  image model pixel</a:t>
-            </a:r>
-          </a:p>
-          <a:p>
-            <a:r>
-              <a:rPr lang="en-US" sz="1400" dirty="0"/>
-              <a:t>Topic 4:  network neural input</a:t>
-            </a:r>
-          </a:p>
-          <a:p>
-            <a:r>
-              <a:rPr lang="en-US" sz="1400" dirty="0"/>
-              <a:t>Topic 5:  model data parameter</a:t>
-            </a:r>
-          </a:p>
-          <a:p>
-            <a:r>
-              <a:rPr lang="en-US" sz="1400" dirty="0"/>
-              <a:t>Topic 6:  regret bound algorithm</a:t>
-            </a:r>
-          </a:p>
-          <a:p>
-            <a:r>
-              <a:rPr lang="en-US" sz="1400" dirty="0"/>
-              <a:t>Topic 7:  graph vertex edge</a:t>
-            </a:r>
-          </a:p>
-          <a:p>
-            <a:r>
-              <a:rPr lang="en-US" sz="1400" dirty="0"/>
-              <a:t>Topic 8:  classifier </a:t>
-            </a:r>
-            <a:r>
-              <a:rPr lang="en-US" sz="1400" dirty="0" err="1"/>
-              <a:t>adaboost</a:t>
-            </a:r>
-            <a:r>
-              <a:rPr lang="en-US" sz="1400" dirty="0"/>
-              <a:t> training</a:t>
-            </a:r>
-          </a:p>
-          <a:p>
-            <a:r>
-              <a:rPr lang="en-US" sz="1400" dirty="0"/>
-              <a:t>Topic 9:  kernel function data</a:t>
-            </a:r>
-          </a:p>
-          <a:p>
-            <a:r>
-              <a:rPr lang="en-US" sz="1400" dirty="0"/>
-              <a:t>Topic 10:  topic document </a:t>
-            </a:r>
-            <a:r>
-              <a:rPr lang="en-US" sz="1400" dirty="0" err="1"/>
-              <a:t>lda</a:t>
-            </a:r>
-            <a:endParaRPr lang="en-US" sz="1400" dirty="0"/>
-          </a:p>
-          <a:p>
-            <a:r>
-              <a:rPr lang="en-US" sz="1400" dirty="0"/>
-              <a:t>Topic 11:  stimulus response neuron</a:t>
-            </a:r>
-          </a:p>
-          <a:p>
-            <a:r>
-              <a:rPr lang="en-US" sz="1400" dirty="0"/>
+              <a:t>Top 3 words topic:</a:t>
+            </a:r>
+          </a:p>
+          <a:p>
+            <a:r>
+              <a:rPr lang="en-US" sz="1400" dirty="0">
+                <a:solidFill>
+                  <a:srgbClr val="FFC000"/>
+                </a:solidFill>
+              </a:rPr>
+              <a:t>Topic 0:  algorithm matrix problem</a:t>
+            </a:r>
+          </a:p>
+          <a:p>
+            <a:r>
+              <a:rPr lang="en-US" sz="1400" dirty="0">
+                <a:solidFill>
+                  <a:srgbClr val="FFC000"/>
+                </a:solidFill>
+              </a:rPr>
+              <a:t>Topic 1:  neuron spike firing</a:t>
+            </a:r>
+          </a:p>
+          <a:p>
+            <a:r>
+              <a:rPr lang="en-US" sz="1400" dirty="0">
+                <a:solidFill>
+                  <a:srgbClr val="FFC000"/>
+                </a:solidFill>
+              </a:rPr>
+              <a:t>Topic 2:  policy reward state</a:t>
+            </a:r>
+          </a:p>
+          <a:p>
+            <a:r>
+              <a:rPr lang="en-US" sz="1400" dirty="0">
+                <a:solidFill>
+                  <a:srgbClr val="FFC000"/>
+                </a:solidFill>
+              </a:rPr>
+              <a:t>Topic 3:  image object model</a:t>
+            </a:r>
+          </a:p>
+          <a:p>
+            <a:r>
+              <a:rPr lang="en-US" sz="1400" dirty="0">
+                <a:solidFill>
+                  <a:srgbClr val="FFC000"/>
+                </a:solidFill>
+              </a:rPr>
+              <a:t>Topic 4:  network unit layer</a:t>
+            </a:r>
+          </a:p>
+          <a:p>
+            <a:r>
+              <a:rPr lang="en-US" sz="1400" dirty="0">
+                <a:solidFill>
+                  <a:srgbClr val="FFC000"/>
+                </a:solidFill>
+              </a:rPr>
+              <a:t>Topic 5:  model distribution data</a:t>
+            </a:r>
+          </a:p>
+          <a:p>
+            <a:r>
+              <a:rPr lang="en-US" sz="1400" dirty="0">
+                <a:solidFill>
+                  <a:srgbClr val="FFC000"/>
+                </a:solidFill>
+              </a:rPr>
+              <a:t>Topic 6:  regret arm bandit</a:t>
+            </a:r>
+          </a:p>
+          <a:p>
+            <a:r>
+              <a:rPr lang="en-US" sz="1400" dirty="0">
+                <a:solidFill>
+                  <a:srgbClr val="FFC000"/>
+                </a:solidFill>
+              </a:rPr>
+              <a:t>Topic 7:  graph edge vertex</a:t>
+            </a:r>
+          </a:p>
+          <a:p>
+            <a:r>
+              <a:rPr lang="en-US" sz="1400" dirty="0">
+                <a:solidFill>
+                  <a:srgbClr val="FFC000"/>
+                </a:solidFill>
+              </a:rPr>
+              <a:t>Topic 8:  classifier label training</a:t>
+            </a:r>
+          </a:p>
+          <a:p>
+            <a:r>
+              <a:rPr lang="en-US" sz="1400" dirty="0">
+                <a:solidFill>
+                  <a:srgbClr val="FFC000"/>
+                </a:solidFill>
+              </a:rPr>
+              <a:t>Topic 9:  kernel function matrix</a:t>
+            </a:r>
+          </a:p>
+          <a:p>
+            <a:r>
+              <a:rPr lang="en-US" sz="1400" dirty="0">
+                <a:solidFill>
+                  <a:srgbClr val="FFC000"/>
+                </a:solidFill>
+              </a:rPr>
+              <a:t>Topic 10:  topic document word</a:t>
+            </a:r>
+          </a:p>
+          <a:p>
+            <a:r>
+              <a:rPr lang="en-US" sz="1400" dirty="0">
+                <a:solidFill>
+                  <a:srgbClr val="FFC000"/>
+                </a:solidFill>
+              </a:rPr>
+              <a:t>Topic 11:  cell stimulus response</a:t>
+            </a:r>
+          </a:p>
+          <a:p>
+            <a:r>
+              <a:rPr lang="en-US" sz="1400" dirty="0">
+                <a:solidFill>
+                  <a:srgbClr val="FFC000"/>
+                </a:solidFill>
+              </a:rPr>
               <a:t>Topic 12:  cluster clustering algorithm</a:t>
             </a:r>
           </a:p>
           <a:p>
             <a:r>
-              <a:rPr lang="en-US" sz="1400" dirty="0"/>
-              <a:t>Topic 13:  player game equilibrium</a:t>
-            </a:r>
-          </a:p>
-          <a:p>
-            <a:r>
-              <a:rPr lang="en-US" sz="1400" dirty="0"/>
-              <a:t>Topic 14:  function basis polynomial</a:t>
-            </a:r>
-          </a:p>
-          <a:p>
-            <a:r>
-              <a:rPr lang="en-US" sz="1400" dirty="0"/>
+              <a:rPr lang="en-US" sz="1400" dirty="0">
+                <a:solidFill>
+                  <a:srgbClr val="FFC000"/>
+                </a:solidFill>
+              </a:rPr>
+              <a:t>Topic 13:  game player equilibrium</a:t>
+            </a:r>
+          </a:p>
+          <a:p>
+            <a:r>
+              <a:rPr lang="en-US" sz="1400" dirty="0">
+                <a:solidFill>
+                  <a:srgbClr val="FFC000"/>
+                </a:solidFill>
+              </a:rPr>
+              <a:t>Topic 14:  bound function loss</a:t>
+            </a:r>
+          </a:p>
+          <a:p>
+            <a:r>
+              <a:rPr lang="en-US" sz="1400" dirty="0">
+                <a:solidFill>
+                  <a:srgbClr val="FFC000"/>
+                </a:solidFill>
+              </a:rPr>
               <a:t>Topic 15:  circuit chip voltage</a:t>
             </a:r>
           </a:p>
           <a:p>
             <a:r>
-              <a:rPr lang="en-US" sz="1400" dirty="0"/>
-              <a:t>Topic 16:  bound log theorem</a:t>
-            </a:r>
-          </a:p>
-          <a:p>
-            <a:r>
-              <a:rPr lang="en-US" sz="1400" dirty="0"/>
-              <a:t>Topic 17:  tree node leaf</a:t>
-            </a:r>
-          </a:p>
-          <a:p>
-            <a:r>
-              <a:rPr lang="en-US" sz="1400" dirty="0"/>
-              <a:t>Topic 18:  layer network dropout</a:t>
-            </a:r>
-          </a:p>
-          <a:p>
-            <a:r>
-              <a:rPr lang="en-US" sz="1400" dirty="0"/>
-              <a:t>Topic 19:  state transition model</a:t>
-            </a:r>
-          </a:p>
-          <a:p>
-            <a:r>
-              <a:rPr lang="en-US" sz="1400" dirty="0"/>
-              <a:t>Topic 20:  word sentence model</a:t>
-            </a:r>
-          </a:p>
-          <a:p>
-            <a:r>
-              <a:rPr lang="en-US" sz="1400" dirty="0"/>
-              <a:t>Topic 21:  label unlabeled algorithm</a:t>
-            </a:r>
-          </a:p>
-          <a:p>
-            <a:r>
-              <a:rPr lang="en-US" sz="1400" dirty="0"/>
-              <a:t>Topic 22:  tensor rank matrix</a:t>
-            </a:r>
-          </a:p>
-          <a:p>
-            <a:r>
-              <a:rPr lang="en-US" sz="1400" dirty="0"/>
-              <a:t>Topic 23:  agent action policy</a:t>
-            </a:r>
-          </a:p>
-          <a:p>
-            <a:r>
-              <a:rPr lang="en-US" sz="1400" dirty="0"/>
-              <a:t>…</a:t>
-            </a:r>
-          </a:p>
-          <a:p>
-            <a:r>
-              <a:rPr lang="en-US" sz="1400" dirty="0"/>
-              <a:t>Topic 47:  reward action policy</a:t>
-            </a:r>
-          </a:p>
-          <a:p>
-            <a:r>
-              <a:rPr lang="en-US" sz="1400" dirty="0"/>
-              <a:t>Topic 48:  expert network gating</a:t>
-            </a:r>
-          </a:p>
-          <a:p>
-            <a:r>
-              <a:rPr lang="en-US" sz="1400" dirty="0"/>
-              <a:t>Topic 49:  unit network hidden</a:t>
+              <a:rPr lang="en-US" sz="1400" dirty="0">
+                <a:solidFill>
+                  <a:srgbClr val="FFC000"/>
+                </a:solidFill>
+              </a:rPr>
+              <a:t>Topic 16:  tensor matrix rank</a:t>
+            </a:r>
+          </a:p>
+          <a:p>
+            <a:r>
+              <a:rPr lang="en-US" sz="1400" dirty="0">
+                <a:solidFill>
+                  <a:srgbClr val="FFC000"/>
+                </a:solidFill>
+              </a:rPr>
+              <a:t>Topic 17:  node tree algorithm</a:t>
+            </a:r>
+          </a:p>
+          <a:p>
+            <a:r>
+              <a:rPr lang="en-US" sz="1400" dirty="0">
+                <a:solidFill>
+                  <a:srgbClr val="FFC000"/>
+                </a:solidFill>
+              </a:rPr>
+              <a:t>Topic 18:  signal model speech</a:t>
+            </a:r>
+          </a:p>
+          <a:p>
+            <a:r>
+              <a:rPr lang="en-US" sz="1400" dirty="0">
+                <a:solidFill>
+                  <a:srgbClr val="FFC000"/>
+                </a:solidFill>
+              </a:rPr>
+              <a:t>Topic 19:  agent action reward</a:t>
             </a:r>
           </a:p>
         </p:txBody>
@@ -6599,7 +6630,7 @@
         <p:spPr>
           <a:xfrm>
             <a:off x="791911" y="1247686"/>
-            <a:ext cx="6096000" cy="4708981"/>
+            <a:ext cx="6096000" cy="5447645"/>
           </a:xfrm>
           <a:prstGeom prst="rect">
             <a:avLst/>
@@ -6612,74 +6643,251 @@
           <a:lstStyle/>
           <a:p>
             <a:r>
-              <a:rPr lang="en-US" sz="1200" dirty="0"/>
-              <a:t>Topic 0:  lasso group screening problem solution norm sparsity sparse regression convex set penalty matrix condition min regularization model algorithm variable support method dual theorem function selection vector recovery let result max</a:t>
-            </a:r>
-          </a:p>
-          <a:p>
-            <a:r>
-              <a:rPr lang="en-US" sz="1200" dirty="0"/>
-              <a:t>Topic 1:  neuron network synaptic firing input model spike activity dynamic pattern connection synapsis neural excitatory time spiking inhibitory stimulus function learning membrane state response fig weight system potential conductance figure rate</a:t>
-            </a:r>
-          </a:p>
-          <a:p>
-            <a:r>
-              <a:rPr lang="en-US" sz="1200" dirty="0"/>
-              <a:t>Topic 2:  policy action state reward </a:t>
-            </a:r>
-            <a:r>
-              <a:rPr lang="en-US" sz="1200" dirty="0" err="1"/>
+              <a:rPr lang="en-US" sz="1200" dirty="0">
+                <a:solidFill>
+                  <a:schemeClr val="accent3">
+                    <a:lumMod val="40000"/>
+                    <a:lumOff val="60000"/>
+                  </a:schemeClr>
+                </a:solidFill>
+              </a:rPr>
+              <a:t>Topic 0:  algorithm matrix problem method gradient convex function convergence solution set iteration optimization data lasso vector point sparse objective theorem norm rate result update dual log min step descent let stochastic</a:t>
+            </a:r>
+          </a:p>
+          <a:p>
+            <a:r>
+              <a:rPr lang="en-US" sz="1200" dirty="0">
+                <a:solidFill>
+                  <a:schemeClr val="accent3">
+                    <a:lumMod val="40000"/>
+                    <a:lumOff val="60000"/>
+                  </a:schemeClr>
+                </a:solidFill>
+              </a:rPr>
+              <a:t>Topic 1:  neuron spike firing synaptic model network input time activity rate stimulus spiking synapsis membrane dynamic pattern postsynaptic response neural signal potential train function fig rule learning correlation weight distribution state</a:t>
+            </a:r>
+          </a:p>
+          <a:p>
+            <a:r>
+              <a:rPr lang="en-US" sz="1200" dirty="0">
+                <a:solidFill>
+                  <a:schemeClr val="accent3">
+                    <a:lumMod val="40000"/>
+                    <a:lumOff val="60000"/>
+                  </a:schemeClr>
+                </a:solidFill>
+              </a:rPr>
+              <a:t>Topic 2:  policy reward state action function </a:t>
+            </a:r>
+            <a:r>
+              <a:rPr lang="en-US" sz="1200" dirty="0" err="1">
+                <a:solidFill>
+                  <a:schemeClr val="accent3">
+                    <a:lumMod val="40000"/>
+                    <a:lumOff val="60000"/>
+                  </a:schemeClr>
+                </a:solidFill>
+              </a:rPr>
               <a:t>mdp</a:t>
             </a:r>
             <a:r>
-              <a:rPr lang="en-US" sz="1200" dirty="0"/>
-              <a:t> function algorithm value optimal agent transition gradient problem </a:t>
-            </a:r>
-            <a:r>
-              <a:rPr lang="en-US" sz="1200" dirty="0" err="1"/>
+              <a:rPr lang="en-US" sz="1200" dirty="0">
+                <a:solidFill>
+                  <a:schemeClr val="accent3">
+                    <a:lumMod val="40000"/>
+                    <a:lumOff val="60000"/>
+                  </a:schemeClr>
+                </a:solidFill>
+              </a:rPr>
+              <a:t> algorithm value trajectory optimal transition problem learning controller gradient time cost </a:t>
+            </a:r>
+            <a:r>
+              <a:rPr lang="en-US" sz="1200" dirty="0" err="1">
+                <a:solidFill>
+                  <a:schemeClr val="accent3">
+                    <a:lumMod val="40000"/>
+                    <a:lumOff val="60000"/>
+                  </a:schemeClr>
+                </a:solidFill>
+              </a:rPr>
               <a:t>mdps</a:t>
             </a:r>
             <a:r>
-              <a:rPr lang="en-US" sz="1200" dirty="0"/>
-              <a:t> learning model trajectory iteration distribution bound bellman time cost probability set method planning step controller using</a:t>
-            </a:r>
-          </a:p>
-          <a:p>
-            <a:r>
-              <a:rPr lang="en-US" sz="1200" dirty="0"/>
-              <a:t>Topic 3:  image model pixel patch feature face object training network set color data layer using shape scene result method filter figure segmentation texture visual region algorithm distribution pose representation used one</a:t>
-            </a:r>
-          </a:p>
-          <a:p>
-            <a:r>
-              <a:rPr lang="en-US" sz="1200" dirty="0"/>
-              <a:t>Topic 4:  network neural input training neuron output function weight model layer pattern unit time learning set state system dynamic one memory recurrent data architecture </a:t>
-            </a:r>
-            <a:r>
-              <a:rPr lang="en-US" sz="1200" dirty="0" err="1"/>
+              <a:rPr lang="en-US" sz="1200" dirty="0">
+                <a:solidFill>
+                  <a:schemeClr val="accent3">
+                    <a:lumMod val="40000"/>
+                    <a:lumOff val="60000"/>
+                  </a:schemeClr>
+                </a:solidFill>
+              </a:rPr>
+              <a:t> model iteration agent set bellman bound control reinforcement method distribution probability using</a:t>
+            </a:r>
+          </a:p>
+          <a:p>
+            <a:r>
+              <a:rPr lang="en-US" sz="1200" dirty="0">
+                <a:solidFill>
+                  <a:schemeClr val="accent3">
+                    <a:lumMod val="40000"/>
+                    <a:lumOff val="60000"/>
+                  </a:schemeClr>
+                </a:solidFill>
+              </a:rPr>
+              <a:t>Topic 3:  image object model feature pixel patch layer training scene set face network shape data segmentation method using figure representation visual detection result map filter algorithm color region two learning recognition</a:t>
+            </a:r>
+          </a:p>
+          <a:p>
+            <a:r>
+              <a:rPr lang="en-US" sz="1200" dirty="0">
+                <a:solidFill>
+                  <a:schemeClr val="accent3">
+                    <a:lumMod val="40000"/>
+                    <a:lumOff val="60000"/>
+                  </a:schemeClr>
+                </a:solidFill>
+              </a:rPr>
+              <a:t>Topic 4:  network unit layer input weight training hidden output learning function neural model error set pattern net activation one architecture data neuron time number </a:t>
+            </a:r>
+            <a:r>
+              <a:rPr lang="en-US" sz="1200" dirty="0" err="1">
+                <a:solidFill>
+                  <a:schemeClr val="accent3">
+                    <a:lumMod val="40000"/>
+                    <a:lumOff val="60000"/>
+                  </a:schemeClr>
+                </a:solidFill>
+              </a:rPr>
               <a:t>wa</a:t>
             </a:r>
             <a:r>
-              <a:rPr lang="en-US" sz="1200" dirty="0"/>
-              <a:t> error number hidden figure attractor result</a:t>
-            </a:r>
-          </a:p>
-          <a:p>
-            <a:r>
-              <a:rPr lang="en-US" sz="1200" dirty="0"/>
-              <a:t>Topic 5:  model data parameter distribution causal set prediction function training mixture log variable algorithm network learning sequence one latent using probability gaussian number likelihood two method time result matrix figure prior</a:t>
-            </a:r>
-          </a:p>
-          <a:p>
-            <a:r>
-              <a:rPr lang="en-US" sz="1200" dirty="0"/>
-              <a:t>Topic 6:  regret bound algorithm action loss round online bandit log convex learner function lemma theorem problem let setting set strategy sequence proof time arm minimax adversary reward distribution expert learning policy</a:t>
-            </a:r>
-          </a:p>
-          <a:p>
-            <a:r>
-              <a:rPr lang="en-US" sz="1200" dirty="0"/>
-              <a:t>…</a:t>
+              <a:rPr lang="en-US" sz="1200" dirty="0">
+                <a:solidFill>
+                  <a:schemeClr val="accent3">
+                    <a:lumMod val="40000"/>
+                    <a:lumOff val="60000"/>
+                  </a:schemeClr>
+                </a:solidFill>
+              </a:rPr>
+              <a:t> node figure state result vector algorithm</a:t>
+            </a:r>
+          </a:p>
+          <a:p>
+            <a:r>
+              <a:rPr lang="en-US" sz="1200" dirty="0">
+                <a:solidFill>
+                  <a:schemeClr val="accent3">
+                    <a:lumMod val="40000"/>
+                    <a:lumOff val="60000"/>
+                  </a:schemeClr>
+                </a:solidFill>
+              </a:rPr>
+              <a:t>Topic 5:  model distribution data posterior gaussian parameter variational function prior inference latent sample variable likelihood log method set algorithm mixture </a:t>
+            </a:r>
+            <a:r>
+              <a:rPr lang="en-US" sz="1200" dirty="0" err="1">
+                <a:solidFill>
+                  <a:schemeClr val="accent3">
+                    <a:lumMod val="40000"/>
+                    <a:lumOff val="60000"/>
+                  </a:schemeClr>
+                </a:solidFill>
+              </a:rPr>
+              <a:t>bayesian</a:t>
+            </a:r>
+            <a:r>
+              <a:rPr lang="en-US" sz="1200" dirty="0">
+                <a:solidFill>
+                  <a:schemeClr val="accent3">
+                    <a:lumMod val="40000"/>
+                    <a:lumOff val="60000"/>
+                  </a:schemeClr>
+                </a:solidFill>
+              </a:rPr>
+              <a:t> matrix using density covariance sampling process probability approximation number estimate</a:t>
+            </a:r>
+          </a:p>
+          <a:p>
+            <a:r>
+              <a:rPr lang="en-US" sz="1200" dirty="0">
+                <a:solidFill>
+                  <a:schemeClr val="accent3">
+                    <a:lumMod val="40000"/>
+                    <a:lumOff val="60000"/>
+                  </a:schemeClr>
+                </a:solidFill>
+              </a:rPr>
+              <a:t>Topic 6:  regret arm bandit algorithm bound reward round action log loss online problem function setting </a:t>
+            </a:r>
+            <a:r>
+              <a:rPr lang="en-US" sz="1200" dirty="0" err="1">
+                <a:solidFill>
+                  <a:schemeClr val="accent3">
+                    <a:lumMod val="40000"/>
+                    <a:lumOff val="60000"/>
+                  </a:schemeClr>
+                </a:solidFill>
+              </a:rPr>
+              <a:t>ucb</a:t>
+            </a:r>
+            <a:r>
+              <a:rPr lang="en-US" sz="1200" dirty="0">
+                <a:solidFill>
+                  <a:schemeClr val="accent3">
+                    <a:lumMod val="40000"/>
+                    <a:lumOff val="60000"/>
+                  </a:schemeClr>
+                </a:solidFill>
+              </a:rPr>
+              <a:t> time theorem set learner buyer policy let lemma strategy convex optimal expert exploration proof distribution</a:t>
+            </a:r>
+          </a:p>
+          <a:p>
+            <a:r>
+              <a:rPr lang="en-US" sz="1200" dirty="0">
+                <a:solidFill>
+                  <a:schemeClr val="accent3">
+                    <a:lumMod val="40000"/>
+                    <a:lumOff val="60000"/>
+                  </a:schemeClr>
+                </a:solidFill>
+              </a:rPr>
+              <a:t>Topic 7:  graph edge vertex node algorithm model set matrix variable problem function network cut method bound theorem data one log result </a:t>
+            </a:r>
+            <a:r>
+              <a:rPr lang="en-US" sz="1200" dirty="0" err="1">
+                <a:solidFill>
+                  <a:schemeClr val="accent3">
+                    <a:lumMod val="40000"/>
+                    <a:lumOff val="60000"/>
+                  </a:schemeClr>
+                </a:solidFill>
+              </a:rPr>
+              <a:t>dag</a:t>
+            </a:r>
+            <a:r>
+              <a:rPr lang="en-US" sz="1200" dirty="0">
+                <a:solidFill>
+                  <a:schemeClr val="accent3">
+                    <a:lumMod val="40000"/>
+                    <a:lumOff val="60000"/>
+                  </a:schemeClr>
+                </a:solidFill>
+              </a:rPr>
+              <a:t> structure number distribution let path random constraint probability graphical</a:t>
+            </a:r>
+          </a:p>
+          <a:p>
+            <a:r>
+              <a:rPr lang="en-US" sz="1200" dirty="0">
+                <a:solidFill>
+                  <a:schemeClr val="accent3">
+                    <a:lumMod val="40000"/>
+                    <a:lumOff val="60000"/>
+                  </a:schemeClr>
+                </a:solidFill>
+              </a:rPr>
+              <a:t>….</a:t>
             </a:r>
           </a:p>
         </p:txBody>
@@ -6716,10 +6924,10 @@
       </p:grpSpPr>
       <p:pic>
         <p:nvPicPr>
-          <p:cNvPr id="5" name="Picture 4">
+          <p:cNvPr id="7" name="Picture 6">
             <a:extLst>
               <a:ext uri="{FF2B5EF4-FFF2-40B4-BE49-F238E27FC236}">
-                <a16:creationId xmlns:a16="http://schemas.microsoft.com/office/drawing/2014/main" id="{ADA5A78E-148A-4038-9564-E0F363F7052B}"/>
+                <a16:creationId xmlns:a16="http://schemas.microsoft.com/office/drawing/2014/main" id="{177FC3C8-53D7-4AB1-97FE-873F9D435974}"/>
               </a:ext>
             </a:extLst>
           </p:cNvPr>
@@ -6736,8 +6944,8 @@
         </p:blipFill>
         <p:spPr>
           <a:xfrm>
-            <a:off x="249451" y="677270"/>
-            <a:ext cx="5618514" cy="2574026"/>
+            <a:off x="5966458" y="677270"/>
+            <a:ext cx="5976091" cy="5968767"/>
           </a:xfrm>
           <a:prstGeom prst="rect">
             <a:avLst/>
@@ -6746,10 +6954,10 @@
       </p:pic>
       <p:pic>
         <p:nvPicPr>
-          <p:cNvPr id="6" name="Picture 5">
+          <p:cNvPr id="8" name="Picture 7">
             <a:extLst>
               <a:ext uri="{FF2B5EF4-FFF2-40B4-BE49-F238E27FC236}">
-                <a16:creationId xmlns:a16="http://schemas.microsoft.com/office/drawing/2014/main" id="{6C7CE51D-B9F6-4D4F-A29B-9626E6E6FBA6}"/>
+                <a16:creationId xmlns:a16="http://schemas.microsoft.com/office/drawing/2014/main" id="{81D8BD95-1A26-403F-B304-8CC964603E41}"/>
               </a:ext>
             </a:extLst>
           </p:cNvPr>
@@ -6766,14 +6974,80 @@
         </p:blipFill>
         <p:spPr>
           <a:xfrm>
-            <a:off x="6013644" y="617158"/>
-            <a:ext cx="6006405" cy="5947228"/>
+            <a:off x="249451" y="677270"/>
+            <a:ext cx="5546333" cy="3282334"/>
           </a:xfrm>
           <a:prstGeom prst="rect">
             <a:avLst/>
           </a:prstGeom>
         </p:spPr>
       </p:pic>
+      <p:sp>
+        <p:nvSpPr>
+          <p:cNvPr id="9" name="TextBox 8">
+            <a:extLst>
+              <a:ext uri="{FF2B5EF4-FFF2-40B4-BE49-F238E27FC236}">
+                <a16:creationId xmlns:a16="http://schemas.microsoft.com/office/drawing/2014/main" id="{087DABB2-C44E-4DAF-AA3F-696EF9C1F945}"/>
+              </a:ext>
+            </a:extLst>
+          </p:cNvPr>
+          <p:cNvSpPr txBox="1"/>
+          <p:nvPr/>
+        </p:nvSpPr>
+        <p:spPr>
+          <a:xfrm>
+            <a:off x="595618" y="4420998"/>
+            <a:ext cx="5016617" cy="1815882"/>
+          </a:xfrm>
+          <a:prstGeom prst="rect">
+            <a:avLst/>
+          </a:prstGeom>
+          <a:noFill/>
+        </p:spPr>
+        <p:txBody>
+          <a:bodyPr wrap="square" rtlCol="0">
+            <a:spAutoFit/>
+          </a:bodyPr>
+          <a:lstStyle/>
+          <a:p>
+            <a:r>
+              <a:rPr lang="en-US" sz="1400" dirty="0"/>
+              <a:t>Majority topics </a:t>
+            </a:r>
+          </a:p>
+          <a:p>
+            <a:r>
+              <a:rPr lang="en-US" sz="1400" dirty="0"/>
+              <a:t>Topic 3 : </a:t>
+            </a:r>
+            <a:r>
+              <a:rPr lang="en-US" sz="1400" dirty="0">
+                <a:solidFill>
+                  <a:srgbClr val="FFC000"/>
+                </a:solidFill>
+              </a:rPr>
+              <a:t>image model pixel patch feature face object training network set color data layer using shape scene result method filter figure segmentation texture visual region algorithm distribution pose representation used one</a:t>
+            </a:r>
+          </a:p>
+          <a:p>
+            <a:r>
+              <a:rPr lang="en-US" sz="1400" dirty="0"/>
+              <a:t> #paper : 782</a:t>
+            </a:r>
+            <a:endParaRPr lang="en-US" sz="1400" dirty="0">
+              <a:solidFill>
+                <a:srgbClr val="FFC000"/>
+              </a:solidFill>
+            </a:endParaRPr>
+          </a:p>
+          <a:p>
+            <a:r>
+              <a:rPr lang="en-US" sz="1400" dirty="0"/>
+              <a:t> </a:t>
+            </a:r>
+          </a:p>
+        </p:txBody>
+      </p:sp>
     </p:spTree>
     <p:extLst>
       <p:ext uri="{BB962C8B-B14F-4D97-AF65-F5344CB8AC3E}">
@@ -7155,7 +7429,7 @@
           <a:p>
             <a:r>
               <a:rPr lang="en-US" dirty="0"/>
-              <a:t>LDA : Found 39 topics</a:t>
+              <a:t>LDA : Found 20 topics</a:t>
             </a:r>
           </a:p>
         </p:txBody>
@@ -7174,8 +7448,8 @@
         </p:nvSpPr>
         <p:spPr>
           <a:xfrm>
-            <a:off x="7083104" y="784900"/>
-            <a:ext cx="4384646" cy="5509200"/>
+            <a:off x="7083104" y="920621"/>
+            <a:ext cx="4384646" cy="5262979"/>
           </a:xfrm>
           <a:prstGeom prst="rect">
             <a:avLst/>
@@ -7189,133 +7463,207 @@
           <a:p>
             <a:r>
               <a:rPr lang="en-US" sz="1600" dirty="0"/>
-              <a:t>Topic 0:  data user time</a:t>
-            </a:r>
-          </a:p>
-          <a:p>
-            <a:r>
-              <a:rPr lang="en-US" sz="1600" dirty="0"/>
-              <a:t>Topic 1:  policy state function</a:t>
-            </a:r>
-          </a:p>
-          <a:p>
-            <a:r>
-              <a:rPr lang="en-US" sz="1600" dirty="0"/>
-              <a:t>Topic 2:  reward algorithm action</a:t>
-            </a:r>
-          </a:p>
-          <a:p>
-            <a:r>
-              <a:rPr lang="en-US" sz="1600" dirty="0"/>
-              <a:t>Topic 3:  layer network model</a:t>
-            </a:r>
-          </a:p>
-          <a:p>
-            <a:r>
-              <a:rPr lang="en-US" sz="1600" dirty="0"/>
-              <a:t>Topic 4:  data time algorithm</a:t>
-            </a:r>
-          </a:p>
-          <a:p>
-            <a:r>
-              <a:rPr lang="en-US" sz="1600" dirty="0"/>
-              <a:t>Topic 5:  model stimulus response</a:t>
-            </a:r>
-          </a:p>
-          <a:p>
-            <a:r>
-              <a:rPr lang="en-US" sz="1600" dirty="0"/>
-              <a:t>Topic 6:  graph edge algorithm</a:t>
-            </a:r>
-          </a:p>
-          <a:p>
-            <a:r>
-              <a:rPr lang="en-US" sz="1600" dirty="0"/>
-              <a:t>Topic 7:  node tree algorithm</a:t>
-            </a:r>
-          </a:p>
-          <a:p>
-            <a:r>
-              <a:rPr lang="en-US" sz="1600" dirty="0"/>
-              <a:t>Topic 8:  algorithm problem function</a:t>
-            </a:r>
-          </a:p>
-          <a:p>
-            <a:r>
-              <a:rPr lang="en-US" sz="1600" dirty="0"/>
-              <a:t>Topic 9:  model learning data</a:t>
-            </a:r>
-          </a:p>
-          <a:p>
-            <a:r>
-              <a:rPr lang="en-US" sz="1600" dirty="0"/>
-              <a:t>Topic 10:  network function model</a:t>
-            </a:r>
-          </a:p>
-          <a:p>
-            <a:r>
-              <a:rPr lang="en-US" sz="1600" dirty="0"/>
-              <a:t>Topic 11:  function algorithm set</a:t>
-            </a:r>
-          </a:p>
-          <a:p>
-            <a:r>
-              <a:rPr lang="en-US" sz="1600" dirty="0"/>
-              <a:t>Topic 12:  state model time</a:t>
-            </a:r>
-          </a:p>
-          <a:p>
-            <a:r>
-              <a:rPr lang="en-US" sz="1600" dirty="0"/>
-              <a:t>Topic 13:  data algorithm point</a:t>
-            </a:r>
-          </a:p>
-          <a:p>
-            <a:r>
-              <a:rPr lang="en-US" sz="1600" dirty="0"/>
-              <a:t>Topic 14:  gene model expression</a:t>
-            </a:r>
-          </a:p>
-          <a:p>
-            <a:r>
-              <a:rPr lang="en-US" sz="1600" dirty="0"/>
-              <a:t>Topic 15:  neuron model spike</a:t>
-            </a:r>
-          </a:p>
-          <a:p>
-            <a:r>
-              <a:rPr lang="en-US" sz="1600" dirty="0"/>
-              <a:t>Topic 16:  algorithm bound regret</a:t>
-            </a:r>
-          </a:p>
-          <a:p>
-            <a:r>
-              <a:rPr lang="en-US" sz="1600" dirty="0"/>
-              <a:t>Topic 17:  motion model direction</a:t>
-            </a:r>
-          </a:p>
-          <a:p>
-            <a:r>
-              <a:rPr lang="en-US" sz="1600" dirty="0"/>
-              <a:t>Topic 18:  point algorithm set</a:t>
-            </a:r>
-          </a:p>
-          <a:p>
-            <a:r>
-              <a:rPr lang="en-US" sz="1600" dirty="0"/>
-              <a:t>…</a:t>
-            </a:r>
-          </a:p>
-          <a:p>
-            <a:r>
-              <a:rPr lang="en-US" sz="1600" dirty="0"/>
-              <a:t>Topic 38:  model word set</a:t>
-            </a:r>
-          </a:p>
-          <a:p>
-            <a:r>
-              <a:rPr lang="en-US" sz="1600" dirty="0"/>
-              <a:t>Topic 39:  time model spike</a:t>
+              <a:t>Top 3 words topic:</a:t>
+            </a:r>
+          </a:p>
+          <a:p>
+            <a:r>
+              <a:rPr lang="en-US" sz="1600" dirty="0">
+                <a:solidFill>
+                  <a:srgbClr val="FFC000"/>
+                </a:solidFill>
+              </a:rPr>
+              <a:t>Topic 0:  state algorithm policy</a:t>
+            </a:r>
+          </a:p>
+          <a:p>
+            <a:r>
+              <a:rPr lang="en-US" sz="1600" dirty="0">
+                <a:solidFill>
+                  <a:srgbClr val="FFC000"/>
+                </a:solidFill>
+              </a:rPr>
+              <a:t>Topic 1:  neuron spike model</a:t>
+            </a:r>
+          </a:p>
+          <a:p>
+            <a:r>
+              <a:rPr lang="en-US" sz="1600" dirty="0">
+                <a:solidFill>
+                  <a:srgbClr val="FFC000"/>
+                </a:solidFill>
+              </a:rPr>
+              <a:t>Topic 2:  model word set</a:t>
+            </a:r>
+          </a:p>
+          <a:p>
+            <a:r>
+              <a:rPr lang="en-US" sz="1600" dirty="0">
+                <a:solidFill>
+                  <a:srgbClr val="FFC000"/>
+                </a:solidFill>
+              </a:rPr>
+              <a:t>Topic 3:  model distribution data</a:t>
+            </a:r>
+          </a:p>
+          <a:p>
+            <a:r>
+              <a:rPr lang="en-US" sz="1600" dirty="0">
+                <a:solidFill>
+                  <a:srgbClr val="FFC000"/>
+                </a:solidFill>
+              </a:rPr>
+              <a:t>Topic 4:  network input neuron</a:t>
+            </a:r>
+          </a:p>
+          <a:p>
+            <a:r>
+              <a:rPr lang="en-US" sz="1600" dirty="0">
+                <a:solidFill>
+                  <a:srgbClr val="FFC000"/>
+                </a:solidFill>
+              </a:rPr>
+              <a:t>Topic 5:  data model time</a:t>
+            </a:r>
+          </a:p>
+          <a:p>
+            <a:r>
+              <a:rPr lang="en-US" sz="1600" dirty="0">
+                <a:solidFill>
+                  <a:srgbClr val="FFC000"/>
+                </a:solidFill>
+              </a:rPr>
+              <a:t>Topic 6:  game player strategy</a:t>
+            </a:r>
+          </a:p>
+          <a:p>
+            <a:r>
+              <a:rPr lang="en-US" sz="1600" dirty="0">
+                <a:solidFill>
+                  <a:srgbClr val="FFC000"/>
+                </a:solidFill>
+              </a:rPr>
+              <a:t>Topic 7:  note motif chorale</a:t>
+            </a:r>
+          </a:p>
+          <a:p>
+            <a:r>
+              <a:rPr lang="en-US" sz="1600" dirty="0">
+                <a:solidFill>
+                  <a:srgbClr val="FFC000"/>
+                </a:solidFill>
+              </a:rPr>
+              <a:t>Topic 8:  algorithm function bound</a:t>
+            </a:r>
+          </a:p>
+          <a:p>
+            <a:r>
+              <a:rPr lang="en-US" sz="1600" dirty="0">
+                <a:solidFill>
+                  <a:srgbClr val="FFC000"/>
+                </a:solidFill>
+              </a:rPr>
+              <a:t>Topic 9:  algorithm function network</a:t>
+            </a:r>
+          </a:p>
+          <a:p>
+            <a:r>
+              <a:rPr lang="en-US" sz="1600" dirty="0">
+                <a:solidFill>
+                  <a:srgbClr val="FFC000"/>
+                </a:solidFill>
+              </a:rPr>
+              <a:t>Topic 10:  search query algorithm</a:t>
+            </a:r>
+          </a:p>
+          <a:p>
+            <a:r>
+              <a:rPr lang="en-US" sz="1600" dirty="0">
+                <a:solidFill>
+                  <a:srgbClr val="FFC000"/>
+                </a:solidFill>
+              </a:rPr>
+              <a:t>Topic 11:  model learning figure</a:t>
+            </a:r>
+          </a:p>
+          <a:p>
+            <a:r>
+              <a:rPr lang="en-US" sz="1600" dirty="0">
+                <a:solidFill>
+                  <a:srgbClr val="FFC000"/>
+                </a:solidFill>
+              </a:rPr>
+              <a:t>Topic 12:  user item rating</a:t>
+            </a:r>
+          </a:p>
+          <a:p>
+            <a:r>
+              <a:rPr lang="en-US" sz="1600" dirty="0">
+                <a:solidFill>
+                  <a:srgbClr val="FFC000"/>
+                </a:solidFill>
+              </a:rPr>
+              <a:t>Topic 13:  model signal frequency</a:t>
+            </a:r>
+          </a:p>
+          <a:p>
+            <a:r>
+              <a:rPr lang="en-US" sz="1600" dirty="0">
+                <a:solidFill>
+                  <a:srgbClr val="FFC000"/>
+                </a:solidFill>
+              </a:rPr>
+              <a:t>Topic 14:  image model object</a:t>
+            </a:r>
+          </a:p>
+          <a:p>
+            <a:r>
+              <a:rPr lang="en-US" sz="1600" dirty="0">
+                <a:solidFill>
+                  <a:srgbClr val="FFC000"/>
+                </a:solidFill>
+              </a:rPr>
+              <a:t>Topic 15:  data set algorithm</a:t>
+            </a:r>
+          </a:p>
+          <a:p>
+            <a:r>
+              <a:rPr lang="en-US" sz="1600" dirty="0">
+                <a:solidFill>
+                  <a:srgbClr val="FFC000"/>
+                </a:solidFill>
+              </a:rPr>
+              <a:t>Topic 16:  protein structure contact</a:t>
+            </a:r>
+          </a:p>
+          <a:p>
+            <a:r>
+              <a:rPr lang="en-US" sz="1600" dirty="0">
+                <a:solidFill>
+                  <a:srgbClr val="FFC000"/>
+                </a:solidFill>
+              </a:rPr>
+              <a:t>Topic 17:  image model network</a:t>
+            </a:r>
+          </a:p>
+          <a:p>
+            <a:r>
+              <a:rPr lang="en-US" sz="1600" dirty="0">
+                <a:solidFill>
+                  <a:srgbClr val="FFC000"/>
+                </a:solidFill>
+              </a:rPr>
+              <a:t>Topic 18:  matrix algorithm model</a:t>
+            </a:r>
+          </a:p>
+          <a:p>
+            <a:r>
+              <a:rPr lang="en-US" sz="1600" dirty="0">
+                <a:solidFill>
+                  <a:srgbClr val="FFC000"/>
+                </a:solidFill>
+              </a:rPr>
+              <a:t>Topic 19:  model learning control</a:t>
             </a:r>
           </a:p>
         </p:txBody>
@@ -7335,7 +7683,7 @@
         <p:spPr>
           <a:xfrm>
             <a:off x="724250" y="1253651"/>
-            <a:ext cx="6096000" cy="5478423"/>
+            <a:ext cx="6096000" cy="4616648"/>
           </a:xfrm>
           <a:prstGeom prst="rect">
             <a:avLst/>
@@ -7348,51 +7696,145 @@
           <a:lstStyle/>
           <a:p>
             <a:r>
-              <a:rPr lang="en-US" sz="1400" dirty="0"/>
-              <a:t>Topic 0:  data user time packet algorithm policy number privacy set rate value network problem node state result load private learning mechanism classifier given ha traffic method size figure sample vector function</a:t>
-            </a:r>
-          </a:p>
-          <a:p>
-            <a:r>
-              <a:rPr lang="en-US" sz="1400" dirty="0"/>
-              <a:t>Topic 1:  policy state function action value algorithm reward agent learning model problem time set optimal using result number probability method space distribution ha step given figure transition task parameter use approach</a:t>
-            </a:r>
-          </a:p>
-          <a:p>
-            <a:r>
-              <a:rPr lang="en-US" sz="1400" dirty="0"/>
-              <a:t>Topic 2:  reward algorithm action regret arm bandit model time problem bound learning probability case set expected distribution context setting number exploration policy optimal ha result value log figure parameter decision state</a:t>
-            </a:r>
-          </a:p>
-          <a:p>
-            <a:r>
-              <a:rPr lang="en-US" sz="1400" dirty="0"/>
-              <a:t>Topic 3:  layer network model learning training weight unit parameter input using set hidden number data result error feature function method image gradient different deep output used performance use figure size neural</a:t>
-            </a:r>
-          </a:p>
-          <a:p>
-            <a:r>
-              <a:rPr lang="en-US" sz="1400" dirty="0"/>
-              <a:t>Topic 4:  data time algorithm memory number processor model network machine vector training set computation parallel particle figure using matrix ha value neural used learning parameter input state operation weight step problem</a:t>
-            </a:r>
-          </a:p>
-          <a:p>
-            <a:r>
-              <a:rPr lang="en-US" sz="1400" dirty="0"/>
-              <a:t>Topic 5:  model stimulus response cell figure neuron visual image data input </a:t>
-            </a:r>
-            <a:r>
-              <a:rPr lang="en-US" sz="1400" dirty="0" err="1"/>
+              <a:rPr lang="en-US" sz="1400" dirty="0">
+                <a:solidFill>
+                  <a:schemeClr val="accent3">
+                    <a:lumMod val="40000"/>
+                    <a:lumOff val="60000"/>
+                  </a:schemeClr>
+                </a:solidFill>
+              </a:rPr>
+              <a:t>Topic 0:  state algorithm policy function model set value node time action problem graph reward variable number learning agent using result probability distribution given ha method tree figure network optimal case parameter</a:t>
+            </a:r>
+          </a:p>
+          <a:p>
+            <a:r>
+              <a:rPr lang="en-US" sz="1400" dirty="0">
+                <a:solidFill>
+                  <a:schemeClr val="accent3">
+                    <a:lumMod val="40000"/>
+                    <a:lumOff val="60000"/>
+                  </a:schemeClr>
+                </a:solidFill>
+              </a:rPr>
+              <a:t>Topic 1:  neuron spike model time stimulus rate input response information function firing figure distribution noise neural data learning train </a:t>
+            </a:r>
+            <a:r>
+              <a:rPr lang="en-US" sz="1400" dirty="0" err="1">
+                <a:solidFill>
+                  <a:schemeClr val="accent3">
+                    <a:lumMod val="40000"/>
+                    <a:lumOff val="60000"/>
+                  </a:schemeClr>
+                </a:solidFill>
+              </a:rPr>
               <a:t>wa</a:t>
             </a:r>
             <a:r>
-              <a:rPr lang="en-US" sz="1400" dirty="0"/>
-              <a:t> feature map function field different time unit network orientation result information spatial filter activity set using ha layer receptive</a:t>
-            </a:r>
-          </a:p>
-          <a:p>
-            <a:r>
-              <a:rPr lang="en-US" sz="1400" dirty="0"/>
+              <a:rPr lang="en-US" sz="1400" dirty="0">
+                <a:solidFill>
+                  <a:schemeClr val="accent3">
+                    <a:lumMod val="40000"/>
+                    <a:lumOff val="60000"/>
+                  </a:schemeClr>
+                </a:solidFill>
+              </a:rPr>
+              <a:t> state parameter population using different cell network correlation signal value mean</a:t>
+            </a:r>
+          </a:p>
+          <a:p>
+            <a:r>
+              <a:rPr lang="en-US" sz="1400" dirty="0">
+                <a:solidFill>
+                  <a:schemeClr val="accent3">
+                    <a:lumMod val="40000"/>
+                    <a:lumOff val="60000"/>
+                  </a:schemeClr>
+                </a:solidFill>
+              </a:rPr>
+              <a:t>Topic 2:  model word set data training network using used sequence topic number feature result vector input state learning probability distribution </a:t>
+            </a:r>
+            <a:r>
+              <a:rPr lang="en-US" sz="1400" dirty="0" err="1">
+                <a:solidFill>
+                  <a:schemeClr val="accent3">
+                    <a:lumMod val="40000"/>
+                    <a:lumOff val="60000"/>
+                  </a:schemeClr>
+                </a:solidFill>
+              </a:rPr>
+              <a:t>wa</a:t>
+            </a:r>
+            <a:r>
+              <a:rPr lang="en-US" sz="1400" dirty="0">
+                <a:solidFill>
+                  <a:schemeClr val="accent3">
+                    <a:lumMod val="40000"/>
+                    <a:lumOff val="60000"/>
+                  </a:schemeClr>
+                </a:solidFill>
+              </a:rPr>
+              <a:t> time parameter figure document algorithm use ha method function task</a:t>
+            </a:r>
+          </a:p>
+          <a:p>
+            <a:r>
+              <a:rPr lang="en-US" sz="1400" dirty="0">
+                <a:solidFill>
+                  <a:schemeClr val="accent3">
+                    <a:lumMod val="40000"/>
+                    <a:lumOff val="60000"/>
+                  </a:schemeClr>
+                </a:solidFill>
+              </a:rPr>
+              <a:t>Topic 3:  model distribution data function parameter set using method algorithm variable posterior sample prior time gaussian number log given inference process figure used result probability network learning mean use value ha</a:t>
+            </a:r>
+          </a:p>
+          <a:p>
+            <a:r>
+              <a:rPr lang="en-US" sz="1400" dirty="0">
+                <a:solidFill>
+                  <a:schemeClr val="accent3">
+                    <a:lumMod val="40000"/>
+                    <a:lumOff val="60000"/>
+                  </a:schemeClr>
+                </a:solidFill>
+              </a:rPr>
+              <a:t>Topic 4:  network input neuron model time figure output unit function cell pattern weight learning circuit state neural value </a:t>
+            </a:r>
+            <a:r>
+              <a:rPr lang="en-US" sz="1400" dirty="0" err="1">
+                <a:solidFill>
+                  <a:schemeClr val="accent3">
+                    <a:lumMod val="40000"/>
+                    <a:lumOff val="60000"/>
+                  </a:schemeClr>
+                </a:solidFill>
+              </a:rPr>
+              <a:t>wa</a:t>
+            </a:r>
+            <a:r>
+              <a:rPr lang="en-US" sz="1400" dirty="0">
+                <a:solidFill>
+                  <a:schemeClr val="accent3">
+                    <a:lumMod val="40000"/>
+                    <a:lumOff val="60000"/>
+                  </a:schemeClr>
+                </a:solidFill>
+              </a:rPr>
+              <a:t> ha activity connection current set result layer signal synaptic number response used</a:t>
+            </a:r>
+          </a:p>
+          <a:p>
+            <a:r>
+              <a:rPr lang="en-US" sz="1400" dirty="0">
+                <a:solidFill>
+                  <a:schemeClr val="accent3">
+                    <a:lumMod val="40000"/>
+                    <a:lumOff val="60000"/>
+                  </a:schemeClr>
+                </a:solidFill>
+              </a:rPr>
               <a:t>…</a:t>
             </a:r>
           </a:p>
@@ -7428,12 +7870,78 @@
           <a:chExt cx="0" cy="0"/>
         </a:xfrm>
       </p:grpSpPr>
+      <p:sp>
+        <p:nvSpPr>
+          <p:cNvPr id="6" name="TextBox 5">
+            <a:extLst>
+              <a:ext uri="{FF2B5EF4-FFF2-40B4-BE49-F238E27FC236}">
+                <a16:creationId xmlns:a16="http://schemas.microsoft.com/office/drawing/2014/main" id="{2B578609-ECBD-41C1-BCED-B46671828FBF}"/>
+              </a:ext>
+            </a:extLst>
+          </p:cNvPr>
+          <p:cNvSpPr txBox="1"/>
+          <p:nvPr/>
+        </p:nvSpPr>
+        <p:spPr>
+          <a:xfrm>
+            <a:off x="397909" y="914400"/>
+            <a:ext cx="5016617" cy="1815882"/>
+          </a:xfrm>
+          <a:prstGeom prst="rect">
+            <a:avLst/>
+          </a:prstGeom>
+          <a:noFill/>
+        </p:spPr>
+        <p:txBody>
+          <a:bodyPr wrap="square" rtlCol="0">
+            <a:spAutoFit/>
+          </a:bodyPr>
+          <a:lstStyle/>
+          <a:p>
+            <a:r>
+              <a:rPr lang="en-US" sz="1400" dirty="0"/>
+              <a:t>Majority topics </a:t>
+            </a:r>
+          </a:p>
+          <a:p>
+            <a:r>
+              <a:rPr lang="en-US" sz="1400" dirty="0"/>
+              <a:t>Topic 3 : </a:t>
+            </a:r>
+            <a:r>
+              <a:rPr lang="en-US" sz="1400" dirty="0">
+                <a:solidFill>
+                  <a:srgbClr val="FFC000"/>
+                </a:solidFill>
+              </a:rPr>
+              <a:t>image model pixel patch feature face object training network set color data layer using shape scene result method filter figure segmentation texture visual region algorithm distribution pose representation used one</a:t>
+            </a:r>
+          </a:p>
+          <a:p>
+            <a:r>
+              <a:rPr lang="en-US" sz="1400" dirty="0"/>
+              <a:t> #paper : 782</a:t>
+            </a:r>
+            <a:endParaRPr lang="en-US" sz="1400" dirty="0">
+              <a:solidFill>
+                <a:srgbClr val="FFC000"/>
+              </a:solidFill>
+            </a:endParaRPr>
+          </a:p>
+          <a:p>
+            <a:r>
+              <a:rPr lang="en-US" sz="1400" dirty="0"/>
+              <a:t> </a:t>
+            </a:r>
+          </a:p>
+        </p:txBody>
+      </p:sp>
       <p:pic>
         <p:nvPicPr>
-          <p:cNvPr id="4" name="Picture 3">
+          <p:cNvPr id="8" name="Picture 7">
             <a:extLst>
               <a:ext uri="{FF2B5EF4-FFF2-40B4-BE49-F238E27FC236}">
-                <a16:creationId xmlns:a16="http://schemas.microsoft.com/office/drawing/2014/main" id="{437AEA5A-F0F7-48C5-88B1-AE7F45DF40AE}"/>
+                <a16:creationId xmlns:a16="http://schemas.microsoft.com/office/drawing/2014/main" id="{03AD6BE8-3C3B-421E-84CF-66DFD568A10F}"/>
               </a:ext>
             </a:extLst>
           </p:cNvPr>
@@ -7450,8 +7958,8 @@
         </p:blipFill>
         <p:spPr>
           <a:xfrm>
-            <a:off x="397909" y="3858324"/>
-            <a:ext cx="5012447" cy="2626366"/>
+            <a:off x="5654180" y="449943"/>
+            <a:ext cx="6049871" cy="6034747"/>
           </a:xfrm>
           <a:prstGeom prst="rect">
             <a:avLst/>
@@ -7460,10 +7968,10 @@
       </p:pic>
       <p:pic>
         <p:nvPicPr>
-          <p:cNvPr id="5" name="Picture 4">
+          <p:cNvPr id="9" name="Picture 8">
             <a:extLst>
               <a:ext uri="{FF2B5EF4-FFF2-40B4-BE49-F238E27FC236}">
-                <a16:creationId xmlns:a16="http://schemas.microsoft.com/office/drawing/2014/main" id="{3755A7F8-15FC-467A-A43E-5A52A8712688}"/>
+                <a16:creationId xmlns:a16="http://schemas.microsoft.com/office/drawing/2014/main" id="{9CBF1F24-BC51-4974-9BC0-40EA82685DD3}"/>
               </a:ext>
             </a:extLst>
           </p:cNvPr>
@@ -7480,8 +7988,8 @@
         </p:blipFill>
         <p:spPr>
           <a:xfrm>
-            <a:off x="5607458" y="251669"/>
-            <a:ext cx="6331125" cy="6354661"/>
+            <a:off x="238481" y="2982358"/>
+            <a:ext cx="5335471" cy="3502332"/>
           </a:xfrm>
           <a:prstGeom prst="rect">
             <a:avLst/>
@@ -7541,7 +8049,7 @@
           <a:p>
             <a:r>
               <a:rPr lang="en-US" dirty="0"/>
-              <a:t>CONCLUSION</a:t>
+              <a:t>ANALYSIS MODEL</a:t>
             </a:r>
           </a:p>
         </p:txBody>
@@ -7564,10 +8072,119 @@
         </p:nvSpPr>
         <p:spPr/>
         <p:txBody>
-          <a:bodyPr/>
+          <a:bodyPr>
+            <a:normAutofit/>
+          </a:bodyPr>
           <a:lstStyle/>
           <a:p>
+            <a:pPr marL="0" indent="0">
+              <a:buNone/>
+            </a:pPr>
+            <a:r>
+              <a:rPr lang="en-US" dirty="0"/>
+              <a:t>LDA  is a probability model. Measurement :</a:t>
+            </a:r>
+          </a:p>
+          <a:p>
+            <a:pPr>
+              <a:buFont typeface="Wingdings" panose="05000000000000000000" pitchFamily="2" charset="2"/>
+              <a:buChar char="Ø"/>
+            </a:pPr>
+            <a:r>
+              <a:rPr lang="en-US" dirty="0"/>
+              <a:t>Log likelihood : how sensitive likelihood of event, higher is better</a:t>
+            </a:r>
+          </a:p>
+          <a:p>
+            <a:pPr>
+              <a:buFont typeface="Wingdings" panose="05000000000000000000" pitchFamily="2" charset="2"/>
+              <a:buChar char="Ø"/>
+            </a:pPr>
+            <a:r>
+              <a:rPr lang="en-US" dirty="0"/>
+              <a:t>Perplexity : </a:t>
+            </a:r>
+          </a:p>
+          <a:p>
+            <a:pPr marL="0" indent="0">
+              <a:buNone/>
+            </a:pPr>
+            <a:r>
+              <a:rPr lang="en-US" b="1" dirty="0"/>
+              <a:t>perplexity</a:t>
+            </a:r>
+            <a:r>
+              <a:rPr lang="en-US" dirty="0"/>
+              <a:t> is a measurement of how well a </a:t>
+            </a:r>
+            <a:r>
+              <a:rPr lang="en-US" dirty="0">
+                <a:hlinkClick r:id="rId2" tooltip="Probability distribution"/>
+              </a:rPr>
+              <a:t>probability distribution</a:t>
+            </a:r>
+            <a:r>
+              <a:rPr lang="en-US" dirty="0"/>
+              <a:t> or </a:t>
+            </a:r>
+            <a:r>
+              <a:rPr lang="en-US" dirty="0">
+                <a:hlinkClick r:id="rId3" tooltip="Probability model"/>
+              </a:rPr>
+              <a:t>probability model</a:t>
+            </a:r>
+            <a:r>
+              <a:rPr lang="en-US" dirty="0"/>
+              <a:t> predicts a sample. A low perplexity indicates the probability distribution is good at predicting the sample.</a:t>
+            </a:r>
+          </a:p>
+          <a:p>
+            <a:pPr marL="0" indent="0">
+              <a:buNone/>
+            </a:pPr>
+            <a:r>
+              <a:rPr lang="en-US" dirty="0"/>
+              <a:t>Perplexity is defined as exp(-1. * log-likelihood per word)</a:t>
+            </a:r>
+          </a:p>
+          <a:p>
+            <a:pPr marL="0" indent="0">
+              <a:buNone/>
+            </a:pPr>
             <a:endParaRPr lang="en-US" dirty="0"/>
+          </a:p>
+          <a:p>
+            <a:pPr marL="0" indent="0">
+              <a:buNone/>
+            </a:pPr>
+            <a:r>
+              <a:rPr lang="en-US" dirty="0"/>
+              <a:t>Use </a:t>
+            </a:r>
+            <a:r>
+              <a:rPr lang="en-US" b="1" i="1" dirty="0" err="1"/>
+              <a:t>GridSearch</a:t>
+            </a:r>
+            <a:r>
+              <a:rPr lang="en-US" dirty="0"/>
+              <a:t> to find the best parameter of LDA (</a:t>
+            </a:r>
+            <a:r>
+              <a:rPr lang="en-US" dirty="0" err="1"/>
+              <a:t>n_topic</a:t>
+            </a:r>
+            <a:r>
+              <a:rPr lang="en-US" dirty="0"/>
+              <a:t>, </a:t>
+            </a:r>
+            <a:r>
+              <a:rPr lang="en-US" dirty="0" err="1"/>
+              <a:t>learning_decay</a:t>
+            </a:r>
+            <a:r>
+              <a:rPr lang="en-US" dirty="0"/>
+              <a:t>)</a:t>
+            </a:r>
           </a:p>
         </p:txBody>
       </p:sp>
@@ -7575,6 +8192,168 @@
     <p:extLst>
       <p:ext uri="{BB962C8B-B14F-4D97-AF65-F5344CB8AC3E}">
         <p14:creationId xmlns:p14="http://schemas.microsoft.com/office/powerpoint/2010/main" val="761946907"/>
+      </p:ext>
+    </p:extLst>
+  </p:cSld>
+  <p:clrMapOvr>
+    <a:masterClrMapping/>
+  </p:clrMapOvr>
+</p:sld>
+</file>
+
+<file path=ppt/slides/slide17.xml><?xml version="1.0" encoding="utf-8"?>
+<p:sld xmlns:a="http://schemas.openxmlformats.org/drawingml/2006/main" xmlns:r="http://schemas.openxmlformats.org/officeDocument/2006/relationships" xmlns:p="http://schemas.openxmlformats.org/presentationml/2006/main">
+  <p:cSld>
+    <p:spTree>
+      <p:nvGrpSpPr>
+        <p:cNvPr id="1" name=""/>
+        <p:cNvGrpSpPr/>
+        <p:nvPr/>
+      </p:nvGrpSpPr>
+      <p:grpSpPr>
+        <a:xfrm>
+          <a:off x="0" y="0"/>
+          <a:ext cx="0" cy="0"/>
+          <a:chOff x="0" y="0"/>
+          <a:chExt cx="0" cy="0"/>
+        </a:xfrm>
+      </p:grpSpPr>
+      <p:sp>
+        <p:nvSpPr>
+          <p:cNvPr id="2" name="Title 1">
+            <a:extLst>
+              <a:ext uri="{FF2B5EF4-FFF2-40B4-BE49-F238E27FC236}">
+                <a16:creationId xmlns:a16="http://schemas.microsoft.com/office/drawing/2014/main" id="{F51E974D-0175-4FF4-841F-9A5598C800C6}"/>
+              </a:ext>
+            </a:extLst>
+          </p:cNvPr>
+          <p:cNvSpPr>
+            <a:spLocks noGrp="1"/>
+          </p:cNvSpPr>
+          <p:nvPr>
+            <p:ph type="title"/>
+          </p:nvPr>
+        </p:nvSpPr>
+        <p:spPr/>
+        <p:txBody>
+          <a:bodyPr/>
+          <a:lstStyle/>
+          <a:p>
+            <a:endParaRPr lang="en-US"/>
+          </a:p>
+        </p:txBody>
+      </p:sp>
+      <p:sp>
+        <p:nvSpPr>
+          <p:cNvPr id="3" name="Content Placeholder 2">
+            <a:extLst>
+              <a:ext uri="{FF2B5EF4-FFF2-40B4-BE49-F238E27FC236}">
+                <a16:creationId xmlns:a16="http://schemas.microsoft.com/office/drawing/2014/main" id="{540FF9E2-CD3C-4EC9-8044-83FA3050D8D4}"/>
+              </a:ext>
+            </a:extLst>
+          </p:cNvPr>
+          <p:cNvSpPr>
+            <a:spLocks noGrp="1"/>
+          </p:cNvSpPr>
+          <p:nvPr>
+            <p:ph idx="1"/>
+          </p:nvPr>
+        </p:nvSpPr>
+        <p:spPr/>
+        <p:txBody>
+          <a:bodyPr/>
+          <a:lstStyle/>
+          <a:p>
+            <a:r>
+              <a:rPr lang="en-US" dirty="0"/>
+              <a:t>Best Model's Params:  {'</a:t>
+            </a:r>
+            <a:r>
+              <a:rPr lang="en-US" dirty="0" err="1"/>
+              <a:t>learning_decay</a:t>
+            </a:r>
+            <a:r>
+              <a:rPr lang="en-US" dirty="0"/>
+              <a:t>': 0.9, '</a:t>
+            </a:r>
+            <a:r>
+              <a:rPr lang="en-US" dirty="0" err="1"/>
+              <a:t>n_components</a:t>
+            </a:r>
+            <a:r>
+              <a:rPr lang="en-US" dirty="0"/>
+              <a:t>': 20}</a:t>
+            </a:r>
+          </a:p>
+          <a:p>
+            <a:r>
+              <a:rPr lang="en-US" dirty="0"/>
+              <a:t>Best Log Likelihood Score:  -26885032.144534886</a:t>
+            </a:r>
+          </a:p>
+          <a:p>
+            <a:r>
+              <a:rPr lang="en-US" dirty="0"/>
+              <a:t>Model Perplexity:  1372.1462420943</a:t>
+            </a:r>
+          </a:p>
+          <a:p>
+            <a:pPr marL="0" indent="0">
+              <a:buNone/>
+            </a:pPr>
+            <a:r>
+              <a:rPr lang="en-US" dirty="0"/>
+              <a:t>Dominant Topic per document :</a:t>
+            </a:r>
+          </a:p>
+          <a:p>
+            <a:pPr marL="0" indent="0">
+              <a:buNone/>
+            </a:pPr>
+            <a:endParaRPr lang="en-US" dirty="0"/>
+          </a:p>
+          <a:p>
+            <a:pPr marL="0" indent="0">
+              <a:buNone/>
+            </a:pPr>
+            <a:endParaRPr lang="en-US" dirty="0"/>
+          </a:p>
+        </p:txBody>
+      </p:sp>
+      <p:pic>
+        <p:nvPicPr>
+          <p:cNvPr id="4" name="Picture 3">
+            <a:extLst>
+              <a:ext uri="{FF2B5EF4-FFF2-40B4-BE49-F238E27FC236}">
+                <a16:creationId xmlns:a16="http://schemas.microsoft.com/office/drawing/2014/main" id="{BEC116A3-C299-40BE-A681-A617664B4468}"/>
+              </a:ext>
+            </a:extLst>
+          </p:cNvPr>
+          <p:cNvPicPr>
+            <a:picLocks noChangeAspect="1"/>
+          </p:cNvPicPr>
+          <p:nvPr/>
+        </p:nvPicPr>
+        <p:blipFill>
+          <a:blip r:embed="rId2"/>
+          <a:stretch>
+            <a:fillRect/>
+          </a:stretch>
+        </p:blipFill>
+        <p:spPr>
+          <a:xfrm>
+            <a:off x="1103312" y="3950779"/>
+            <a:ext cx="10155186" cy="1946682"/>
+          </a:xfrm>
+          <a:prstGeom prst="rect">
+            <a:avLst/>
+          </a:prstGeom>
+        </p:spPr>
+      </p:pic>
+    </p:spTree>
+    <p:extLst>
+      <p:ext uri="{BB962C8B-B14F-4D97-AF65-F5344CB8AC3E}">
+        <p14:creationId xmlns:p14="http://schemas.microsoft.com/office/powerpoint/2010/main" val="1797282338"/>
       </p:ext>
     </p:extLst>
   </p:cSld>
@@ -8929,7 +9708,7 @@
           <a:p>
             <a:r>
               <a:rPr lang="en-US" dirty="0"/>
-              <a:t>LSA : Found 34 topics</a:t>
+              <a:t>LSA : Found 18 topics</a:t>
             </a:r>
           </a:p>
         </p:txBody>
@@ -8948,8 +9727,8 @@
         </p:nvSpPr>
         <p:spPr>
           <a:xfrm>
-            <a:off x="7896837" y="452718"/>
-            <a:ext cx="3327633" cy="6017032"/>
+            <a:off x="7552889" y="1206771"/>
+            <a:ext cx="3587691" cy="4401205"/>
           </a:xfrm>
           <a:prstGeom prst="rect">
             <a:avLst/>
@@ -8962,251 +9741,198 @@
           <a:lstStyle/>
           <a:p>
             <a:r>
-              <a:rPr lang="en-US" sz="1100" dirty="0"/>
+              <a:rPr lang="en-US" sz="1400" dirty="0"/>
+              <a:t>Top 3 words topic:</a:t>
+            </a:r>
+          </a:p>
+          <a:p>
+            <a:r>
+              <a:rPr lang="en-US" sz="1400" dirty="0">
+                <a:solidFill>
+                  <a:srgbClr val="FFC000"/>
+                </a:solidFill>
+              </a:rPr>
               <a:t>Topic 0:  model algorithm function</a:t>
             </a:r>
           </a:p>
           <a:p>
             <a:r>
-              <a:rPr lang="en-US" sz="1100" dirty="0"/>
-              <a:t>Topic 1:  neuron network cell</a:t>
-            </a:r>
-          </a:p>
-          <a:p>
-            <a:r>
-              <a:rPr lang="en-US" sz="1100" dirty="0"/>
+              <a:rPr lang="en-US" sz="1400" dirty="0">
+                <a:solidFill>
+                  <a:srgbClr val="FFC000"/>
+                </a:solidFill>
+              </a:rPr>
+              <a:t>Topic 1:  neuron cell network</a:t>
+            </a:r>
+          </a:p>
+          <a:p>
+            <a:r>
+              <a:rPr lang="en-US" sz="1400" dirty="0">
+                <a:solidFill>
+                  <a:srgbClr val="FFC000"/>
+                </a:solidFill>
+              </a:rPr>
               <a:t>Topic 2:  policy reward action</a:t>
             </a:r>
           </a:p>
           <a:p>
             <a:r>
-              <a:rPr lang="en-US" sz="1100" dirty="0"/>
+              <a:rPr lang="en-US" sz="1400" dirty="0">
+                <a:solidFill>
+                  <a:srgbClr val="FFC000"/>
+                </a:solidFill>
+              </a:rPr>
               <a:t>Topic 3:  spike neuron firing</a:t>
             </a:r>
           </a:p>
           <a:p>
             <a:r>
-              <a:rPr lang="en-US" sz="1100" dirty="0"/>
+              <a:rPr lang="en-US" sz="1400" dirty="0">
+                <a:solidFill>
+                  <a:srgbClr val="FFC000"/>
+                </a:solidFill>
+              </a:rPr>
               <a:t>Topic 4:  spike stimulus model</a:t>
             </a:r>
           </a:p>
           <a:p>
             <a:r>
-              <a:rPr lang="en-US" sz="1100" dirty="0"/>
+              <a:rPr lang="en-US" sz="1400" dirty="0">
+                <a:solidFill>
+                  <a:srgbClr val="FFC000"/>
+                </a:solidFill>
+              </a:rPr>
               <a:t>Topic 5:  kernel image face</a:t>
             </a:r>
           </a:p>
           <a:p>
             <a:r>
-              <a:rPr lang="en-US" sz="1100" dirty="0"/>
+              <a:rPr lang="en-US" sz="1400" dirty="0">
+                <a:solidFill>
+                  <a:srgbClr val="FFC000"/>
+                </a:solidFill>
+              </a:rPr>
               <a:t>Topic 6:  node graph edge</a:t>
             </a:r>
           </a:p>
           <a:p>
             <a:r>
-              <a:rPr lang="en-US" sz="1100" dirty="0"/>
+              <a:rPr lang="en-US" sz="1400" dirty="0">
+                <a:solidFill>
+                  <a:srgbClr val="FFC000"/>
+                </a:solidFill>
+              </a:rPr>
               <a:t>Topic 7:  kernel graph vertex</a:t>
             </a:r>
           </a:p>
           <a:p>
             <a:r>
-              <a:rPr lang="en-US" sz="1100" dirty="0"/>
+              <a:rPr lang="en-US" sz="1400" dirty="0">
+                <a:solidFill>
+                  <a:srgbClr val="FFC000"/>
+                </a:solidFill>
+              </a:rPr>
               <a:t>Topic 8:  kernel tree node</a:t>
             </a:r>
           </a:p>
           <a:p>
             <a:r>
-              <a:rPr lang="en-US" sz="1100" dirty="0"/>
+              <a:rPr lang="en-US" sz="1400" dirty="0">
+                <a:solidFill>
+                  <a:srgbClr val="FFC000"/>
+                </a:solidFill>
+              </a:rPr>
               <a:t>Topic 9:  blur image blurring</a:t>
             </a:r>
           </a:p>
           <a:p>
             <a:r>
-              <a:rPr lang="en-US" sz="1100" dirty="0"/>
+              <a:rPr lang="en-US" sz="1400" dirty="0">
+                <a:solidFill>
+                  <a:srgbClr val="FFC000"/>
+                </a:solidFill>
+              </a:rPr>
               <a:t>Topic 10:  arm regret bandit</a:t>
             </a:r>
           </a:p>
           <a:p>
             <a:r>
-              <a:rPr lang="en-US" sz="1100" dirty="0"/>
+              <a:rPr lang="en-US" sz="1400" dirty="0">
+                <a:solidFill>
+                  <a:srgbClr val="FFC000"/>
+                </a:solidFill>
+              </a:rPr>
               <a:t>Topic 11:  cluster clustering algorithm</a:t>
             </a:r>
           </a:p>
           <a:p>
             <a:r>
-              <a:rPr lang="en-US" sz="1100" dirty="0"/>
-              <a:t>Topic 12:  topic document word</a:t>
-            </a:r>
-          </a:p>
-          <a:p>
-            <a:r>
-              <a:rPr lang="en-US" sz="1100" dirty="0"/>
-              <a:t>Topic 13:  tree node petition</a:t>
-            </a:r>
-          </a:p>
-          <a:p>
-            <a:r>
-              <a:rPr lang="en-US" sz="1100" dirty="0"/>
-              <a:t>Topic 14:  cell stimulus response</a:t>
-            </a:r>
-          </a:p>
-          <a:p>
-            <a:r>
-              <a:rPr lang="en-US" sz="1100" dirty="0"/>
-              <a:t>Topic 15:  tree suffix string</a:t>
-            </a:r>
-          </a:p>
-          <a:p>
-            <a:r>
-              <a:rPr lang="en-US" sz="1100" dirty="0"/>
-              <a:t>Topic 16:  game player equilibrium</a:t>
-            </a:r>
-          </a:p>
-          <a:p>
-            <a:r>
-              <a:rPr lang="en-US" sz="1100" dirty="0"/>
-              <a:t>Topic 17:  circuit chip voltage</a:t>
-            </a:r>
-          </a:p>
-          <a:p>
-            <a:r>
-              <a:rPr lang="en-US" sz="1100" dirty="0"/>
-              <a:t>Topic 18:  </a:t>
-            </a:r>
-            <a:r>
-              <a:rPr lang="en-US" sz="1100" dirty="0" err="1"/>
-              <a:t>adaboost</a:t>
-            </a:r>
-            <a:r>
-              <a:rPr lang="en-US" sz="1100" dirty="0"/>
-              <a:t> margin ascent</a:t>
-            </a:r>
-          </a:p>
-          <a:p>
-            <a:r>
-              <a:rPr lang="en-US" sz="1100" dirty="0"/>
-              <a:t>Topic 19:  manifold </a:t>
-            </a:r>
-            <a:r>
-              <a:rPr lang="en-US" sz="1100" dirty="0" err="1"/>
-              <a:t>isomap</a:t>
-            </a:r>
-            <a:r>
-              <a:rPr lang="en-US" sz="1100" dirty="0"/>
-              <a:t> data</a:t>
-            </a:r>
-          </a:p>
-          <a:p>
-            <a:r>
-              <a:rPr lang="en-US" sz="1100" dirty="0"/>
-              <a:t>Topic 20:  agent reward arm</a:t>
-            </a:r>
-          </a:p>
-          <a:p>
-            <a:r>
-              <a:rPr lang="en-US" sz="1100" dirty="0"/>
-              <a:t>Topic 21:  object feature </a:t>
-            </a:r>
-            <a:r>
-              <a:rPr lang="en-US" sz="1100" dirty="0" err="1"/>
-              <a:t>ibp</a:t>
-            </a:r>
-            <a:endParaRPr lang="en-US" sz="1100" dirty="0"/>
-          </a:p>
-          <a:p>
-            <a:r>
-              <a:rPr lang="en-US" sz="1100" dirty="0"/>
-              <a:t>Topic 22:  agent representation grid</a:t>
-            </a:r>
-          </a:p>
-          <a:p>
-            <a:r>
-              <a:rPr lang="en-US" sz="1100" dirty="0"/>
-              <a:t>Topic 23:  tensor spike rank</a:t>
-            </a:r>
-          </a:p>
-          <a:p>
-            <a:r>
-              <a:rPr lang="en-US" sz="1100" dirty="0"/>
-              <a:t>Topic 24:  cell rat firing</a:t>
-            </a:r>
-          </a:p>
-          <a:p>
-            <a:r>
-              <a:rPr lang="en-US" sz="1100" dirty="0"/>
-              <a:t>Topic 25:  tensor decomposition matrix</a:t>
-            </a:r>
-          </a:p>
-          <a:p>
-            <a:r>
-              <a:rPr lang="en-US" sz="1100" dirty="0"/>
-              <a:t>Topic 26:  tensor compartment geodesic</a:t>
-            </a:r>
-          </a:p>
-          <a:p>
-            <a:r>
-              <a:rPr lang="en-US" sz="1100" dirty="0"/>
-              <a:t>Topic 27:  query label answer</a:t>
-            </a:r>
-          </a:p>
-          <a:p>
-            <a:r>
-              <a:rPr lang="en-US" sz="1100" dirty="0"/>
-              <a:t>Topic 28:  item user rating</a:t>
-            </a:r>
-          </a:p>
-          <a:p>
-            <a:r>
-              <a:rPr lang="en-US" sz="1100" dirty="0"/>
-              <a:t>Topic 29:  motion velocity direction</a:t>
-            </a:r>
-          </a:p>
-          <a:p>
-            <a:r>
-              <a:rPr lang="en-US" sz="1100" dirty="0"/>
-              <a:t>Topic 30:  submodular function </a:t>
-            </a:r>
-            <a:r>
-              <a:rPr lang="en-US" sz="1100" dirty="0" err="1"/>
-              <a:t>submodularity</a:t>
-            </a:r>
-            <a:endParaRPr lang="en-US" sz="1100" dirty="0"/>
-          </a:p>
-          <a:p>
-            <a:r>
-              <a:rPr lang="en-US" sz="1100" dirty="0"/>
-              <a:t>Topic 31:  estimator </a:t>
-            </a:r>
-            <a:r>
-              <a:rPr lang="en-US" sz="1100" dirty="0" err="1"/>
-              <a:t>mse</a:t>
-            </a:r>
-            <a:r>
-              <a:rPr lang="en-US" sz="1100" dirty="0"/>
-              <a:t> kernel</a:t>
-            </a:r>
-          </a:p>
-          <a:p>
-            <a:r>
-              <a:rPr lang="en-US" sz="1100" dirty="0"/>
-              <a:t>Topic 32:  classifier message </a:t>
-            </a:r>
-            <a:r>
-              <a:rPr lang="en-US" sz="1100" dirty="0" err="1"/>
-              <a:t>rbf</a:t>
-            </a:r>
-            <a:endParaRPr lang="en-US" sz="1100" dirty="0"/>
-          </a:p>
-          <a:p>
-            <a:r>
-              <a:rPr lang="en-US" sz="1100" dirty="0"/>
-              <a:t>Topic 33:  worker manifold expert</a:t>
-            </a:r>
-          </a:p>
-          <a:p>
-            <a:r>
-              <a:rPr lang="en-US" sz="1100" dirty="0"/>
-              <a:t>Topic 34:  bam memory associative</a:t>
+              <a:rPr lang="en-US" sz="1400" dirty="0">
+                <a:solidFill>
+                  <a:srgbClr val="FFC000"/>
+                </a:solidFill>
+              </a:rPr>
+              <a:t>Topic 12:  tensor rank decomposition</a:t>
+            </a:r>
+          </a:p>
+          <a:p>
+            <a:r>
+              <a:rPr lang="en-US" sz="1400" dirty="0">
+                <a:solidFill>
+                  <a:srgbClr val="FFC000"/>
+                </a:solidFill>
+              </a:rPr>
+              <a:t>Topic 13:  topic document word</a:t>
+            </a:r>
+          </a:p>
+          <a:p>
+            <a:r>
+              <a:rPr lang="en-US" sz="1400" dirty="0">
+                <a:solidFill>
+                  <a:srgbClr val="FFC000"/>
+                </a:solidFill>
+              </a:rPr>
+              <a:t>Topic 14:  circuit voltage chip</a:t>
+            </a:r>
+          </a:p>
+          <a:p>
+            <a:r>
+              <a:rPr lang="en-US" sz="1400" dirty="0">
+                <a:solidFill>
+                  <a:srgbClr val="FFC000"/>
+                </a:solidFill>
+              </a:rPr>
+              <a:t>Topic 15:  cell stimulus response</a:t>
+            </a:r>
+          </a:p>
+          <a:p>
+            <a:r>
+              <a:rPr lang="en-US" sz="1400" dirty="0">
+                <a:solidFill>
+                  <a:srgbClr val="FFC000"/>
+                </a:solidFill>
+              </a:rPr>
+              <a:t>Topic 16:  tree suffix string</a:t>
+            </a:r>
+          </a:p>
+          <a:p>
+            <a:r>
+              <a:rPr lang="en-US" sz="1400" dirty="0">
+                <a:solidFill>
+                  <a:srgbClr val="FFC000"/>
+                </a:solidFill>
+              </a:rPr>
+              <a:t>Topic 17:  manifold ranking geodesic</a:t>
+            </a:r>
+          </a:p>
+          <a:p>
+            <a:r>
+              <a:rPr lang="en-US" sz="1400" dirty="0">
+                <a:solidFill>
+                  <a:srgbClr val="FFC000"/>
+                </a:solidFill>
+              </a:rPr>
+              <a:t>Topic 18:  game player equilibrium</a:t>
             </a:r>
           </a:p>
         </p:txBody>
@@ -9247,7 +9973,7 @@
                   </a:schemeClr>
                 </a:solidFill>
               </a:rPr>
-              <a:t>Topic 0:  model algorithm function data network set matrix image distribution learning method problem training feature kernel error result bound using parameter time sample number point vector log input probability value figure</a:t>
+              <a:t>Topic 0:  model algorithm function data network set matrix image distribution learning problem method training feature error kernel result bound using parameter time number sample vector log point input probability value figure</a:t>
             </a:r>
           </a:p>
           <a:p>
@@ -9260,7 +9986,7 @@
                   </a:schemeClr>
                 </a:solidFill>
               </a:rPr>
-              <a:t>Topic 1:  neuron network cell spike stimulus input synaptic response activity model layer firing pattern circuit unit connection synapsis visual excitatory figure output inhibitory frequency chip neural time signal cortical fig inhibition</a:t>
+              <a:t>Topic 1:  neuron cell network spike input stimulus synaptic response activity circuit model layer firing chip pattern unit synapsis connection visual figure excitatory output inhibitory neural motion frequency time signal voltage synapse</a:t>
             </a:r>
           </a:p>
           <a:p>
@@ -9295,7 +10021,7 @@
                   </a:schemeClr>
                 </a:solidFill>
               </a:rPr>
-              <a:t> function algorithm value regret learning optimal trajectory time transition problem model environment reinforcement bound </a:t>
+              <a:t> function algorithm value regret learning optimal trajectory transition time problem model environment reinforcement </a:t>
             </a:r>
             <a:r>
               <a:rPr lang="en-US" sz="1400" dirty="0" err="1">
@@ -9317,7 +10043,7 @@
                   </a:schemeClr>
                 </a:solidFill>
               </a:rPr>
-              <a:t> probability expert set step planning episode decision exploration distribution</a:t>
+              <a:t> bound probability planning expert episode set step decision exploration distribution</a:t>
             </a:r>
           </a:p>
           <a:p>
@@ -9330,7 +10056,7 @@
                   </a:schemeClr>
                 </a:solidFill>
               </a:rPr>
-              <a:t>Topic 3:  spike neuron firing synaptic postsynaptic spiking </a:t>
+              <a:t>Topic 3:  spike neuron firing synaptic postsynaptic </a:t>
             </a:r>
             <a:r>
               <a:rPr lang="en-US" sz="1400" dirty="0" err="1">
@@ -9352,7 +10078,7 @@
                   </a:schemeClr>
                 </a:solidFill>
               </a:rPr>
-              <a:t> presynaptic rate membrane input time synapsis synapse train potential weight network model signal function rule learning circuit timing voltage </a:t>
+              <a:t> spiking presynaptic rate synapse membrane input time synapsis train potential weight network model signal circuit function rule learning voltage timing </a:t>
             </a:r>
             <a:r>
               <a:rPr lang="en-US" sz="1400" dirty="0" err="1">
@@ -9409,7 +10135,7 @@
                   </a:schemeClr>
                 </a:solidFill>
               </a:rPr>
-              <a:t> population correlation response filter renewal </a:t>
+              <a:t> population correlation response filter data renewal </a:t>
             </a:r>
             <a:r>
               <a:rPr lang="en-US" sz="1400" dirty="0" err="1">
@@ -9453,7 +10179,7 @@
                   </a:schemeClr>
                 </a:solidFill>
               </a:rPr>
-              <a:t> data count copula cascaded fig </a:t>
+              <a:t> count copula cascaded fig </a:t>
             </a:r>
             <a:r>
               <a:rPr lang="en-US" sz="1400" dirty="0" err="1">
@@ -9475,29 +10201,7 @@
                   </a:schemeClr>
                 </a:solidFill>
               </a:rPr>
-              <a:t> synchrony recording bin fit train spiking cell time word </a:t>
-            </a:r>
-            <a:r>
-              <a:rPr lang="en-US" sz="1400" dirty="0" err="1">
-                <a:solidFill>
-                  <a:schemeClr val="accent3">
-                    <a:lumMod val="20000"/>
-                    <a:lumOff val="80000"/>
-                  </a:schemeClr>
-                </a:solidFill>
-              </a:rPr>
-              <a:t>ising</a:t>
-            </a:r>
-            <a:r>
-              <a:rPr lang="en-US" sz="1400" dirty="0">
-                <a:solidFill>
-                  <a:schemeClr val="accent3">
-                    <a:lumMod val="20000"/>
-                    <a:lumOff val="80000"/>
-                  </a:schemeClr>
-                </a:solidFill>
-              </a:rPr>
-              <a:t> parameter</a:t>
+              <a:t> synchrony fit recording waveform time bin cell train spiking parameter posterior</a:t>
             </a:r>
           </a:p>
           <a:p>
@@ -9670,10 +10374,10 @@
       </p:grpSpPr>
       <p:pic>
         <p:nvPicPr>
-          <p:cNvPr id="6" name="Picture 5">
+          <p:cNvPr id="8" name="Picture 7">
             <a:extLst>
               <a:ext uri="{FF2B5EF4-FFF2-40B4-BE49-F238E27FC236}">
-                <a16:creationId xmlns:a16="http://schemas.microsoft.com/office/drawing/2014/main" id="{F78A52C3-39C2-46FE-BA18-FBAACF0E92F8}"/>
+                <a16:creationId xmlns:a16="http://schemas.microsoft.com/office/drawing/2014/main" id="{FAD74F86-9CA4-4274-81B5-B473D421D422}"/>
               </a:ext>
             </a:extLst>
           </p:cNvPr>
@@ -9690,8 +10394,8 @@
         </p:blipFill>
         <p:spPr>
           <a:xfrm>
-            <a:off x="268607" y="408963"/>
-            <a:ext cx="5077017" cy="2986481"/>
+            <a:off x="5531765" y="393169"/>
+            <a:ext cx="6472881" cy="6464831"/>
           </a:xfrm>
           <a:prstGeom prst="rect">
             <a:avLst/>
@@ -9700,10 +10404,10 @@
       </p:pic>
       <p:pic>
         <p:nvPicPr>
-          <p:cNvPr id="7" name="Picture 6">
+          <p:cNvPr id="9" name="Picture 8">
             <a:extLst>
               <a:ext uri="{FF2B5EF4-FFF2-40B4-BE49-F238E27FC236}">
-                <a16:creationId xmlns:a16="http://schemas.microsoft.com/office/drawing/2014/main" id="{D0B94C22-C66D-4E28-857D-47B4BED99278}"/>
+                <a16:creationId xmlns:a16="http://schemas.microsoft.com/office/drawing/2014/main" id="{82FFFE71-D58D-4A1D-920E-725E4E30774C}"/>
               </a:ext>
             </a:extLst>
           </p:cNvPr>
@@ -9720,14 +10424,73 @@
         </p:blipFill>
         <p:spPr>
           <a:xfrm>
-            <a:off x="5485670" y="394282"/>
-            <a:ext cx="6359585" cy="6328563"/>
+            <a:off x="81006" y="446670"/>
+            <a:ext cx="5313115" cy="2982330"/>
           </a:xfrm>
           <a:prstGeom prst="rect">
             <a:avLst/>
           </a:prstGeom>
         </p:spPr>
       </p:pic>
+      <p:sp>
+        <p:nvSpPr>
+          <p:cNvPr id="10" name="TextBox 9">
+            <a:extLst>
+              <a:ext uri="{FF2B5EF4-FFF2-40B4-BE49-F238E27FC236}">
+                <a16:creationId xmlns:a16="http://schemas.microsoft.com/office/drawing/2014/main" id="{AFBB3BE0-7718-44CB-B9BC-B8BA67DEB194}"/>
+              </a:ext>
+            </a:extLst>
+          </p:cNvPr>
+          <p:cNvSpPr txBox="1"/>
+          <p:nvPr/>
+        </p:nvSpPr>
+        <p:spPr>
+          <a:xfrm>
+            <a:off x="229254" y="3984771"/>
+            <a:ext cx="5016617" cy="1600438"/>
+          </a:xfrm>
+          <a:prstGeom prst="rect">
+            <a:avLst/>
+          </a:prstGeom>
+          <a:noFill/>
+        </p:spPr>
+        <p:txBody>
+          <a:bodyPr wrap="square" rtlCol="0">
+            <a:spAutoFit/>
+          </a:bodyPr>
+          <a:lstStyle/>
+          <a:p>
+            <a:r>
+              <a:rPr lang="en-US" sz="1400" dirty="0"/>
+              <a:t>Majority topics</a:t>
+            </a:r>
+            <a:br>
+              <a:rPr lang="en-US" sz="1400" dirty="0"/>
+            </a:br>
+            <a:r>
+              <a:rPr lang="en-US" sz="1400" dirty="0"/>
+              <a:t>Topic 3 : </a:t>
+            </a:r>
+            <a:r>
+              <a:rPr lang="en-US" sz="1400" dirty="0">
+                <a:solidFill>
+                  <a:schemeClr val="accent3">
+                    <a:lumMod val="20000"/>
+                    <a:lumOff val="80000"/>
+                  </a:schemeClr>
+                </a:solidFill>
+              </a:rPr>
+              <a:t>model algorithm function data network set matrix image distribution learning problem method training feature error kernel result bound using parameter time number sample vector log point input probability value figure</a:t>
+            </a:r>
+          </a:p>
+          <a:p>
+            <a:r>
+              <a:rPr lang="en-US" sz="1400" dirty="0"/>
+              <a:t> #paper : 6157</a:t>
+            </a:r>
+          </a:p>
+        </p:txBody>
+      </p:sp>
     </p:spTree>
     <p:extLst>
       <p:ext uri="{BB962C8B-B14F-4D97-AF65-F5344CB8AC3E}">

--- a/Topic Modeling NIPS paper.pptx
+++ b/Topic Modeling NIPS paper.pptx
@@ -22,6 +22,7 @@
     <p:sldId id="270" r:id="rId16"/>
     <p:sldId id="271" r:id="rId17"/>
     <p:sldId id="272" r:id="rId18"/>
+    <p:sldId id="273" r:id="rId19"/>
   </p:sldIdLst>
   <p:sldSz cx="12192000" cy="6858000"/>
   <p:notesSz cx="6858000" cy="9144000"/>
@@ -8363,6 +8364,139 @@
 </p:sld>
 </file>
 
+<file path=ppt/slides/slide18.xml><?xml version="1.0" encoding="utf-8"?>
+<p:sld xmlns:a="http://schemas.openxmlformats.org/drawingml/2006/main" xmlns:r="http://schemas.openxmlformats.org/officeDocument/2006/relationships" xmlns:p="http://schemas.openxmlformats.org/presentationml/2006/main">
+  <p:cSld>
+    <p:spTree>
+      <p:nvGrpSpPr>
+        <p:cNvPr id="1" name=""/>
+        <p:cNvGrpSpPr/>
+        <p:nvPr/>
+      </p:nvGrpSpPr>
+      <p:grpSpPr>
+        <a:xfrm>
+          <a:off x="0" y="0"/>
+          <a:ext cx="0" cy="0"/>
+          <a:chOff x="0" y="0"/>
+          <a:chExt cx="0" cy="0"/>
+        </a:xfrm>
+      </p:grpSpPr>
+      <p:sp>
+        <p:nvSpPr>
+          <p:cNvPr id="2" name="Title 1">
+            <a:extLst>
+              <a:ext uri="{FF2B5EF4-FFF2-40B4-BE49-F238E27FC236}">
+                <a16:creationId xmlns:a16="http://schemas.microsoft.com/office/drawing/2014/main" id="{C02B566F-CA1F-4C30-A53F-4B6AA540FCC4}"/>
+              </a:ext>
+            </a:extLst>
+          </p:cNvPr>
+          <p:cNvSpPr>
+            <a:spLocks noGrp="1"/>
+          </p:cNvSpPr>
+          <p:nvPr>
+            <p:ph type="title"/>
+          </p:nvPr>
+        </p:nvSpPr>
+        <p:spPr/>
+        <p:txBody>
+          <a:bodyPr/>
+          <a:lstStyle/>
+          <a:p>
+            <a:r>
+              <a:rPr lang="en-US" dirty="0"/>
+              <a:t>Topic Coherence</a:t>
+            </a:r>
+          </a:p>
+        </p:txBody>
+      </p:sp>
+      <p:sp>
+        <p:nvSpPr>
+          <p:cNvPr id="3" name="Content Placeholder 2">
+            <a:extLst>
+              <a:ext uri="{FF2B5EF4-FFF2-40B4-BE49-F238E27FC236}">
+                <a16:creationId xmlns:a16="http://schemas.microsoft.com/office/drawing/2014/main" id="{E1F3E730-D3DB-40E2-8090-4310490F0484}"/>
+              </a:ext>
+            </a:extLst>
+          </p:cNvPr>
+          <p:cNvSpPr>
+            <a:spLocks noGrp="1"/>
+          </p:cNvSpPr>
+          <p:nvPr>
+            <p:ph idx="1"/>
+          </p:nvPr>
+        </p:nvSpPr>
+        <p:spPr/>
+        <p:txBody>
+          <a:bodyPr>
+            <a:normAutofit fontScale="92500" lnSpcReduction="10000"/>
+          </a:bodyPr>
+          <a:lstStyle/>
+          <a:p>
+            <a:r>
+              <a:rPr lang="en-US" dirty="0"/>
+              <a:t>Topic Coherence is a measure used to evaluate topic models</a:t>
+            </a:r>
+          </a:p>
+          <a:p>
+            <a:r>
+              <a:rPr lang="en-US" dirty="0"/>
+              <a:t>topic coherence is applied to the top N words from the topic. It is defined as the average / median of the pairwise word-similarity scores of the words in the topic </a:t>
+            </a:r>
+          </a:p>
+          <a:p>
+            <a:r>
+              <a:rPr lang="en-US" dirty="0"/>
+              <a:t>A good model will generate coherent topics, i.e., topics with high topic coherence scores. Good topics are topics that can be described by a short label, therefore this is what the topic coherence measure should capture.</a:t>
+            </a:r>
+          </a:p>
+          <a:p>
+            <a:pPr marL="0" indent="0">
+              <a:buNone/>
+            </a:pPr>
+            <a:endParaRPr lang="en-US" dirty="0"/>
+          </a:p>
+          <a:p>
+            <a:pPr marL="0" indent="0">
+              <a:buNone/>
+            </a:pPr>
+            <a:r>
+              <a:rPr lang="en-US" dirty="0"/>
+              <a:t>Topics coherence LSA values = -1.936255302421058</a:t>
+            </a:r>
+          </a:p>
+          <a:p>
+            <a:pPr marL="0" indent="0">
+              <a:buNone/>
+            </a:pPr>
+            <a:r>
+              <a:rPr lang="en-US" dirty="0"/>
+              <a:t>Topics coherence NMF values = -0.8832852958216879</a:t>
+            </a:r>
+          </a:p>
+          <a:p>
+            <a:pPr marL="0" indent="0">
+              <a:buNone/>
+            </a:pPr>
+            <a:r>
+              <a:rPr lang="en-US" dirty="0"/>
+              <a:t>Topics coherence LDA values = -0.7863112062812903</a:t>
+            </a:r>
+          </a:p>
+        </p:txBody>
+      </p:sp>
+    </p:spTree>
+    <p:extLst>
+      <p:ext uri="{BB962C8B-B14F-4D97-AF65-F5344CB8AC3E}">
+        <p14:creationId xmlns:p14="http://schemas.microsoft.com/office/powerpoint/2010/main" val="1636018862"/>
+      </p:ext>
+    </p:extLst>
+  </p:cSld>
+  <p:clrMapOvr>
+    <a:masterClrMapping/>
+  </p:clrMapOvr>
+</p:sld>
+</file>
+
 <file path=ppt/slides/slide2.xml><?xml version="1.0" encoding="utf-8"?>
 <p:sld xmlns:a="http://schemas.openxmlformats.org/drawingml/2006/main" xmlns:r="http://schemas.openxmlformats.org/officeDocument/2006/relationships" xmlns:p="http://schemas.openxmlformats.org/presentationml/2006/main">
   <p:cSld>
